--- a/misc/propane.pptx
+++ b/misc/propane.pptx
@@ -6,6 +6,7 @@
   </p:sldMasterIdLst>
   <p:sldIdLst>
     <p:sldId id="256" r:id="rId2"/>
+    <p:sldId id="257" r:id="rId3"/>
   </p:sldIdLst>
   <p:sldSz cx="12192000" cy="6858000"/>
   <p:notesSz cx="6858000" cy="9144000"/>
@@ -258,7 +259,7 @@
           <a:lstStyle/>
           <a:p>
             <a:fld id="{5F491023-0B0A-7041-9F06-D25A50EF063B}" type="datetimeFigureOut">
-              <a:t>6/20/22</a:t>
+              <a:t>2/25/25</a:t>
             </a:fld>
             <a:endParaRPr lang="en-US"/>
           </a:p>
@@ -454,7 +455,7 @@
           <a:lstStyle/>
           <a:p>
             <a:fld id="{5F491023-0B0A-7041-9F06-D25A50EF063B}" type="datetimeFigureOut">
-              <a:t>6/20/22</a:t>
+              <a:t>2/25/25</a:t>
             </a:fld>
             <a:endParaRPr lang="en-US"/>
           </a:p>
@@ -660,7 +661,7 @@
           <a:lstStyle/>
           <a:p>
             <a:fld id="{5F491023-0B0A-7041-9F06-D25A50EF063B}" type="datetimeFigureOut">
-              <a:t>6/20/22</a:t>
+              <a:t>2/25/25</a:t>
             </a:fld>
             <a:endParaRPr lang="en-US"/>
           </a:p>
@@ -856,7 +857,7 @@
           <a:lstStyle/>
           <a:p>
             <a:fld id="{5F491023-0B0A-7041-9F06-D25A50EF063B}" type="datetimeFigureOut">
-              <a:t>6/20/22</a:t>
+              <a:t>2/25/25</a:t>
             </a:fld>
             <a:endParaRPr lang="en-US"/>
           </a:p>
@@ -1129,7 +1130,7 @@
           <a:lstStyle/>
           <a:p>
             <a:fld id="{5F491023-0B0A-7041-9F06-D25A50EF063B}" type="datetimeFigureOut">
-              <a:t>6/20/22</a:t>
+              <a:t>2/25/25</a:t>
             </a:fld>
             <a:endParaRPr lang="en-US"/>
           </a:p>
@@ -1392,7 +1393,7 @@
           <a:lstStyle/>
           <a:p>
             <a:fld id="{5F491023-0B0A-7041-9F06-D25A50EF063B}" type="datetimeFigureOut">
-              <a:t>6/20/22</a:t>
+              <a:t>2/25/25</a:t>
             </a:fld>
             <a:endParaRPr lang="en-US"/>
           </a:p>
@@ -1802,7 +1803,7 @@
           <a:lstStyle/>
           <a:p>
             <a:fld id="{5F491023-0B0A-7041-9F06-D25A50EF063B}" type="datetimeFigureOut">
-              <a:t>6/20/22</a:t>
+              <a:t>2/25/25</a:t>
             </a:fld>
             <a:endParaRPr lang="en-US"/>
           </a:p>
@@ -1941,7 +1942,7 @@
           <a:lstStyle/>
           <a:p>
             <a:fld id="{5F491023-0B0A-7041-9F06-D25A50EF063B}" type="datetimeFigureOut">
-              <a:t>6/20/22</a:t>
+              <a:t>2/25/25</a:t>
             </a:fld>
             <a:endParaRPr lang="en-US"/>
           </a:p>
@@ -2052,7 +2053,7 @@
           <a:lstStyle/>
           <a:p>
             <a:fld id="{5F491023-0B0A-7041-9F06-D25A50EF063B}" type="datetimeFigureOut">
-              <a:t>6/20/22</a:t>
+              <a:t>2/25/25</a:t>
             </a:fld>
             <a:endParaRPr lang="en-US"/>
           </a:p>
@@ -2361,7 +2362,7 @@
           <a:lstStyle/>
           <a:p>
             <a:fld id="{5F491023-0B0A-7041-9F06-D25A50EF063B}" type="datetimeFigureOut">
-              <a:t>6/20/22</a:t>
+              <a:t>2/25/25</a:t>
             </a:fld>
             <a:endParaRPr lang="en-US"/>
           </a:p>
@@ -2647,7 +2648,7 @@
           <a:lstStyle/>
           <a:p>
             <a:fld id="{5F491023-0B0A-7041-9F06-D25A50EF063B}" type="datetimeFigureOut">
-              <a:t>6/20/22</a:t>
+              <a:t>2/25/25</a:t>
             </a:fld>
             <a:endParaRPr lang="en-US"/>
           </a:p>
@@ -2886,7 +2887,7 @@
           </a:lstStyle>
           <a:p>
             <a:fld id="{5F491023-0B0A-7041-9F06-D25A50EF063B}" type="datetimeFigureOut">
-              <a:t>6/20/22</a:t>
+              <a:t>2/25/25</a:t>
             </a:fld>
             <a:endParaRPr lang="en-US"/>
           </a:p>
@@ -3670,6 +3671,621 @@
 </p:sld>
 </file>
 
+<file path=ppt/slides/slide2.xml><?xml version="1.0" encoding="utf-8"?>
+<p:sld xmlns:a="http://schemas.openxmlformats.org/drawingml/2006/main" xmlns:r="http://schemas.openxmlformats.org/officeDocument/2006/relationships" xmlns:p="http://schemas.openxmlformats.org/presentationml/2006/main">
+  <p:cSld>
+    <p:spTree>
+      <p:nvGrpSpPr>
+        <p:cNvPr id="1" name="">
+          <a:extLst>
+            <a:ext uri="{FF2B5EF4-FFF2-40B4-BE49-F238E27FC236}">
+              <a16:creationId xmlns:a16="http://schemas.microsoft.com/office/drawing/2014/main" id="{BD47FCC9-7A23-BE96-A667-43204C26EB0C}"/>
+            </a:ext>
+          </a:extLst>
+        </p:cNvPr>
+        <p:cNvGrpSpPr/>
+        <p:nvPr/>
+      </p:nvGrpSpPr>
+      <p:grpSpPr>
+        <a:xfrm>
+          <a:off x="0" y="0"/>
+          <a:ext cx="0" cy="0"/>
+          <a:chOff x="0" y="0"/>
+          <a:chExt cx="0" cy="0"/>
+        </a:xfrm>
+      </p:grpSpPr>
+      <p:sp>
+        <p:nvSpPr>
+          <p:cNvPr id="4" name="TextBox 3">
+            <a:extLst>
+              <a:ext uri="{FF2B5EF4-FFF2-40B4-BE49-F238E27FC236}">
+                <a16:creationId xmlns:a16="http://schemas.microsoft.com/office/drawing/2014/main" id="{5E28B814-3A5D-493D-E715-2F5B277DC7E9}"/>
+              </a:ext>
+            </a:extLst>
+          </p:cNvPr>
+          <p:cNvSpPr txBox="1"/>
+          <p:nvPr/>
+        </p:nvSpPr>
+        <p:spPr>
+          <a:xfrm>
+            <a:off x="0" y="0"/>
+            <a:ext cx="4330262" cy="523220"/>
+          </a:xfrm>
+          <a:prstGeom prst="rect">
+            <a:avLst/>
+          </a:prstGeom>
+          <a:noFill/>
+        </p:spPr>
+        <p:txBody>
+          <a:bodyPr wrap="square" rtlCol="0">
+            <a:spAutoFit/>
+          </a:bodyPr>
+          <a:lstStyle/>
+          <a:p>
+            <a:r>
+              <a:rPr lang="en-US" sz="2800" b="1"/>
+              <a:t>Propane</a:t>
+            </a:r>
+          </a:p>
+        </p:txBody>
+      </p:sp>
+      <p:sp>
+        <p:nvSpPr>
+          <p:cNvPr id="5" name="TextBox 4">
+            <a:extLst>
+              <a:ext uri="{FF2B5EF4-FFF2-40B4-BE49-F238E27FC236}">
+                <a16:creationId xmlns:a16="http://schemas.microsoft.com/office/drawing/2014/main" id="{0C568D7B-6DA8-D8C9-B980-D07A6DDE5B32}"/>
+              </a:ext>
+            </a:extLst>
+          </p:cNvPr>
+          <p:cNvSpPr txBox="1"/>
+          <p:nvPr/>
+        </p:nvSpPr>
+        <p:spPr>
+          <a:xfrm>
+            <a:off x="122183" y="523220"/>
+            <a:ext cx="5973817" cy="2462213"/>
+          </a:xfrm>
+          <a:prstGeom prst="rect">
+            <a:avLst/>
+          </a:prstGeom>
+          <a:solidFill>
+            <a:schemeClr val="accent4">
+              <a:lumMod val="20000"/>
+              <a:lumOff val="80000"/>
+            </a:schemeClr>
+          </a:solidFill>
+          <a:ln>
+            <a:solidFill>
+              <a:srgbClr val="FF0000"/>
+            </a:solidFill>
+          </a:ln>
+        </p:spPr>
+        <p:txBody>
+          <a:bodyPr wrap="square" rtlCol="0">
+            <a:spAutoFit/>
+          </a:bodyPr>
+          <a:lstStyle/>
+          <a:p>
+            <a:pPr marL="285750" indent="-285750">
+              <a:buFont typeface="Arial" panose="020B0604020202020204" pitchFamily="34" charset="0"/>
+              <a:buChar char="•"/>
+            </a:pPr>
+            <a:r>
+              <a:rPr lang="en-US" sz="1400" dirty="0">
+                <a:latin typeface="Calibri" panose="020F0502020204030204" pitchFamily="34" charset="0"/>
+                <a:cs typeface="Calibri" panose="020F0502020204030204" pitchFamily="34" charset="0"/>
+              </a:rPr>
+              <a:t>Tank has pressure 100-200 PSI (up to 250 PSI in hot weather and full tank)</a:t>
+            </a:r>
+          </a:p>
+          <a:p>
+            <a:pPr marL="285750" indent="-285750">
+              <a:buFont typeface="Arial" panose="020B0604020202020204" pitchFamily="34" charset="0"/>
+              <a:buChar char="•"/>
+            </a:pPr>
+            <a:r>
+              <a:rPr lang="en-US" sz="1400" dirty="0">
+                <a:latin typeface="Calibri" panose="020F0502020204030204" pitchFamily="34" charset="0"/>
+                <a:cs typeface="Calibri" panose="020F0502020204030204" pitchFamily="34" charset="0"/>
+              </a:rPr>
+              <a:t>Cooking stove uses 0.4 PSI</a:t>
+            </a:r>
+          </a:p>
+          <a:p>
+            <a:pPr marL="285750" indent="-285750">
+              <a:buFont typeface="Arial" panose="020B0604020202020204" pitchFamily="34" charset="0"/>
+              <a:buChar char="•"/>
+            </a:pPr>
+            <a:r>
+              <a:rPr lang="en-US" sz="1400" dirty="0">
+                <a:latin typeface="Calibri" panose="020F0502020204030204" pitchFamily="34" charset="0"/>
+                <a:cs typeface="Calibri" panose="020F0502020204030204" pitchFamily="34" charset="0"/>
+              </a:rPr>
+              <a:t>The reduction is usually done in two steps: </a:t>
+            </a:r>
+            <a:br>
+              <a:rPr lang="en-US" sz="1400" dirty="0">
+                <a:latin typeface="Calibri" panose="020F0502020204030204" pitchFamily="34" charset="0"/>
+                <a:cs typeface="Calibri" panose="020F0502020204030204" pitchFamily="34" charset="0"/>
+              </a:rPr>
+            </a:br>
+            <a:r>
+              <a:rPr lang="en-US" sz="1400" dirty="0">
+                <a:latin typeface="Calibri" panose="020F0502020204030204" pitchFamily="34" charset="0"/>
+                <a:cs typeface="Calibri" panose="020F0502020204030204" pitchFamily="34" charset="0"/>
+              </a:rPr>
+              <a:t> - reduce to 10 PSI</a:t>
+            </a:r>
+            <a:br>
+              <a:rPr lang="en-US" sz="1400" dirty="0">
+                <a:latin typeface="Calibri" panose="020F0502020204030204" pitchFamily="34" charset="0"/>
+                <a:cs typeface="Calibri" panose="020F0502020204030204" pitchFamily="34" charset="0"/>
+              </a:rPr>
+            </a:br>
+            <a:r>
+              <a:rPr lang="en-US" sz="1400" dirty="0">
+                <a:latin typeface="Calibri" panose="020F0502020204030204" pitchFamily="34" charset="0"/>
+                <a:cs typeface="Calibri" panose="020F0502020204030204" pitchFamily="34" charset="0"/>
+              </a:rPr>
+              <a:t> - reduce to 0.4 PSI</a:t>
+            </a:r>
+          </a:p>
+          <a:p>
+            <a:pPr marL="285750" indent="-285750">
+              <a:buFont typeface="Arial" panose="020B0604020202020204" pitchFamily="34" charset="0"/>
+              <a:buChar char="•"/>
+            </a:pPr>
+            <a:r>
+              <a:rPr lang="en-US" sz="1400" dirty="0">
+                <a:latin typeface="Calibri" panose="020F0502020204030204" pitchFamily="34" charset="0"/>
+                <a:cs typeface="Calibri" panose="020F0502020204030204" pitchFamily="34" charset="0"/>
+              </a:rPr>
+              <a:t>Tank should be transported only in vertical state</a:t>
+            </a:r>
+          </a:p>
+          <a:p>
+            <a:pPr marL="285750" indent="-285750">
+              <a:buFont typeface="Arial" panose="020B0604020202020204" pitchFamily="34" charset="0"/>
+              <a:buChar char="•"/>
+            </a:pPr>
+            <a:r>
+              <a:rPr lang="en-US" sz="1400" dirty="0">
+                <a:latin typeface="Calibri" panose="020F0502020204030204" pitchFamily="34" charset="0"/>
+                <a:cs typeface="Calibri" panose="020F0502020204030204" pitchFamily="34" charset="0"/>
+              </a:rPr>
+              <a:t>Tank should be filled no more than 80% (to leave some space for expansion)</a:t>
+            </a:r>
+          </a:p>
+          <a:p>
+            <a:pPr marL="285750" indent="-285750">
+              <a:buFont typeface="Arial" panose="020B0604020202020204" pitchFamily="34" charset="0"/>
+              <a:buChar char="•"/>
+            </a:pPr>
+            <a:r>
+              <a:rPr lang="en-US" sz="1400" b="0" i="0" dirty="0">
+                <a:solidFill>
+                  <a:srgbClr val="001D35"/>
+                </a:solidFill>
+                <a:effectLst/>
+                <a:latin typeface="Calibri" panose="020F0502020204030204" pitchFamily="34" charset="0"/>
+                <a:cs typeface="Calibri" panose="020F0502020204030204" pitchFamily="34" charset="0"/>
+              </a:rPr>
+              <a:t>A full100 </a:t>
+            </a:r>
+            <a:r>
+              <a:rPr lang="en-US" sz="1400" b="0" i="0" dirty="0" err="1">
+                <a:solidFill>
+                  <a:srgbClr val="001D35"/>
+                </a:solidFill>
+                <a:effectLst/>
+                <a:latin typeface="Calibri" panose="020F0502020204030204" pitchFamily="34" charset="0"/>
+                <a:cs typeface="Calibri" panose="020F0502020204030204" pitchFamily="34" charset="0"/>
+              </a:rPr>
+              <a:t>lb</a:t>
+            </a:r>
+            <a:r>
+              <a:rPr lang="en-US" sz="1400" b="0" i="0" dirty="0">
+                <a:solidFill>
+                  <a:srgbClr val="001D35"/>
+                </a:solidFill>
+                <a:effectLst/>
+                <a:latin typeface="Calibri" panose="020F0502020204030204" pitchFamily="34" charset="0"/>
+                <a:cs typeface="Calibri" panose="020F0502020204030204" pitchFamily="34" charset="0"/>
+              </a:rPr>
+              <a:t> propane tank weighs ~ 170 lbs. It holds ~23.6 gallons of propane, and propane weighs around 4.2 pounds per gallon. </a:t>
+            </a:r>
+          </a:p>
+          <a:p>
+            <a:pPr marL="285750" indent="-285750">
+              <a:buFont typeface="Arial" panose="020B0604020202020204" pitchFamily="34" charset="0"/>
+              <a:buChar char="•"/>
+            </a:pPr>
+            <a:r>
+              <a:rPr lang="en-US" sz="1400" dirty="0">
+                <a:latin typeface="Calibri" panose="020F0502020204030204" pitchFamily="34" charset="0"/>
+                <a:cs typeface="Calibri" panose="020F0502020204030204" pitchFamily="34" charset="0"/>
+              </a:rPr>
+              <a:t>Measure fulness: by weight, by sound, by temperature, </a:t>
+            </a:r>
+          </a:p>
+          <a:p>
+            <a:pPr marL="285750" indent="-285750">
+              <a:buFont typeface="Arial" panose="020B0604020202020204" pitchFamily="34" charset="0"/>
+              <a:buChar char="•"/>
+            </a:pPr>
+            <a:r>
+              <a:rPr lang="en-US" sz="1400" dirty="0">
+                <a:latin typeface="Calibri" panose="020F0502020204030204" pitchFamily="34" charset="0"/>
+                <a:cs typeface="Calibri" panose="020F0502020204030204" pitchFamily="34" charset="0"/>
+              </a:rPr>
+              <a:t>ultrasound meter - </a:t>
+            </a:r>
+            <a:r>
+              <a:rPr lang="en-US" sz="1400" dirty="0" err="1">
+                <a:latin typeface="Calibri" panose="020F0502020204030204" pitchFamily="34" charset="0"/>
+                <a:cs typeface="Calibri" panose="020F0502020204030204" pitchFamily="34" charset="0"/>
+              </a:rPr>
+              <a:t>truma</a:t>
+            </a:r>
+            <a:r>
+              <a:rPr lang="en-US" sz="1400" dirty="0">
+                <a:latin typeface="Calibri" panose="020F0502020204030204" pitchFamily="34" charset="0"/>
+                <a:cs typeface="Calibri" panose="020F0502020204030204" pitchFamily="34" charset="0"/>
+              </a:rPr>
+              <a:t> propane level check</a:t>
+            </a:r>
+          </a:p>
+        </p:txBody>
+      </p:sp>
+      <p:sp>
+        <p:nvSpPr>
+          <p:cNvPr id="7" name="TextBox 6">
+            <a:extLst>
+              <a:ext uri="{FF2B5EF4-FFF2-40B4-BE49-F238E27FC236}">
+                <a16:creationId xmlns:a16="http://schemas.microsoft.com/office/drawing/2014/main" id="{3296EDFE-AA24-9015-726F-280A48963E04}"/>
+              </a:ext>
+            </a:extLst>
+          </p:cNvPr>
+          <p:cNvSpPr txBox="1"/>
+          <p:nvPr/>
+        </p:nvSpPr>
+        <p:spPr>
+          <a:xfrm>
+            <a:off x="9097543" y="5721796"/>
+            <a:ext cx="2042636" cy="523220"/>
+          </a:xfrm>
+          <a:prstGeom prst="rect">
+            <a:avLst/>
+          </a:prstGeom>
+          <a:noFill/>
+        </p:spPr>
+        <p:txBody>
+          <a:bodyPr wrap="square" rtlCol="0">
+            <a:spAutoFit/>
+          </a:bodyPr>
+          <a:lstStyle/>
+          <a:p>
+            <a:r>
+              <a:rPr lang="en-US" sz="1400" dirty="0"/>
+              <a:t>Line Regulator</a:t>
+            </a:r>
+          </a:p>
+          <a:p>
+            <a:r>
+              <a:rPr lang="en-US" sz="1400" dirty="0"/>
+              <a:t>(pressure regulator)</a:t>
+            </a:r>
+          </a:p>
+        </p:txBody>
+      </p:sp>
+      <p:pic>
+        <p:nvPicPr>
+          <p:cNvPr id="8" name="Picture 7">
+            <a:extLst>
+              <a:ext uri="{FF2B5EF4-FFF2-40B4-BE49-F238E27FC236}">
+                <a16:creationId xmlns:a16="http://schemas.microsoft.com/office/drawing/2014/main" id="{F59FA98A-A580-D7F3-C423-053ED9490B1F}"/>
+              </a:ext>
+            </a:extLst>
+          </p:cNvPr>
+          <p:cNvPicPr>
+            <a:picLocks noChangeAspect="1"/>
+          </p:cNvPicPr>
+          <p:nvPr/>
+        </p:nvPicPr>
+        <p:blipFill>
+          <a:blip r:embed="rId2" cstate="email">
+            <a:extLst>
+              <a:ext uri="{28A0092B-C50C-407E-A947-70E740481C1C}">
+                <a14:useLocalDpi xmlns:a14="http://schemas.microsoft.com/office/drawing/2010/main"/>
+              </a:ext>
+            </a:extLst>
+          </a:blip>
+          <a:stretch>
+            <a:fillRect/>
+          </a:stretch>
+        </p:blipFill>
+        <p:spPr>
+          <a:xfrm>
+            <a:off x="10210543" y="3406876"/>
+            <a:ext cx="1859273" cy="2081811"/>
+          </a:xfrm>
+          <a:prstGeom prst="rect">
+            <a:avLst/>
+          </a:prstGeom>
+        </p:spPr>
+      </p:pic>
+      <p:pic>
+        <p:nvPicPr>
+          <p:cNvPr id="1028" name="Picture 4" descr="Propane Gas Regulator AR-19 CGA 510 ...">
+            <a:extLst>
+              <a:ext uri="{FF2B5EF4-FFF2-40B4-BE49-F238E27FC236}">
+                <a16:creationId xmlns:a16="http://schemas.microsoft.com/office/drawing/2014/main" id="{A9A88994-ABF7-7FFA-ABB5-FD7178C47279}"/>
+              </a:ext>
+            </a:extLst>
+          </p:cNvPr>
+          <p:cNvPicPr>
+            <a:picLocks noChangeAspect="1" noChangeArrowheads="1"/>
+          </p:cNvPicPr>
+          <p:nvPr/>
+        </p:nvPicPr>
+        <p:blipFill>
+          <a:blip r:embed="rId3">
+            <a:extLst>
+              <a:ext uri="{28A0092B-C50C-407E-A947-70E740481C1C}">
+                <a14:useLocalDpi xmlns:a14="http://schemas.microsoft.com/office/drawing/2010/main"/>
+              </a:ext>
+            </a:extLst>
+          </a:blip>
+          <a:srcRect/>
+          <a:stretch>
+            <a:fillRect/>
+          </a:stretch>
+        </p:blipFill>
+        <p:spPr bwMode="auto">
+          <a:xfrm>
+            <a:off x="7362132" y="3262467"/>
+            <a:ext cx="2356722" cy="2356722"/>
+          </a:xfrm>
+          <a:prstGeom prst="rect">
+            <a:avLst/>
+          </a:prstGeom>
+          <a:noFill/>
+          <a:extLst>
+            <a:ext uri="{909E8E84-426E-40DD-AFC4-6F175D3DCCD1}">
+              <a14:hiddenFill xmlns:a14="http://schemas.microsoft.com/office/drawing/2010/main">
+                <a:solidFill>
+                  <a:srgbClr val="FFFFFF"/>
+                </a:solidFill>
+              </a14:hiddenFill>
+            </a:ext>
+          </a:extLst>
+        </p:spPr>
+      </p:pic>
+      <p:pic>
+        <p:nvPicPr>
+          <p:cNvPr id="1030" name="Picture 6" descr="Propane Tank Sizes (Standard Weight ...">
+            <a:extLst>
+              <a:ext uri="{FF2B5EF4-FFF2-40B4-BE49-F238E27FC236}">
+                <a16:creationId xmlns:a16="http://schemas.microsoft.com/office/drawing/2014/main" id="{257CA555-319D-C9C0-5D31-A3FC1123C03E}"/>
+              </a:ext>
+            </a:extLst>
+          </p:cNvPr>
+          <p:cNvPicPr>
+            <a:picLocks noChangeAspect="1" noChangeArrowheads="1"/>
+          </p:cNvPicPr>
+          <p:nvPr/>
+        </p:nvPicPr>
+        <p:blipFill>
+          <a:blip r:embed="rId4">
+            <a:extLst>
+              <a:ext uri="{28A0092B-C50C-407E-A947-70E740481C1C}">
+                <a14:useLocalDpi xmlns:a14="http://schemas.microsoft.com/office/drawing/2010/main"/>
+              </a:ext>
+            </a:extLst>
+          </a:blip>
+          <a:srcRect/>
+          <a:stretch>
+            <a:fillRect/>
+          </a:stretch>
+        </p:blipFill>
+        <p:spPr bwMode="auto">
+          <a:xfrm>
+            <a:off x="6431708" y="55308"/>
+            <a:ext cx="5709441" cy="2974050"/>
+          </a:xfrm>
+          <a:prstGeom prst="rect">
+            <a:avLst/>
+          </a:prstGeom>
+          <a:noFill/>
+          <a:extLst>
+            <a:ext uri="{909E8E84-426E-40DD-AFC4-6F175D3DCCD1}">
+              <a14:hiddenFill xmlns:a14="http://schemas.microsoft.com/office/drawing/2010/main">
+                <a:solidFill>
+                  <a:srgbClr val="FFFFFF"/>
+                </a:solidFill>
+              </a14:hiddenFill>
+            </a:ext>
+          </a:extLst>
+        </p:spPr>
+      </p:pic>
+      <p:pic>
+        <p:nvPicPr>
+          <p:cNvPr id="1032" name="Picture 8" descr="Truma LevelCheck LP Gas Gauge">
+            <a:extLst>
+              <a:ext uri="{FF2B5EF4-FFF2-40B4-BE49-F238E27FC236}">
+                <a16:creationId xmlns:a16="http://schemas.microsoft.com/office/drawing/2014/main" id="{04FC1A7C-D840-B8FA-58D6-C5609F3AE558}"/>
+              </a:ext>
+            </a:extLst>
+          </p:cNvPr>
+          <p:cNvPicPr>
+            <a:picLocks noChangeAspect="1" noChangeArrowheads="1"/>
+          </p:cNvPicPr>
+          <p:nvPr/>
+        </p:nvPicPr>
+        <p:blipFill>
+          <a:blip r:embed="rId5" cstate="email">
+            <a:extLst>
+              <a:ext uri="{28A0092B-C50C-407E-A947-70E740481C1C}">
+                <a14:useLocalDpi xmlns:a14="http://schemas.microsoft.com/office/drawing/2010/main"/>
+              </a:ext>
+            </a:extLst>
+          </a:blip>
+          <a:srcRect/>
+          <a:stretch>
+            <a:fillRect/>
+          </a:stretch>
+        </p:blipFill>
+        <p:spPr bwMode="auto">
+          <a:xfrm>
+            <a:off x="122183" y="3029358"/>
+            <a:ext cx="1644919" cy="1306668"/>
+          </a:xfrm>
+          <a:prstGeom prst="rect">
+            <a:avLst/>
+          </a:prstGeom>
+          <a:noFill/>
+          <a:extLst>
+            <a:ext uri="{909E8E84-426E-40DD-AFC4-6F175D3DCCD1}">
+              <a14:hiddenFill xmlns:a14="http://schemas.microsoft.com/office/drawing/2010/main">
+                <a:solidFill>
+                  <a:srgbClr val="FFFFFF"/>
+                </a:solidFill>
+              </a14:hiddenFill>
+            </a:ext>
+          </a:extLst>
+        </p:spPr>
+      </p:pic>
+      <p:sp>
+        <p:nvSpPr>
+          <p:cNvPr id="10" name="TextBox 9">
+            <a:extLst>
+              <a:ext uri="{FF2B5EF4-FFF2-40B4-BE49-F238E27FC236}">
+                <a16:creationId xmlns:a16="http://schemas.microsoft.com/office/drawing/2014/main" id="{DF7217F7-B516-CE00-2D65-C182046A5057}"/>
+              </a:ext>
+            </a:extLst>
+          </p:cNvPr>
+          <p:cNvSpPr txBox="1"/>
+          <p:nvPr/>
+        </p:nvSpPr>
+        <p:spPr>
+          <a:xfrm>
+            <a:off x="122183" y="5290908"/>
+            <a:ext cx="5973817" cy="1384995"/>
+          </a:xfrm>
+          <a:prstGeom prst="rect">
+            <a:avLst/>
+          </a:prstGeom>
+          <a:solidFill>
+            <a:schemeClr val="accent4">
+              <a:lumMod val="20000"/>
+              <a:lumOff val="80000"/>
+            </a:schemeClr>
+          </a:solidFill>
+          <a:ln>
+            <a:solidFill>
+              <a:srgbClr val="FF0000"/>
+            </a:solidFill>
+          </a:ln>
+        </p:spPr>
+        <p:txBody>
+          <a:bodyPr wrap="square" rtlCol="0">
+            <a:spAutoFit/>
+          </a:bodyPr>
+          <a:lstStyle/>
+          <a:p>
+            <a:pPr marL="285750" indent="-285750">
+              <a:buFont typeface="Arial" panose="020B0604020202020204" pitchFamily="34" charset="0"/>
+              <a:buChar char="•"/>
+            </a:pPr>
+            <a:r>
+              <a:rPr lang="en-US" sz="1400" dirty="0">
+                <a:latin typeface="Calibri" panose="020F0502020204030204" pitchFamily="34" charset="0"/>
+                <a:cs typeface="Calibri" panose="020F0502020204030204" pitchFamily="34" charset="0"/>
+              </a:rPr>
+              <a:t>To transfer propane from one tank to another one needs specialized propane transfer pump designed for LPG (Liquid Petroleum Gas), proper fittings, hoses and safety valves.</a:t>
+            </a:r>
+          </a:p>
+          <a:p>
+            <a:pPr marL="285750" indent="-285750">
+              <a:buFont typeface="Arial" panose="020B0604020202020204" pitchFamily="34" charset="0"/>
+              <a:buChar char="•"/>
+            </a:pPr>
+            <a:r>
+              <a:rPr lang="en-US" sz="1400" dirty="0">
+                <a:latin typeface="Calibri" panose="020F0502020204030204" pitchFamily="34" charset="0"/>
+                <a:cs typeface="Calibri" panose="020F0502020204030204" pitchFamily="34" charset="0"/>
+              </a:rPr>
+              <a:t>Most common pump type is a sliding vane pump. It has a rotor with sliding vanes that create sealed chambers to move the liquid propane without allowing it to vaporize.</a:t>
+            </a:r>
+          </a:p>
+        </p:txBody>
+      </p:sp>
+      <p:pic>
+        <p:nvPicPr>
+          <p:cNvPr id="1034" name="Picture 10" descr="Rotary Vane Pumps | Blackmer">
+            <a:extLst>
+              <a:ext uri="{FF2B5EF4-FFF2-40B4-BE49-F238E27FC236}">
+                <a16:creationId xmlns:a16="http://schemas.microsoft.com/office/drawing/2014/main" id="{5B8BDE01-93EC-6417-22BF-3E60567763F3}"/>
+              </a:ext>
+            </a:extLst>
+          </p:cNvPr>
+          <p:cNvPicPr>
+            <a:picLocks noChangeAspect="1" noChangeArrowheads="1"/>
+          </p:cNvPicPr>
+          <p:nvPr/>
+        </p:nvPicPr>
+        <p:blipFill>
+          <a:blip r:embed="rId6">
+            <a:extLst>
+              <a:ext uri="{28A0092B-C50C-407E-A947-70E740481C1C}">
+                <a14:useLocalDpi xmlns:a14="http://schemas.microsoft.com/office/drawing/2010/main"/>
+              </a:ext>
+            </a:extLst>
+          </a:blip>
+          <a:srcRect/>
+          <a:stretch>
+            <a:fillRect/>
+          </a:stretch>
+        </p:blipFill>
+        <p:spPr bwMode="auto">
+          <a:xfrm>
+            <a:off x="2103842" y="3508653"/>
+            <a:ext cx="3992158" cy="1617220"/>
+          </a:xfrm>
+          <a:prstGeom prst="rect">
+            <a:avLst/>
+          </a:prstGeom>
+          <a:noFill/>
+          <a:ln>
+            <a:solidFill>
+              <a:srgbClr val="FF0000"/>
+            </a:solidFill>
+          </a:ln>
+          <a:extLst>
+            <a:ext uri="{909E8E84-426E-40DD-AFC4-6F175D3DCCD1}">
+              <a14:hiddenFill xmlns:a14="http://schemas.microsoft.com/office/drawing/2010/main">
+                <a:solidFill>
+                  <a:srgbClr val="FFFFFF"/>
+                </a:solidFill>
+              </a14:hiddenFill>
+            </a:ext>
+          </a:extLst>
+        </p:spPr>
+      </p:pic>
+    </p:spTree>
+    <p:extLst>
+      <p:ext uri="{BB962C8B-B14F-4D97-AF65-F5344CB8AC3E}">
+        <p14:creationId xmlns:p14="http://schemas.microsoft.com/office/powerpoint/2010/main" val="2324290108"/>
+      </p:ext>
+    </p:extLst>
+  </p:cSld>
+  <p:clrMapOvr>
+    <a:masterClrMapping/>
+  </p:clrMapOvr>
+</p:sld>
+</file>
+
 <file path=ppt/theme/theme1.xml><?xml version="1.0" encoding="utf-8"?>
 <a:theme xmlns:a="http://schemas.openxmlformats.org/drawingml/2006/main" name="Office Theme">
   <a:themeElements>

--- a/misc/propane.pptx
+++ b/misc/propane.pptx
@@ -259,7 +259,7 @@
           <a:lstStyle/>
           <a:p>
             <a:fld id="{5F491023-0B0A-7041-9F06-D25A50EF063B}" type="datetimeFigureOut">
-              <a:t>2/25/25</a:t>
+              <a:t>2/26/25</a:t>
             </a:fld>
             <a:endParaRPr lang="en-US"/>
           </a:p>
@@ -455,7 +455,7 @@
           <a:lstStyle/>
           <a:p>
             <a:fld id="{5F491023-0B0A-7041-9F06-D25A50EF063B}" type="datetimeFigureOut">
-              <a:t>2/25/25</a:t>
+              <a:t>2/26/25</a:t>
             </a:fld>
             <a:endParaRPr lang="en-US"/>
           </a:p>
@@ -661,7 +661,7 @@
           <a:lstStyle/>
           <a:p>
             <a:fld id="{5F491023-0B0A-7041-9F06-D25A50EF063B}" type="datetimeFigureOut">
-              <a:t>2/25/25</a:t>
+              <a:t>2/26/25</a:t>
             </a:fld>
             <a:endParaRPr lang="en-US"/>
           </a:p>
@@ -857,7 +857,7 @@
           <a:lstStyle/>
           <a:p>
             <a:fld id="{5F491023-0B0A-7041-9F06-D25A50EF063B}" type="datetimeFigureOut">
-              <a:t>2/25/25</a:t>
+              <a:t>2/26/25</a:t>
             </a:fld>
             <a:endParaRPr lang="en-US"/>
           </a:p>
@@ -1130,7 +1130,7 @@
           <a:lstStyle/>
           <a:p>
             <a:fld id="{5F491023-0B0A-7041-9F06-D25A50EF063B}" type="datetimeFigureOut">
-              <a:t>2/25/25</a:t>
+              <a:t>2/26/25</a:t>
             </a:fld>
             <a:endParaRPr lang="en-US"/>
           </a:p>
@@ -1393,7 +1393,7 @@
           <a:lstStyle/>
           <a:p>
             <a:fld id="{5F491023-0B0A-7041-9F06-D25A50EF063B}" type="datetimeFigureOut">
-              <a:t>2/25/25</a:t>
+              <a:t>2/26/25</a:t>
             </a:fld>
             <a:endParaRPr lang="en-US"/>
           </a:p>
@@ -1803,7 +1803,7 @@
           <a:lstStyle/>
           <a:p>
             <a:fld id="{5F491023-0B0A-7041-9F06-D25A50EF063B}" type="datetimeFigureOut">
-              <a:t>2/25/25</a:t>
+              <a:t>2/26/25</a:t>
             </a:fld>
             <a:endParaRPr lang="en-US"/>
           </a:p>
@@ -1942,7 +1942,7 @@
           <a:lstStyle/>
           <a:p>
             <a:fld id="{5F491023-0B0A-7041-9F06-D25A50EF063B}" type="datetimeFigureOut">
-              <a:t>2/25/25</a:t>
+              <a:t>2/26/25</a:t>
             </a:fld>
             <a:endParaRPr lang="en-US"/>
           </a:p>
@@ -2053,7 +2053,7 @@
           <a:lstStyle/>
           <a:p>
             <a:fld id="{5F491023-0B0A-7041-9F06-D25A50EF063B}" type="datetimeFigureOut">
-              <a:t>2/25/25</a:t>
+              <a:t>2/26/25</a:t>
             </a:fld>
             <a:endParaRPr lang="en-US"/>
           </a:p>
@@ -2362,7 +2362,7 @@
           <a:lstStyle/>
           <a:p>
             <a:fld id="{5F491023-0B0A-7041-9F06-D25A50EF063B}" type="datetimeFigureOut">
-              <a:t>2/25/25</a:t>
+              <a:t>2/26/25</a:t>
             </a:fld>
             <a:endParaRPr lang="en-US"/>
           </a:p>
@@ -2648,7 +2648,7 @@
           <a:lstStyle/>
           <a:p>
             <a:fld id="{5F491023-0B0A-7041-9F06-D25A50EF063B}" type="datetimeFigureOut">
-              <a:t>2/25/25</a:t>
+              <a:t>2/26/25</a:t>
             </a:fld>
             <a:endParaRPr lang="en-US"/>
           </a:p>
@@ -2887,7 +2887,7 @@
           </a:lstStyle>
           <a:p>
             <a:fld id="{5F491023-0B0A-7041-9F06-D25A50EF063B}" type="datetimeFigureOut">
-              <a:t>2/25/25</a:t>
+              <a:t>2/26/25</a:t>
             </a:fld>
             <a:endParaRPr lang="en-US"/>
           </a:p>
@@ -3744,7 +3744,7 @@
         <p:spPr>
           <a:xfrm>
             <a:off x="122183" y="523220"/>
-            <a:ext cx="5973817" cy="2462213"/>
+            <a:ext cx="5973817" cy="2031325"/>
           </a:xfrm>
           <a:prstGeom prst="rect">
             <a:avLst/>
@@ -3802,33 +3802,7 @@
                 <a:latin typeface="Calibri" panose="020F0502020204030204" pitchFamily="34" charset="0"/>
                 <a:cs typeface="Calibri" panose="020F0502020204030204" pitchFamily="34" charset="0"/>
               </a:rPr>
-              <a:t>The reduction is usually done in two steps: </a:t>
-            </a:r>
-            <a:br>
-              <a:rPr lang="en-US" sz="1400" dirty="0">
-                <a:latin typeface="Calibri" panose="020F0502020204030204" pitchFamily="34" charset="0"/>
-                <a:cs typeface="Calibri" panose="020F0502020204030204" pitchFamily="34" charset="0"/>
-              </a:rPr>
-            </a:br>
-            <a:r>
-              <a:rPr lang="en-US" sz="1400" dirty="0">
-                <a:latin typeface="Calibri" panose="020F0502020204030204" pitchFamily="34" charset="0"/>
-                <a:cs typeface="Calibri" panose="020F0502020204030204" pitchFamily="34" charset="0"/>
-              </a:rPr>
-              <a:t> - reduce to 10 PSI</a:t>
-            </a:r>
-            <a:br>
-              <a:rPr lang="en-US" sz="1400" dirty="0">
-                <a:latin typeface="Calibri" panose="020F0502020204030204" pitchFamily="34" charset="0"/>
-                <a:cs typeface="Calibri" panose="020F0502020204030204" pitchFamily="34" charset="0"/>
-              </a:rPr>
-            </a:br>
-            <a:r>
-              <a:rPr lang="en-US" sz="1400" dirty="0">
-                <a:latin typeface="Calibri" panose="020F0502020204030204" pitchFamily="34" charset="0"/>
-                <a:cs typeface="Calibri" panose="020F0502020204030204" pitchFamily="34" charset="0"/>
-              </a:rPr>
-              <a:t> - reduce to 0.4 PSI</a:t>
+              <a:t>The reduction of pressure in two steps: to 10 PSI, then to 0.4 PSI</a:t>
             </a:r>
           </a:p>
           <a:p>
@@ -3952,8 +3926,8 @@
         </p:nvSpPr>
         <p:spPr>
           <a:xfrm>
-            <a:off x="9097543" y="5721796"/>
-            <a:ext cx="2042636" cy="523220"/>
+            <a:off x="10088158" y="1750352"/>
+            <a:ext cx="1707696" cy="523220"/>
           </a:xfrm>
           <a:prstGeom prst="rect">
             <a:avLst/>
@@ -4007,8 +3981,8 @@
         </p:blipFill>
         <p:spPr>
           <a:xfrm>
-            <a:off x="10210543" y="3406876"/>
-            <a:ext cx="1859273" cy="2081811"/>
+            <a:off x="10963380" y="339217"/>
+            <a:ext cx="1106436" cy="1238866"/>
           </a:xfrm>
           <a:prstGeom prst="rect">
             <a:avLst/>
@@ -4030,7 +4004,7 @@
           <p:nvPr/>
         </p:nvPicPr>
         <p:blipFill>
-          <a:blip r:embed="rId3">
+          <a:blip r:embed="rId3" cstate="email">
             <a:extLst>
               <a:ext uri="{28A0092B-C50C-407E-A947-70E740481C1C}">
                 <a14:useLocalDpi xmlns:a14="http://schemas.microsoft.com/office/drawing/2010/main"/>
@@ -4044,8 +4018,8 @@
         </p:blipFill>
         <p:spPr bwMode="auto">
           <a:xfrm>
-            <a:off x="7362132" y="3262467"/>
-            <a:ext cx="2356722" cy="2356722"/>
+            <a:off x="9096252" y="214611"/>
+            <a:ext cx="1488078" cy="1488078"/>
           </a:xfrm>
           <a:prstGeom prst="rect">
             <a:avLst/>
@@ -4091,167 +4065,8 @@
         </p:blipFill>
         <p:spPr bwMode="auto">
           <a:xfrm>
-            <a:off x="6431708" y="55308"/>
+            <a:off x="6419368" y="3825493"/>
             <a:ext cx="5709441" cy="2974050"/>
-          </a:xfrm>
-          <a:prstGeom prst="rect">
-            <a:avLst/>
-          </a:prstGeom>
-          <a:noFill/>
-          <a:extLst>
-            <a:ext uri="{909E8E84-426E-40DD-AFC4-6F175D3DCCD1}">
-              <a14:hiddenFill xmlns:a14="http://schemas.microsoft.com/office/drawing/2010/main">
-                <a:solidFill>
-                  <a:srgbClr val="FFFFFF"/>
-                </a:solidFill>
-              </a14:hiddenFill>
-            </a:ext>
-          </a:extLst>
-        </p:spPr>
-      </p:pic>
-      <p:pic>
-        <p:nvPicPr>
-          <p:cNvPr id="1032" name="Picture 8" descr="Truma LevelCheck LP Gas Gauge">
-            <a:extLst>
-              <a:ext uri="{FF2B5EF4-FFF2-40B4-BE49-F238E27FC236}">
-                <a16:creationId xmlns:a16="http://schemas.microsoft.com/office/drawing/2014/main" id="{04FC1A7C-D840-B8FA-58D6-C5609F3AE558}"/>
-              </a:ext>
-            </a:extLst>
-          </p:cNvPr>
-          <p:cNvPicPr>
-            <a:picLocks noChangeAspect="1" noChangeArrowheads="1"/>
-          </p:cNvPicPr>
-          <p:nvPr/>
-        </p:nvPicPr>
-        <p:blipFill>
-          <a:blip r:embed="rId5" cstate="email">
-            <a:extLst>
-              <a:ext uri="{28A0092B-C50C-407E-A947-70E740481C1C}">
-                <a14:useLocalDpi xmlns:a14="http://schemas.microsoft.com/office/drawing/2010/main"/>
-              </a:ext>
-            </a:extLst>
-          </a:blip>
-          <a:srcRect/>
-          <a:stretch>
-            <a:fillRect/>
-          </a:stretch>
-        </p:blipFill>
-        <p:spPr bwMode="auto">
-          <a:xfrm>
-            <a:off x="122183" y="3029358"/>
-            <a:ext cx="1644919" cy="1306668"/>
-          </a:xfrm>
-          <a:prstGeom prst="rect">
-            <a:avLst/>
-          </a:prstGeom>
-          <a:noFill/>
-          <a:extLst>
-            <a:ext uri="{909E8E84-426E-40DD-AFC4-6F175D3DCCD1}">
-              <a14:hiddenFill xmlns:a14="http://schemas.microsoft.com/office/drawing/2010/main">
-                <a:solidFill>
-                  <a:srgbClr val="FFFFFF"/>
-                </a:solidFill>
-              </a14:hiddenFill>
-            </a:ext>
-          </a:extLst>
-        </p:spPr>
-      </p:pic>
-      <p:sp>
-        <p:nvSpPr>
-          <p:cNvPr id="10" name="TextBox 9">
-            <a:extLst>
-              <a:ext uri="{FF2B5EF4-FFF2-40B4-BE49-F238E27FC236}">
-                <a16:creationId xmlns:a16="http://schemas.microsoft.com/office/drawing/2014/main" id="{DF7217F7-B516-CE00-2D65-C182046A5057}"/>
-              </a:ext>
-            </a:extLst>
-          </p:cNvPr>
-          <p:cNvSpPr txBox="1"/>
-          <p:nvPr/>
-        </p:nvSpPr>
-        <p:spPr>
-          <a:xfrm>
-            <a:off x="122183" y="5290908"/>
-            <a:ext cx="5973817" cy="1384995"/>
-          </a:xfrm>
-          <a:prstGeom prst="rect">
-            <a:avLst/>
-          </a:prstGeom>
-          <a:solidFill>
-            <a:schemeClr val="accent4">
-              <a:lumMod val="20000"/>
-              <a:lumOff val="80000"/>
-            </a:schemeClr>
-          </a:solidFill>
-          <a:ln>
-            <a:solidFill>
-              <a:srgbClr val="FF0000"/>
-            </a:solidFill>
-          </a:ln>
-        </p:spPr>
-        <p:txBody>
-          <a:bodyPr wrap="square" rtlCol="0">
-            <a:spAutoFit/>
-          </a:bodyPr>
-          <a:lstStyle/>
-          <a:p>
-            <a:pPr marL="285750" indent="-285750">
-              <a:buFont typeface="Arial" panose="020B0604020202020204" pitchFamily="34" charset="0"/>
-              <a:buChar char="•"/>
-            </a:pPr>
-            <a:r>
-              <a:rPr lang="en-US" sz="1400" dirty="0">
-                <a:latin typeface="Calibri" panose="020F0502020204030204" pitchFamily="34" charset="0"/>
-                <a:cs typeface="Calibri" panose="020F0502020204030204" pitchFamily="34" charset="0"/>
-              </a:rPr>
-              <a:t>To transfer propane from one tank to another one needs specialized propane transfer pump designed for LPG (Liquid Petroleum Gas), proper fittings, hoses and safety valves.</a:t>
-            </a:r>
-          </a:p>
-          <a:p>
-            <a:pPr marL="285750" indent="-285750">
-              <a:buFont typeface="Arial" panose="020B0604020202020204" pitchFamily="34" charset="0"/>
-              <a:buChar char="•"/>
-            </a:pPr>
-            <a:r>
-              <a:rPr lang="en-US" sz="1400" dirty="0">
-                <a:latin typeface="Calibri" panose="020F0502020204030204" pitchFamily="34" charset="0"/>
-                <a:cs typeface="Calibri" panose="020F0502020204030204" pitchFamily="34" charset="0"/>
-              </a:rPr>
-              <a:t>Most common pump type is a sliding vane pump. It has a rotor with sliding vanes that create sealed chambers to move the liquid propane without allowing it to vaporize.</a:t>
-            </a:r>
-          </a:p>
-        </p:txBody>
-      </p:sp>
-      <p:pic>
-        <p:nvPicPr>
-          <p:cNvPr id="1034" name="Picture 10" descr="Rotary Vane Pumps | Blackmer">
-            <a:extLst>
-              <a:ext uri="{FF2B5EF4-FFF2-40B4-BE49-F238E27FC236}">
-                <a16:creationId xmlns:a16="http://schemas.microsoft.com/office/drawing/2014/main" id="{5B8BDE01-93EC-6417-22BF-3E60567763F3}"/>
-              </a:ext>
-            </a:extLst>
-          </p:cNvPr>
-          <p:cNvPicPr>
-            <a:picLocks noChangeAspect="1" noChangeArrowheads="1"/>
-          </p:cNvPicPr>
-          <p:nvPr/>
-        </p:nvPicPr>
-        <p:blipFill>
-          <a:blip r:embed="rId6">
-            <a:extLst>
-              <a:ext uri="{28A0092B-C50C-407E-A947-70E740481C1C}">
-                <a14:useLocalDpi xmlns:a14="http://schemas.microsoft.com/office/drawing/2010/main"/>
-              </a:ext>
-            </a:extLst>
-          </a:blip>
-          <a:srcRect/>
-          <a:stretch>
-            <a:fillRect/>
-          </a:stretch>
-        </p:blipFill>
-        <p:spPr bwMode="auto">
-          <a:xfrm>
-            <a:off x="2103842" y="3508653"/>
-            <a:ext cx="3992158" cy="1617220"/>
           </a:xfrm>
           <a:prstGeom prst="rect">
             <a:avLst/>
@@ -4271,6 +4086,250 @@
               </a14:hiddenFill>
             </a:ext>
           </a:extLst>
+        </p:spPr>
+      </p:pic>
+      <p:pic>
+        <p:nvPicPr>
+          <p:cNvPr id="1032" name="Picture 8" descr="Truma LevelCheck LP Gas Gauge">
+            <a:extLst>
+              <a:ext uri="{FF2B5EF4-FFF2-40B4-BE49-F238E27FC236}">
+                <a16:creationId xmlns:a16="http://schemas.microsoft.com/office/drawing/2014/main" id="{04FC1A7C-D840-B8FA-58D6-C5609F3AE558}"/>
+              </a:ext>
+            </a:extLst>
+          </p:cNvPr>
+          <p:cNvPicPr>
+            <a:picLocks noChangeAspect="1" noChangeArrowheads="1"/>
+          </p:cNvPicPr>
+          <p:nvPr/>
+        </p:nvPicPr>
+        <p:blipFill>
+          <a:blip r:embed="rId5" cstate="email">
+            <a:extLst>
+              <a:ext uri="{28A0092B-C50C-407E-A947-70E740481C1C}">
+                <a14:useLocalDpi xmlns:a14="http://schemas.microsoft.com/office/drawing/2010/main"/>
+              </a:ext>
+            </a:extLst>
+          </a:blip>
+          <a:srcRect/>
+          <a:stretch>
+            <a:fillRect/>
+          </a:stretch>
+        </p:blipFill>
+        <p:spPr bwMode="auto">
+          <a:xfrm>
+            <a:off x="122183" y="2628937"/>
+            <a:ext cx="1644919" cy="1306668"/>
+          </a:xfrm>
+          <a:prstGeom prst="rect">
+            <a:avLst/>
+          </a:prstGeom>
+          <a:noFill/>
+          <a:ln>
+            <a:solidFill>
+              <a:srgbClr val="FF0000"/>
+            </a:solidFill>
+          </a:ln>
+          <a:extLst>
+            <a:ext uri="{909E8E84-426E-40DD-AFC4-6F175D3DCCD1}">
+              <a14:hiddenFill xmlns:a14="http://schemas.microsoft.com/office/drawing/2010/main">
+                <a:solidFill>
+                  <a:srgbClr val="FFFFFF"/>
+                </a:solidFill>
+              </a14:hiddenFill>
+            </a:ext>
+          </a:extLst>
+        </p:spPr>
+      </p:pic>
+      <p:sp>
+        <p:nvSpPr>
+          <p:cNvPr id="10" name="TextBox 9">
+            <a:extLst>
+              <a:ext uri="{FF2B5EF4-FFF2-40B4-BE49-F238E27FC236}">
+                <a16:creationId xmlns:a16="http://schemas.microsoft.com/office/drawing/2014/main" id="{DF7217F7-B516-CE00-2D65-C182046A5057}"/>
+              </a:ext>
+            </a:extLst>
+          </p:cNvPr>
+          <p:cNvSpPr txBox="1"/>
+          <p:nvPr/>
+        </p:nvSpPr>
+        <p:spPr>
+          <a:xfrm>
+            <a:off x="63191" y="5423640"/>
+            <a:ext cx="5973817" cy="1384995"/>
+          </a:xfrm>
+          <a:prstGeom prst="rect">
+            <a:avLst/>
+          </a:prstGeom>
+          <a:solidFill>
+            <a:schemeClr val="accent4">
+              <a:lumMod val="20000"/>
+              <a:lumOff val="80000"/>
+            </a:schemeClr>
+          </a:solidFill>
+          <a:ln>
+            <a:solidFill>
+              <a:srgbClr val="FF0000"/>
+            </a:solidFill>
+          </a:ln>
+        </p:spPr>
+        <p:txBody>
+          <a:bodyPr wrap="square" rtlCol="0">
+            <a:spAutoFit/>
+          </a:bodyPr>
+          <a:lstStyle/>
+          <a:p>
+            <a:pPr marL="285750" indent="-285750">
+              <a:buFont typeface="Arial" panose="020B0604020202020204" pitchFamily="34" charset="0"/>
+              <a:buChar char="•"/>
+            </a:pPr>
+            <a:r>
+              <a:rPr lang="en-US" sz="1400" dirty="0">
+                <a:latin typeface="Calibri" panose="020F0502020204030204" pitchFamily="34" charset="0"/>
+                <a:cs typeface="Calibri" panose="020F0502020204030204" pitchFamily="34" charset="0"/>
+              </a:rPr>
+              <a:t>To transfer propane from one tank to another one needs specialized propane transfer pump designed for </a:t>
+            </a:r>
+            <a:r>
+              <a:rPr lang="en-US" sz="1400" b="1" dirty="0">
+                <a:solidFill>
+                  <a:srgbClr val="FF0000"/>
+                </a:solidFill>
+                <a:latin typeface="Calibri" panose="020F0502020204030204" pitchFamily="34" charset="0"/>
+                <a:cs typeface="Calibri" panose="020F0502020204030204" pitchFamily="34" charset="0"/>
+              </a:rPr>
+              <a:t>LPG (Liquid Petroleum Gas)</a:t>
+            </a:r>
+            <a:r>
+              <a:rPr lang="en-US" sz="1400" dirty="0">
+                <a:latin typeface="Calibri" panose="020F0502020204030204" pitchFamily="34" charset="0"/>
+                <a:cs typeface="Calibri" panose="020F0502020204030204" pitchFamily="34" charset="0"/>
+              </a:rPr>
+              <a:t>, proper fittings, hoses and safety valves.</a:t>
+            </a:r>
+          </a:p>
+          <a:p>
+            <a:pPr marL="285750" indent="-285750">
+              <a:buFont typeface="Arial" panose="020B0604020202020204" pitchFamily="34" charset="0"/>
+              <a:buChar char="•"/>
+            </a:pPr>
+            <a:r>
+              <a:rPr lang="en-US" sz="1400" dirty="0">
+                <a:latin typeface="Calibri" panose="020F0502020204030204" pitchFamily="34" charset="0"/>
+                <a:cs typeface="Calibri" panose="020F0502020204030204" pitchFamily="34" charset="0"/>
+              </a:rPr>
+              <a:t>Most common pump type is a </a:t>
+            </a:r>
+            <a:r>
+              <a:rPr lang="en-US" sz="1400" b="1" dirty="0">
+                <a:solidFill>
+                  <a:srgbClr val="FF0000"/>
+                </a:solidFill>
+                <a:latin typeface="Calibri" panose="020F0502020204030204" pitchFamily="34" charset="0"/>
+                <a:cs typeface="Calibri" panose="020F0502020204030204" pitchFamily="34" charset="0"/>
+              </a:rPr>
+              <a:t>sliding vane pump</a:t>
+            </a:r>
+            <a:r>
+              <a:rPr lang="en-US" sz="1400" dirty="0">
+                <a:latin typeface="Calibri" panose="020F0502020204030204" pitchFamily="34" charset="0"/>
+                <a:cs typeface="Calibri" panose="020F0502020204030204" pitchFamily="34" charset="0"/>
+              </a:rPr>
+              <a:t>. It has a rotor with sliding vanes that create sealed chambers to move the liquid propane without allowing it to vaporize.</a:t>
+            </a:r>
+          </a:p>
+        </p:txBody>
+      </p:sp>
+      <p:pic>
+        <p:nvPicPr>
+          <p:cNvPr id="1034" name="Picture 10" descr="Rotary Vane Pumps | Blackmer">
+            <a:extLst>
+              <a:ext uri="{FF2B5EF4-FFF2-40B4-BE49-F238E27FC236}">
+                <a16:creationId xmlns:a16="http://schemas.microsoft.com/office/drawing/2014/main" id="{5B8BDE01-93EC-6417-22BF-3E60567763F3}"/>
+              </a:ext>
+            </a:extLst>
+          </p:cNvPr>
+          <p:cNvPicPr>
+            <a:picLocks noChangeAspect="1" noChangeArrowheads="1"/>
+          </p:cNvPicPr>
+          <p:nvPr/>
+        </p:nvPicPr>
+        <p:blipFill>
+          <a:blip r:embed="rId6" cstate="email">
+            <a:extLst>
+              <a:ext uri="{28A0092B-C50C-407E-A947-70E740481C1C}">
+                <a14:useLocalDpi xmlns:a14="http://schemas.microsoft.com/office/drawing/2010/main"/>
+              </a:ext>
+            </a:extLst>
+          </a:blip>
+          <a:srcRect/>
+          <a:stretch>
+            <a:fillRect/>
+          </a:stretch>
+        </p:blipFill>
+        <p:spPr bwMode="auto">
+          <a:xfrm>
+            <a:off x="3008670" y="4135063"/>
+            <a:ext cx="3028337" cy="1226777"/>
+          </a:xfrm>
+          <a:prstGeom prst="rect">
+            <a:avLst/>
+          </a:prstGeom>
+          <a:noFill/>
+          <a:ln>
+            <a:solidFill>
+              <a:srgbClr val="FF0000"/>
+            </a:solidFill>
+          </a:ln>
+          <a:extLst>
+            <a:ext uri="{909E8E84-426E-40DD-AFC4-6F175D3DCCD1}">
+              <a14:hiddenFill xmlns:a14="http://schemas.microsoft.com/office/drawing/2010/main">
+                <a:solidFill>
+                  <a:srgbClr val="FFFFFF"/>
+                </a:solidFill>
+              </a14:hiddenFill>
+            </a:ext>
+          </a:extLst>
+        </p:spPr>
+      </p:pic>
+      <p:pic>
+        <p:nvPicPr>
+          <p:cNvPr id="2" name="Picture 1">
+            <a:extLst>
+              <a:ext uri="{FF2B5EF4-FFF2-40B4-BE49-F238E27FC236}">
+                <a16:creationId xmlns:a16="http://schemas.microsoft.com/office/drawing/2014/main" id="{F695734A-F23C-0E4F-D805-07C0B0ECFD50}"/>
+              </a:ext>
+            </a:extLst>
+          </p:cNvPr>
+          <p:cNvPicPr>
+            <a:picLocks noChangeAspect="1"/>
+          </p:cNvPicPr>
+          <p:nvPr/>
+        </p:nvPicPr>
+        <p:blipFill>
+          <a:blip r:embed="rId7" cstate="email">
+            <a:extLst>
+              <a:ext uri="{28A0092B-C50C-407E-A947-70E740481C1C}">
+                <a14:useLocalDpi xmlns:a14="http://schemas.microsoft.com/office/drawing/2010/main"/>
+              </a:ext>
+            </a:extLst>
+          </a:blip>
+          <a:stretch>
+            <a:fillRect/>
+          </a:stretch>
+        </p:blipFill>
+        <p:spPr>
+          <a:xfrm>
+            <a:off x="6218183" y="159498"/>
+            <a:ext cx="1229752" cy="2395047"/>
+          </a:xfrm>
+          <a:prstGeom prst="rect">
+            <a:avLst/>
+          </a:prstGeom>
+          <a:ln>
+            <a:solidFill>
+              <a:srgbClr val="FF0000"/>
+            </a:solidFill>
+          </a:ln>
         </p:spPr>
       </p:pic>
     </p:spTree>

--- a/misc/propane.pptx
+++ b/misc/propane.pptx
@@ -7,6 +7,7 @@
   <p:sldIdLst>
     <p:sldId id="256" r:id="rId2"/>
     <p:sldId id="257" r:id="rId3"/>
+    <p:sldId id="258" r:id="rId4"/>
   </p:sldIdLst>
   <p:sldSz cx="12192000" cy="6858000"/>
   <p:notesSz cx="6858000" cy="9144000"/>
@@ -259,7 +260,7 @@
           <a:lstStyle/>
           <a:p>
             <a:fld id="{5F491023-0B0A-7041-9F06-D25A50EF063B}" type="datetimeFigureOut">
-              <a:t>2/26/25</a:t>
+              <a:t>2/27/25</a:t>
             </a:fld>
             <a:endParaRPr lang="en-US"/>
           </a:p>
@@ -455,7 +456,7 @@
           <a:lstStyle/>
           <a:p>
             <a:fld id="{5F491023-0B0A-7041-9F06-D25A50EF063B}" type="datetimeFigureOut">
-              <a:t>2/26/25</a:t>
+              <a:t>2/27/25</a:t>
             </a:fld>
             <a:endParaRPr lang="en-US"/>
           </a:p>
@@ -661,7 +662,7 @@
           <a:lstStyle/>
           <a:p>
             <a:fld id="{5F491023-0B0A-7041-9F06-D25A50EF063B}" type="datetimeFigureOut">
-              <a:t>2/26/25</a:t>
+              <a:t>2/27/25</a:t>
             </a:fld>
             <a:endParaRPr lang="en-US"/>
           </a:p>
@@ -857,7 +858,7 @@
           <a:lstStyle/>
           <a:p>
             <a:fld id="{5F491023-0B0A-7041-9F06-D25A50EF063B}" type="datetimeFigureOut">
-              <a:t>2/26/25</a:t>
+              <a:t>2/27/25</a:t>
             </a:fld>
             <a:endParaRPr lang="en-US"/>
           </a:p>
@@ -1130,7 +1131,7 @@
           <a:lstStyle/>
           <a:p>
             <a:fld id="{5F491023-0B0A-7041-9F06-D25A50EF063B}" type="datetimeFigureOut">
-              <a:t>2/26/25</a:t>
+              <a:t>2/27/25</a:t>
             </a:fld>
             <a:endParaRPr lang="en-US"/>
           </a:p>
@@ -1393,7 +1394,7 @@
           <a:lstStyle/>
           <a:p>
             <a:fld id="{5F491023-0B0A-7041-9F06-D25A50EF063B}" type="datetimeFigureOut">
-              <a:t>2/26/25</a:t>
+              <a:t>2/27/25</a:t>
             </a:fld>
             <a:endParaRPr lang="en-US"/>
           </a:p>
@@ -1803,7 +1804,7 @@
           <a:lstStyle/>
           <a:p>
             <a:fld id="{5F491023-0B0A-7041-9F06-D25A50EF063B}" type="datetimeFigureOut">
-              <a:t>2/26/25</a:t>
+              <a:t>2/27/25</a:t>
             </a:fld>
             <a:endParaRPr lang="en-US"/>
           </a:p>
@@ -1942,7 +1943,7 @@
           <a:lstStyle/>
           <a:p>
             <a:fld id="{5F491023-0B0A-7041-9F06-D25A50EF063B}" type="datetimeFigureOut">
-              <a:t>2/26/25</a:t>
+              <a:t>2/27/25</a:t>
             </a:fld>
             <a:endParaRPr lang="en-US"/>
           </a:p>
@@ -2053,7 +2054,7 @@
           <a:lstStyle/>
           <a:p>
             <a:fld id="{5F491023-0B0A-7041-9F06-D25A50EF063B}" type="datetimeFigureOut">
-              <a:t>2/26/25</a:t>
+              <a:t>2/27/25</a:t>
             </a:fld>
             <a:endParaRPr lang="en-US"/>
           </a:p>
@@ -2362,7 +2363,7 @@
           <a:lstStyle/>
           <a:p>
             <a:fld id="{5F491023-0B0A-7041-9F06-D25A50EF063B}" type="datetimeFigureOut">
-              <a:t>2/26/25</a:t>
+              <a:t>2/27/25</a:t>
             </a:fld>
             <a:endParaRPr lang="en-US"/>
           </a:p>
@@ -2648,7 +2649,7 @@
           <a:lstStyle/>
           <a:p>
             <a:fld id="{5F491023-0B0A-7041-9F06-D25A50EF063B}" type="datetimeFigureOut">
-              <a:t>2/26/25</a:t>
+              <a:t>2/27/25</a:t>
             </a:fld>
             <a:endParaRPr lang="en-US"/>
           </a:p>
@@ -2887,7 +2888,7 @@
           </a:lstStyle>
           <a:p>
             <a:fld id="{5F491023-0B0A-7041-9F06-D25A50EF063B}" type="datetimeFigureOut">
-              <a:t>2/26/25</a:t>
+              <a:t>2/27/25</a:t>
             </a:fld>
             <a:endParaRPr lang="en-US"/>
           </a:p>
@@ -3381,35 +3382,51 @@
               <a:buChar char="•"/>
             </a:pPr>
             <a:r>
-              <a:rPr lang="en-US" sz="1400"/>
-              <a:t>Leecher's Propane </a:t>
+              <a:rPr lang="en-US" sz="1400" dirty="0" err="1"/>
+              <a:t>Leecher's</a:t>
+            </a:r>
+            <a:r>
+              <a:rPr lang="en-US" sz="1400" dirty="0"/>
+              <a:t> Propane </a:t>
             </a:r>
             <a:br>
-              <a:rPr lang="en-US" sz="1400"/>
+              <a:rPr lang="en-US" sz="1400" dirty="0"/>
             </a:br>
             <a:r>
-              <a:rPr lang="en-US" sz="1400"/>
-              <a:t>family business - George &amp; Kevin Leecher </a:t>
+              <a:rPr lang="en-US" sz="1400" dirty="0"/>
+              <a:t>family business - George &amp; Kevin </a:t>
+            </a:r>
+            <a:r>
+              <a:rPr lang="en-US" sz="1400" dirty="0" err="1"/>
+              <a:t>Leecher</a:t>
+            </a:r>
+            <a:r>
+              <a:rPr lang="en-US" sz="1400" dirty="0"/>
+              <a:t> </a:t>
             </a:r>
             <a:br>
-              <a:rPr lang="en-US" sz="1400"/>
+              <a:rPr lang="en-US" sz="1400" dirty="0"/>
             </a:br>
             <a:r>
-              <a:rPr lang="en-US" sz="1400"/>
-              <a:t>George@LechnersPropane.com </a:t>
+              <a:rPr lang="en-US" sz="1400" dirty="0" err="1"/>
+              <a:t>George@LechnersPropane.com</a:t>
+            </a:r>
+            <a:r>
+              <a:rPr lang="en-US" sz="1400" dirty="0"/>
+              <a:t> </a:t>
             </a:r>
             <a:br>
-              <a:rPr lang="en-US" sz="1400"/>
+              <a:rPr lang="en-US" sz="1400" dirty="0"/>
             </a:br>
             <a:r>
-              <a:rPr lang="en-US" sz="1400"/>
+              <a:rPr lang="en-US" sz="1400" dirty="0" err="1"/>
               <a:t>Kevin@LechnersPropane.com</a:t>
             </a:r>
             <a:br>
-              <a:rPr lang="en-US" sz="1400"/>
+              <a:rPr lang="en-US" sz="1400" dirty="0"/>
             </a:br>
             <a:r>
-              <a:rPr lang="en-US" sz="1400"/>
+              <a:rPr lang="en-US" sz="1400" dirty="0"/>
               <a:t>+1(607) 363-2434  • Work</a:t>
             </a:r>
           </a:p>
@@ -3419,8 +3436,16 @@
               <a:buChar char="•"/>
             </a:pPr>
             <a:r>
-              <a:rPr lang="en-US" sz="1400"/>
-              <a:t>1217 Burnwood Rd, East Branch, NY 13756-2109</a:t>
+              <a:rPr lang="en-US" sz="1400" dirty="0"/>
+              <a:t>1217 </a:t>
+            </a:r>
+            <a:r>
+              <a:rPr lang="en-US" sz="1400" dirty="0" err="1"/>
+              <a:t>Burnwood</a:t>
+            </a:r>
+            <a:r>
+              <a:rPr lang="en-US" sz="1400" dirty="0"/>
+              <a:t> Rd, East Branch, NY 13756-2109</a:t>
             </a:r>
           </a:p>
           <a:p>
@@ -3429,12 +3454,12 @@
               <a:buChar char="•"/>
             </a:pPr>
             <a:r>
-              <a:rPr lang="en-US" sz="1400">
+              <a:rPr lang="en-US" sz="1400" dirty="0">
                 <a:hlinkClick r:id="rId2"/>
               </a:rPr>
               <a:t>https://www.lechnerspropane.com</a:t>
             </a:r>
-            <a:endParaRPr lang="en-US" sz="1400"/>
+            <a:endParaRPr lang="en-US" sz="1400" dirty="0"/>
           </a:p>
         </p:txBody>
       </p:sp>
@@ -4336,6 +4361,1226 @@
     <p:extLst>
       <p:ext uri="{BB962C8B-B14F-4D97-AF65-F5344CB8AC3E}">
         <p14:creationId xmlns:p14="http://schemas.microsoft.com/office/powerpoint/2010/main" val="2324290108"/>
+      </p:ext>
+    </p:extLst>
+  </p:cSld>
+  <p:clrMapOvr>
+    <a:masterClrMapping/>
+  </p:clrMapOvr>
+</p:sld>
+</file>
+
+<file path=ppt/slides/slide3.xml><?xml version="1.0" encoding="utf-8"?>
+<p:sld xmlns:a="http://schemas.openxmlformats.org/drawingml/2006/main" xmlns:r="http://schemas.openxmlformats.org/officeDocument/2006/relationships" xmlns:p="http://schemas.openxmlformats.org/presentationml/2006/main">
+  <p:cSld>
+    <p:spTree>
+      <p:nvGrpSpPr>
+        <p:cNvPr id="1" name="">
+          <a:extLst>
+            <a:ext uri="{FF2B5EF4-FFF2-40B4-BE49-F238E27FC236}">
+              <a16:creationId xmlns:a16="http://schemas.microsoft.com/office/drawing/2014/main" id="{D7EC5A9F-E43C-467C-DD3A-B3140D9A9DB5}"/>
+            </a:ext>
+          </a:extLst>
+        </p:cNvPr>
+        <p:cNvGrpSpPr/>
+        <p:nvPr/>
+      </p:nvGrpSpPr>
+      <p:grpSpPr>
+        <a:xfrm>
+          <a:off x="0" y="0"/>
+          <a:ext cx="0" cy="0"/>
+          <a:chOff x="0" y="0"/>
+          <a:chExt cx="0" cy="0"/>
+        </a:xfrm>
+      </p:grpSpPr>
+      <p:sp>
+        <p:nvSpPr>
+          <p:cNvPr id="4" name="TextBox 3">
+            <a:extLst>
+              <a:ext uri="{FF2B5EF4-FFF2-40B4-BE49-F238E27FC236}">
+                <a16:creationId xmlns:a16="http://schemas.microsoft.com/office/drawing/2014/main" id="{92A8E2FA-33E7-6BC6-A2B8-BD662B7E9EDE}"/>
+              </a:ext>
+            </a:extLst>
+          </p:cNvPr>
+          <p:cNvSpPr txBox="1"/>
+          <p:nvPr/>
+        </p:nvSpPr>
+        <p:spPr>
+          <a:xfrm>
+            <a:off x="0" y="0"/>
+            <a:ext cx="6096000" cy="523220"/>
+          </a:xfrm>
+          <a:prstGeom prst="rect">
+            <a:avLst/>
+          </a:prstGeom>
+          <a:noFill/>
+        </p:spPr>
+        <p:txBody>
+          <a:bodyPr wrap="square" rtlCol="0">
+            <a:spAutoFit/>
+          </a:bodyPr>
+          <a:lstStyle/>
+          <a:p>
+            <a:r>
+              <a:rPr lang="en-US" sz="2800" b="1" dirty="0"/>
+              <a:t>Retail Propane Tank Fittings in USA</a:t>
+            </a:r>
+          </a:p>
+        </p:txBody>
+      </p:sp>
+      <p:sp>
+        <p:nvSpPr>
+          <p:cNvPr id="5" name="TextBox 4">
+            <a:extLst>
+              <a:ext uri="{FF2B5EF4-FFF2-40B4-BE49-F238E27FC236}">
+                <a16:creationId xmlns:a16="http://schemas.microsoft.com/office/drawing/2014/main" id="{A878A7BE-49F7-3A16-8A9C-E19D03409265}"/>
+              </a:ext>
+            </a:extLst>
+          </p:cNvPr>
+          <p:cNvSpPr txBox="1"/>
+          <p:nvPr/>
+        </p:nvSpPr>
+        <p:spPr>
+          <a:xfrm>
+            <a:off x="122183" y="643146"/>
+            <a:ext cx="5973817" cy="3754874"/>
+          </a:xfrm>
+          <a:prstGeom prst="rect">
+            <a:avLst/>
+          </a:prstGeom>
+          <a:solidFill>
+            <a:schemeClr val="accent4">
+              <a:lumMod val="20000"/>
+              <a:lumOff val="80000"/>
+            </a:schemeClr>
+          </a:solidFill>
+          <a:ln>
+            <a:solidFill>
+              <a:srgbClr val="FF0000"/>
+            </a:solidFill>
+          </a:ln>
+        </p:spPr>
+        <p:txBody>
+          <a:bodyPr wrap="square" rtlCol="0">
+            <a:spAutoFit/>
+          </a:bodyPr>
+          <a:lstStyle/>
+          <a:p>
+            <a:pPr marL="285750" indent="-285750">
+              <a:buFont typeface="Arial" panose="020B0604020202020204" pitchFamily="34" charset="0"/>
+              <a:buChar char="•"/>
+            </a:pPr>
+            <a:r>
+              <a:rPr lang="en-US" sz="1400" dirty="0">
+                <a:latin typeface="Calibri" panose="020F0502020204030204" pitchFamily="34" charset="0"/>
+                <a:cs typeface="Calibri" panose="020F0502020204030204" pitchFamily="34" charset="0"/>
+              </a:rPr>
+              <a:t>For standard 20 </a:t>
+            </a:r>
+            <a:r>
+              <a:rPr lang="en-US" sz="1400" dirty="0" err="1">
+                <a:latin typeface="Calibri" panose="020F0502020204030204" pitchFamily="34" charset="0"/>
+                <a:cs typeface="Calibri" panose="020F0502020204030204" pitchFamily="34" charset="0"/>
+              </a:rPr>
+              <a:t>lb</a:t>
+            </a:r>
+            <a:r>
+              <a:rPr lang="en-US" sz="1400" dirty="0">
+                <a:latin typeface="Calibri" panose="020F0502020204030204" pitchFamily="34" charset="0"/>
+                <a:cs typeface="Calibri" panose="020F0502020204030204" pitchFamily="34" charset="0"/>
+              </a:rPr>
+              <a:t> and 100 </a:t>
+            </a:r>
+            <a:r>
+              <a:rPr lang="en-US" sz="1400" dirty="0" err="1">
+                <a:latin typeface="Calibri" panose="020F0502020204030204" pitchFamily="34" charset="0"/>
+                <a:cs typeface="Calibri" panose="020F0502020204030204" pitchFamily="34" charset="0"/>
+              </a:rPr>
+              <a:t>lb</a:t>
+            </a:r>
+            <a:r>
+              <a:rPr lang="en-US" sz="1400" dirty="0">
+                <a:latin typeface="Calibri" panose="020F0502020204030204" pitchFamily="34" charset="0"/>
+                <a:cs typeface="Calibri" panose="020F0502020204030204" pitchFamily="34" charset="0"/>
+              </a:rPr>
+              <a:t> propane tanks: </a:t>
+            </a:r>
+            <a:r>
+              <a:rPr lang="en-US" sz="1400" b="1" dirty="0">
+                <a:solidFill>
+                  <a:srgbClr val="0070C0"/>
+                </a:solidFill>
+                <a:latin typeface="Calibri" panose="020F0502020204030204" pitchFamily="34" charset="0"/>
+                <a:cs typeface="Calibri" panose="020F0502020204030204" pitchFamily="34" charset="0"/>
+              </a:rPr>
+              <a:t>POL fitting (CGA-510)</a:t>
+            </a:r>
+            <a:r>
+              <a:rPr lang="en-US" sz="1400" dirty="0">
+                <a:latin typeface="Calibri" panose="020F0502020204030204" pitchFamily="34" charset="0"/>
+                <a:cs typeface="Calibri" panose="020F0502020204030204" pitchFamily="34" charset="0"/>
+              </a:rPr>
+              <a:t>: This is the traditional fitting with a 3/4" NGT (National Gas Thread) left-hand thread at 14 threads per inch. </a:t>
+            </a:r>
+          </a:p>
+          <a:p>
+            <a:pPr marL="285750" indent="-285750">
+              <a:buFont typeface="Arial" panose="020B0604020202020204" pitchFamily="34" charset="0"/>
+              <a:buChar char="•"/>
+            </a:pPr>
+            <a:r>
+              <a:rPr lang="en-US" sz="1400" dirty="0">
+                <a:latin typeface="Calibri" panose="020F0502020204030204" pitchFamily="34" charset="0"/>
+                <a:cs typeface="Calibri" panose="020F0502020204030204" pitchFamily="34" charset="0"/>
+              </a:rPr>
+              <a:t>Note - all tanks manufactured after 2002 are required to have OPD (Overfill Protection Device) valve. </a:t>
+            </a:r>
+          </a:p>
+          <a:p>
+            <a:pPr marL="285750" indent="-285750">
+              <a:buFont typeface="Arial" panose="020B0604020202020204" pitchFamily="34" charset="0"/>
+              <a:buChar char="•"/>
+            </a:pPr>
+            <a:r>
+              <a:rPr lang="en-US" sz="1400" dirty="0">
+                <a:latin typeface="Calibri" panose="020F0502020204030204" pitchFamily="34" charset="0"/>
+                <a:cs typeface="Calibri" panose="020F0502020204030204" pitchFamily="34" charset="0"/>
+              </a:rPr>
+              <a:t>POL = Prest-O-Lite fitting, a.k.a. Compressed Gas Association designation CGA-510. </a:t>
+            </a:r>
+          </a:p>
+          <a:p>
+            <a:pPr marL="285750" indent="-285750">
+              <a:buFont typeface="Arial" panose="020B0604020202020204" pitchFamily="34" charset="0"/>
+              <a:buChar char="•"/>
+            </a:pPr>
+            <a:r>
+              <a:rPr lang="en-US" sz="1400" dirty="0">
+                <a:latin typeface="Calibri" panose="020F0502020204030204" pitchFamily="34" charset="0"/>
+                <a:cs typeface="Calibri" panose="020F0502020204030204" pitchFamily="34" charset="0"/>
+              </a:rPr>
+              <a:t>It features a small nipple in the center with a check valve that prevents gas flow when the fitting is disconnected.</a:t>
+            </a:r>
+          </a:p>
+          <a:p>
+            <a:pPr marL="285750" indent="-285750">
+              <a:buFont typeface="Arial" panose="020B0604020202020204" pitchFamily="34" charset="0"/>
+              <a:buChar char="•"/>
+            </a:pPr>
+            <a:r>
+              <a:rPr lang="en-US" sz="1400" dirty="0">
+                <a:latin typeface="Calibri" panose="020F0502020204030204" pitchFamily="34" charset="0"/>
+                <a:cs typeface="Calibri" panose="020F0502020204030204" pitchFamily="34" charset="0"/>
+              </a:rPr>
+              <a:t>Smaller tanks can use </a:t>
+            </a:r>
+            <a:r>
+              <a:rPr lang="en-US" sz="1400" b="1" dirty="0">
+                <a:solidFill>
+                  <a:srgbClr val="0070C0"/>
+                </a:solidFill>
+                <a:latin typeface="Calibri" panose="020F0502020204030204" pitchFamily="34" charset="0"/>
+                <a:cs typeface="Calibri" panose="020F0502020204030204" pitchFamily="34" charset="0"/>
+              </a:rPr>
+              <a:t>Type 1 ACME </a:t>
+            </a:r>
+            <a:r>
+              <a:rPr lang="en-US" sz="1400" dirty="0">
+                <a:latin typeface="Calibri" panose="020F0502020204030204" pitchFamily="34" charset="0"/>
+                <a:cs typeface="Calibri" panose="020F0502020204030204" pitchFamily="34" charset="0"/>
+              </a:rPr>
+              <a:t>connection (a.k.a. </a:t>
+            </a:r>
+            <a:r>
+              <a:rPr lang="en-US" sz="1400" b="1" dirty="0">
+                <a:solidFill>
+                  <a:srgbClr val="0070C0"/>
+                </a:solidFill>
+                <a:latin typeface="Calibri" panose="020F0502020204030204" pitchFamily="34" charset="0"/>
+                <a:cs typeface="Calibri" panose="020F0502020204030204" pitchFamily="34" charset="0"/>
+              </a:rPr>
+              <a:t>QCC1 (Quick Closing Coupling). </a:t>
+            </a:r>
+            <a:r>
+              <a:rPr lang="en-US" sz="1400" dirty="0">
+                <a:latin typeface="Calibri" panose="020F0502020204030204" pitchFamily="34" charset="0"/>
+                <a:cs typeface="Calibri" panose="020F0502020204030204" pitchFamily="34" charset="0"/>
+              </a:rPr>
+              <a:t>Very small 1 </a:t>
+            </a:r>
+            <a:r>
+              <a:rPr lang="en-US" sz="1400" dirty="0" err="1">
+                <a:latin typeface="Calibri" panose="020F0502020204030204" pitchFamily="34" charset="0"/>
+                <a:cs typeface="Calibri" panose="020F0502020204030204" pitchFamily="34" charset="0"/>
+              </a:rPr>
+              <a:t>lb</a:t>
+            </a:r>
+            <a:r>
+              <a:rPr lang="en-US" sz="1400" dirty="0">
+                <a:latin typeface="Calibri" panose="020F0502020204030204" pitchFamily="34" charset="0"/>
+                <a:cs typeface="Calibri" panose="020F0502020204030204" pitchFamily="34" charset="0"/>
+              </a:rPr>
+              <a:t> disposable cylinders (camping stoves) use </a:t>
+            </a:r>
+            <a:r>
+              <a:rPr lang="en-US" sz="1400" b="1" dirty="0">
+                <a:solidFill>
+                  <a:srgbClr val="0070C0"/>
+                </a:solidFill>
+                <a:latin typeface="Calibri" panose="020F0502020204030204" pitchFamily="34" charset="0"/>
+                <a:cs typeface="Calibri" panose="020F0502020204030204" pitchFamily="34" charset="0"/>
+              </a:rPr>
+              <a:t>CGA-600 connection</a:t>
+            </a:r>
+          </a:p>
+          <a:p>
+            <a:pPr marL="285750" indent="-285750">
+              <a:buFont typeface="Arial" panose="020B0604020202020204" pitchFamily="34" charset="0"/>
+              <a:buChar char="•"/>
+            </a:pPr>
+            <a:r>
+              <a:rPr lang="en-US" sz="1400" dirty="0">
+                <a:latin typeface="Calibri" panose="020F0502020204030204" pitchFamily="34" charset="0"/>
+                <a:cs typeface="Calibri" panose="020F0502020204030204" pitchFamily="34" charset="0"/>
+              </a:rPr>
+              <a:t>Hoses can be labeled as "POL," "Type 1," or "QCC1" to indicate compatibility with standard residential propane tanks.</a:t>
+            </a:r>
+          </a:p>
+          <a:p>
+            <a:pPr marL="285750" indent="-285750">
+              <a:buFont typeface="Arial" panose="020B0604020202020204" pitchFamily="34" charset="0"/>
+              <a:buChar char="•"/>
+            </a:pPr>
+            <a:r>
+              <a:rPr lang="en-US" sz="1400" dirty="0">
+                <a:latin typeface="Calibri" panose="020F0502020204030204" pitchFamily="34" charset="0"/>
+                <a:cs typeface="Calibri" panose="020F0502020204030204" pitchFamily="34" charset="0"/>
+              </a:rPr>
+              <a:t>To interconnect 2 tanks, you'll need a </a:t>
+            </a:r>
+            <a:r>
+              <a:rPr lang="en-US" sz="1400" b="1" dirty="0">
+                <a:solidFill>
+                  <a:srgbClr val="0070C0"/>
+                </a:solidFill>
+                <a:latin typeface="Calibri" panose="020F0502020204030204" pitchFamily="34" charset="0"/>
+                <a:cs typeface="Calibri" panose="020F0502020204030204" pitchFamily="34" charset="0"/>
+              </a:rPr>
+              <a:t>"tank-to-tank" transfer hose or "propane tank equalizer hose" </a:t>
+            </a:r>
+            <a:r>
+              <a:rPr lang="en-US" sz="1400" dirty="0">
+                <a:latin typeface="Calibri" panose="020F0502020204030204" pitchFamily="34" charset="0"/>
+                <a:cs typeface="Calibri" panose="020F0502020204030204" pitchFamily="34" charset="0"/>
+              </a:rPr>
+              <a:t>with </a:t>
+            </a:r>
+            <a:r>
+              <a:rPr lang="en-US" sz="1400" b="1" dirty="0">
+                <a:solidFill>
+                  <a:srgbClr val="FF0000"/>
+                </a:solidFill>
+                <a:latin typeface="Calibri" panose="020F0502020204030204" pitchFamily="34" charset="0"/>
+                <a:cs typeface="Calibri" panose="020F0502020204030204" pitchFamily="34" charset="0"/>
+              </a:rPr>
+              <a:t>POL fittings on both ends</a:t>
+            </a:r>
+            <a:r>
+              <a:rPr lang="en-US" sz="1400" dirty="0">
+                <a:latin typeface="Calibri" panose="020F0502020204030204" pitchFamily="34" charset="0"/>
+                <a:cs typeface="Calibri" panose="020F0502020204030204" pitchFamily="34" charset="0"/>
+              </a:rPr>
+              <a:t>. Look for hoses labeled for LP (Liquid Propane) or LPG (Liquid Propane Gas)</a:t>
+            </a:r>
+          </a:p>
+        </p:txBody>
+      </p:sp>
+      <p:pic>
+        <p:nvPicPr>
+          <p:cNvPr id="6" name="Picture 4">
+            <a:extLst>
+              <a:ext uri="{FF2B5EF4-FFF2-40B4-BE49-F238E27FC236}">
+                <a16:creationId xmlns:a16="http://schemas.microsoft.com/office/drawing/2014/main" id="{6972EE1C-90B9-F740-C66D-E5603C3E885B}"/>
+              </a:ext>
+            </a:extLst>
+          </p:cNvPr>
+          <p:cNvPicPr>
+            <a:picLocks noChangeAspect="1" noChangeArrowheads="1"/>
+          </p:cNvPicPr>
+          <p:nvPr/>
+        </p:nvPicPr>
+        <p:blipFill rotWithShape="1">
+          <a:blip r:embed="rId2" cstate="email">
+            <a:extLst>
+              <a:ext uri="{28A0092B-C50C-407E-A947-70E740481C1C}">
+                <a14:useLocalDpi xmlns:a14="http://schemas.microsoft.com/office/drawing/2010/main"/>
+              </a:ext>
+            </a:extLst>
+          </a:blip>
+          <a:srcRect/>
+          <a:stretch/>
+        </p:blipFill>
+        <p:spPr bwMode="auto">
+          <a:xfrm>
+            <a:off x="9184511" y="4855222"/>
+            <a:ext cx="1981200" cy="1761026"/>
+          </a:xfrm>
+          <a:prstGeom prst="rect">
+            <a:avLst/>
+          </a:prstGeom>
+          <a:noFill/>
+          <a:ln>
+            <a:solidFill>
+              <a:srgbClr val="FF0000"/>
+            </a:solidFill>
+          </a:ln>
+          <a:extLst>
+            <a:ext uri="{909E8E84-426E-40DD-AFC4-6F175D3DCCD1}">
+              <a14:hiddenFill xmlns:a14="http://schemas.microsoft.com/office/drawing/2010/main">
+                <a:solidFill>
+                  <a:srgbClr val="FFFFFF"/>
+                </a:solidFill>
+              </a14:hiddenFill>
+            </a:ext>
+          </a:extLst>
+        </p:spPr>
+      </p:pic>
+      <p:sp>
+        <p:nvSpPr>
+          <p:cNvPr id="9" name="TextBox 8">
+            <a:extLst>
+              <a:ext uri="{FF2B5EF4-FFF2-40B4-BE49-F238E27FC236}">
+                <a16:creationId xmlns:a16="http://schemas.microsoft.com/office/drawing/2014/main" id="{B6B49F39-F007-C050-E6B9-997D019C5DDB}"/>
+              </a:ext>
+            </a:extLst>
+          </p:cNvPr>
+          <p:cNvSpPr txBox="1"/>
+          <p:nvPr/>
+        </p:nvSpPr>
+        <p:spPr>
+          <a:xfrm>
+            <a:off x="9155015" y="6539303"/>
+            <a:ext cx="2126040" cy="276999"/>
+          </a:xfrm>
+          <a:prstGeom prst="rect">
+            <a:avLst/>
+          </a:prstGeom>
+          <a:solidFill>
+            <a:schemeClr val="accent4">
+              <a:lumMod val="20000"/>
+              <a:lumOff val="80000"/>
+            </a:schemeClr>
+          </a:solidFill>
+          <a:ln>
+            <a:solidFill>
+              <a:srgbClr val="FF0000"/>
+            </a:solidFill>
+          </a:ln>
+        </p:spPr>
+        <p:txBody>
+          <a:bodyPr wrap="square" rtlCol="0">
+            <a:spAutoFit/>
+          </a:bodyPr>
+          <a:lstStyle/>
+          <a:p>
+            <a:r>
+              <a:rPr lang="en-US" sz="1200" b="0" i="0" dirty="0">
+                <a:solidFill>
+                  <a:srgbClr val="202122"/>
+                </a:solidFill>
+                <a:effectLst/>
+                <a:latin typeface="Calibri" panose="020F0502020204030204" pitchFamily="34" charset="0"/>
+                <a:cs typeface="Calibri" panose="020F0502020204030204" pitchFamily="34" charset="0"/>
+              </a:rPr>
+              <a:t>Male fitting to match POL valve</a:t>
+            </a:r>
+            <a:endParaRPr lang="en-US" sz="1200" dirty="0">
+              <a:latin typeface="Calibri" panose="020F0502020204030204" pitchFamily="34" charset="0"/>
+              <a:cs typeface="Calibri" panose="020F0502020204030204" pitchFamily="34" charset="0"/>
+            </a:endParaRPr>
+          </a:p>
+        </p:txBody>
+      </p:sp>
+      <p:pic>
+        <p:nvPicPr>
+          <p:cNvPr id="12" name="Picture 8" descr="Coleman Coleman Propane Fuel 16.4 Oz at OutdoorShopping">
+            <a:extLst>
+              <a:ext uri="{FF2B5EF4-FFF2-40B4-BE49-F238E27FC236}">
+                <a16:creationId xmlns:a16="http://schemas.microsoft.com/office/drawing/2014/main" id="{9C81F557-591E-F313-1607-90669975772E}"/>
+              </a:ext>
+            </a:extLst>
+          </p:cNvPr>
+          <p:cNvPicPr>
+            <a:picLocks noChangeAspect="1" noChangeArrowheads="1"/>
+          </p:cNvPicPr>
+          <p:nvPr/>
+        </p:nvPicPr>
+        <p:blipFill rotWithShape="1">
+          <a:blip r:embed="rId3" cstate="email">
+            <a:extLst>
+              <a:ext uri="{28A0092B-C50C-407E-A947-70E740481C1C}">
+                <a14:useLocalDpi xmlns:a14="http://schemas.microsoft.com/office/drawing/2010/main"/>
+              </a:ext>
+            </a:extLst>
+          </a:blip>
+          <a:srcRect/>
+          <a:stretch/>
+        </p:blipFill>
+        <p:spPr bwMode="auto">
+          <a:xfrm>
+            <a:off x="11198534" y="5029086"/>
+            <a:ext cx="924185" cy="1828914"/>
+          </a:xfrm>
+          <a:prstGeom prst="rect">
+            <a:avLst/>
+          </a:prstGeom>
+          <a:noFill/>
+          <a:extLst>
+            <a:ext uri="{909E8E84-426E-40DD-AFC4-6F175D3DCCD1}">
+              <a14:hiddenFill xmlns:a14="http://schemas.microsoft.com/office/drawing/2010/main">
+                <a:solidFill>
+                  <a:srgbClr val="FFFFFF"/>
+                </a:solidFill>
+              </a14:hiddenFill>
+            </a:ext>
+          </a:extLst>
+        </p:spPr>
+      </p:pic>
+      <p:sp>
+        <p:nvSpPr>
+          <p:cNvPr id="13" name="TextBox 12">
+            <a:extLst>
+              <a:ext uri="{FF2B5EF4-FFF2-40B4-BE49-F238E27FC236}">
+                <a16:creationId xmlns:a16="http://schemas.microsoft.com/office/drawing/2014/main" id="{DAC9AD01-0422-DE74-F579-840D51EBE09C}"/>
+              </a:ext>
+            </a:extLst>
+          </p:cNvPr>
+          <p:cNvSpPr txBox="1"/>
+          <p:nvPr/>
+        </p:nvSpPr>
+        <p:spPr>
+          <a:xfrm>
+            <a:off x="11276814" y="4746103"/>
+            <a:ext cx="767623" cy="276999"/>
+          </a:xfrm>
+          <a:prstGeom prst="rect">
+            <a:avLst/>
+          </a:prstGeom>
+          <a:solidFill>
+            <a:schemeClr val="accent4">
+              <a:lumMod val="20000"/>
+              <a:lumOff val="80000"/>
+            </a:schemeClr>
+          </a:solidFill>
+          <a:ln>
+            <a:solidFill>
+              <a:srgbClr val="FF0000"/>
+            </a:solidFill>
+          </a:ln>
+        </p:spPr>
+        <p:txBody>
+          <a:bodyPr wrap="square" rtlCol="0">
+            <a:spAutoFit/>
+          </a:bodyPr>
+          <a:lstStyle/>
+          <a:p>
+            <a:r>
+              <a:rPr lang="en-US" sz="1200" b="0" i="0" dirty="0">
+                <a:solidFill>
+                  <a:srgbClr val="202122"/>
+                </a:solidFill>
+                <a:effectLst/>
+                <a:latin typeface="Calibri" panose="020F0502020204030204" pitchFamily="34" charset="0"/>
+                <a:cs typeface="Calibri" panose="020F0502020204030204" pitchFamily="34" charset="0"/>
+              </a:rPr>
+              <a:t>CGA-600</a:t>
+            </a:r>
+            <a:endParaRPr lang="en-US" sz="1200" dirty="0">
+              <a:latin typeface="Calibri" panose="020F0502020204030204" pitchFamily="34" charset="0"/>
+              <a:cs typeface="Calibri" panose="020F0502020204030204" pitchFamily="34" charset="0"/>
+            </a:endParaRPr>
+          </a:p>
+        </p:txBody>
+      </p:sp>
+      <p:pic>
+        <p:nvPicPr>
+          <p:cNvPr id="15" name="Picture 14">
+            <a:extLst>
+              <a:ext uri="{FF2B5EF4-FFF2-40B4-BE49-F238E27FC236}">
+                <a16:creationId xmlns:a16="http://schemas.microsoft.com/office/drawing/2014/main" id="{85649B28-DF3A-36D8-A452-8ECC2AEF4C58}"/>
+              </a:ext>
+            </a:extLst>
+          </p:cNvPr>
+          <p:cNvPicPr>
+            <a:picLocks noChangeAspect="1"/>
+          </p:cNvPicPr>
+          <p:nvPr/>
+        </p:nvPicPr>
+        <p:blipFill>
+          <a:blip r:embed="rId4" cstate="email">
+            <a:extLst>
+              <a:ext uri="{28A0092B-C50C-407E-A947-70E740481C1C}">
+                <a14:useLocalDpi xmlns:a14="http://schemas.microsoft.com/office/drawing/2010/main"/>
+              </a:ext>
+            </a:extLst>
+          </a:blip>
+          <a:stretch>
+            <a:fillRect/>
+          </a:stretch>
+        </p:blipFill>
+        <p:spPr>
+          <a:xfrm>
+            <a:off x="6223023" y="103124"/>
+            <a:ext cx="1770604" cy="2044457"/>
+          </a:xfrm>
+          <a:prstGeom prst="rect">
+            <a:avLst/>
+          </a:prstGeom>
+          <a:ln>
+            <a:solidFill>
+              <a:srgbClr val="FF0000"/>
+            </a:solidFill>
+          </a:ln>
+        </p:spPr>
+      </p:pic>
+      <p:pic>
+        <p:nvPicPr>
+          <p:cNvPr id="16" name="Picture 10" descr="Universal Fit Propane Tank Adapter Converts POL LP Tank Service Valve to QCC1/Type 1 with Wrench Old to New Connection Style">
+            <a:extLst>
+              <a:ext uri="{FF2B5EF4-FFF2-40B4-BE49-F238E27FC236}">
+                <a16:creationId xmlns:a16="http://schemas.microsoft.com/office/drawing/2014/main" id="{2B05130A-AFA6-4096-25B1-EE52BCBEEA45}"/>
+              </a:ext>
+            </a:extLst>
+          </p:cNvPr>
+          <p:cNvPicPr>
+            <a:picLocks noChangeAspect="1" noChangeArrowheads="1"/>
+          </p:cNvPicPr>
+          <p:nvPr/>
+        </p:nvPicPr>
+        <p:blipFill>
+          <a:blip r:embed="rId5" cstate="email">
+            <a:extLst>
+              <a:ext uri="{28A0092B-C50C-407E-A947-70E740481C1C}">
+                <a14:useLocalDpi xmlns:a14="http://schemas.microsoft.com/office/drawing/2010/main"/>
+              </a:ext>
+            </a:extLst>
+          </a:blip>
+          <a:srcRect/>
+          <a:stretch>
+            <a:fillRect/>
+          </a:stretch>
+        </p:blipFill>
+        <p:spPr bwMode="auto">
+          <a:xfrm>
+            <a:off x="1603035" y="4578121"/>
+            <a:ext cx="2528481" cy="1517089"/>
+          </a:xfrm>
+          <a:prstGeom prst="rect">
+            <a:avLst/>
+          </a:prstGeom>
+          <a:noFill/>
+          <a:extLst>
+            <a:ext uri="{909E8E84-426E-40DD-AFC4-6F175D3DCCD1}">
+              <a14:hiddenFill xmlns:a14="http://schemas.microsoft.com/office/drawing/2010/main">
+                <a:solidFill>
+                  <a:srgbClr val="FFFFFF"/>
+                </a:solidFill>
+              </a14:hiddenFill>
+            </a:ext>
+          </a:extLst>
+        </p:spPr>
+      </p:pic>
+      <p:sp>
+        <p:nvSpPr>
+          <p:cNvPr id="14" name="TextBox 13">
+            <a:extLst>
+              <a:ext uri="{FF2B5EF4-FFF2-40B4-BE49-F238E27FC236}">
+                <a16:creationId xmlns:a16="http://schemas.microsoft.com/office/drawing/2014/main" id="{8D1F3AED-22F9-518B-2283-4D32195A56C7}"/>
+              </a:ext>
+            </a:extLst>
+          </p:cNvPr>
+          <p:cNvSpPr txBox="1"/>
+          <p:nvPr/>
+        </p:nvSpPr>
+        <p:spPr>
+          <a:xfrm>
+            <a:off x="8095270" y="649698"/>
+            <a:ext cx="3949167" cy="877163"/>
+          </a:xfrm>
+          <a:prstGeom prst="rect">
+            <a:avLst/>
+          </a:prstGeom>
+          <a:solidFill>
+            <a:schemeClr val="accent4">
+              <a:lumMod val="20000"/>
+              <a:lumOff val="80000"/>
+            </a:schemeClr>
+          </a:solidFill>
+          <a:ln>
+            <a:solidFill>
+              <a:srgbClr val="FF0000"/>
+            </a:solidFill>
+          </a:ln>
+        </p:spPr>
+        <p:txBody>
+          <a:bodyPr wrap="square" rtlCol="0">
+            <a:spAutoFit/>
+          </a:bodyPr>
+          <a:lstStyle/>
+          <a:p>
+            <a:r>
+              <a:rPr lang="en-US" sz="1400" b="0" i="0" dirty="0">
+                <a:solidFill>
+                  <a:srgbClr val="202122"/>
+                </a:solidFill>
+                <a:effectLst/>
+                <a:latin typeface="Calibri" panose="020F0502020204030204" pitchFamily="34" charset="0"/>
+                <a:cs typeface="Calibri" panose="020F0502020204030204" pitchFamily="34" charset="0"/>
+              </a:rPr>
+              <a:t>Flame King 20LB Aluminum - $200</a:t>
+            </a:r>
+          </a:p>
+          <a:p>
+            <a:r>
+              <a:rPr lang="en-US" sz="1400" b="0" i="0" dirty="0">
+                <a:solidFill>
+                  <a:srgbClr val="202122"/>
+                </a:solidFill>
+                <a:effectLst/>
+                <a:latin typeface="Calibri" panose="020F0502020204030204" pitchFamily="34" charset="0"/>
+                <a:cs typeface="Calibri" panose="020F0502020204030204" pitchFamily="34" charset="0"/>
+              </a:rPr>
+              <a:t>Propane Tank with Gauge &amp; OPD Valve,</a:t>
+            </a:r>
+          </a:p>
+          <a:p>
+            <a:r>
+              <a:rPr lang="en-US" sz="1400" dirty="0">
+                <a:solidFill>
+                  <a:srgbClr val="202122"/>
+                </a:solidFill>
+                <a:latin typeface="Calibri" panose="020F0502020204030204" pitchFamily="34" charset="0"/>
+                <a:cs typeface="Calibri" panose="020F0502020204030204" pitchFamily="34" charset="0"/>
+              </a:rPr>
+              <a:t>POL and Type 1 ACME fitting</a:t>
+            </a:r>
+            <a:endParaRPr lang="en-US" sz="1400" b="0" i="0" dirty="0">
+              <a:solidFill>
+                <a:srgbClr val="202122"/>
+              </a:solidFill>
+              <a:effectLst/>
+              <a:latin typeface="Calibri" panose="020F0502020204030204" pitchFamily="34" charset="0"/>
+              <a:cs typeface="Calibri" panose="020F0502020204030204" pitchFamily="34" charset="0"/>
+            </a:endParaRPr>
+          </a:p>
+          <a:p>
+            <a:r>
+              <a:rPr lang="en-US" sz="900" b="0" i="0" dirty="0">
+                <a:solidFill>
+                  <a:srgbClr val="202122"/>
+                </a:solidFill>
+                <a:effectLst/>
+                <a:latin typeface="Calibri" panose="020F0502020204030204" pitchFamily="34" charset="0"/>
+                <a:cs typeface="Calibri" panose="020F0502020204030204" pitchFamily="34" charset="0"/>
+                <a:hlinkClick r:id="rId6"/>
+              </a:rPr>
+              <a:t>https://www.amazon.com/gp/aw/d/B0DR3SSBV8/</a:t>
+            </a:r>
+            <a:endParaRPr lang="en-US" sz="900" b="0" i="0" dirty="0">
+              <a:solidFill>
+                <a:srgbClr val="202122"/>
+              </a:solidFill>
+              <a:effectLst/>
+              <a:latin typeface="Calibri" panose="020F0502020204030204" pitchFamily="34" charset="0"/>
+              <a:cs typeface="Calibri" panose="020F0502020204030204" pitchFamily="34" charset="0"/>
+            </a:endParaRPr>
+          </a:p>
+        </p:txBody>
+      </p:sp>
+      <p:pic>
+        <p:nvPicPr>
+          <p:cNvPr id="17" name="Picture 16">
+            <a:extLst>
+              <a:ext uri="{FF2B5EF4-FFF2-40B4-BE49-F238E27FC236}">
+                <a16:creationId xmlns:a16="http://schemas.microsoft.com/office/drawing/2014/main" id="{D61CEB8F-73C9-CAF5-0D30-7D3CE6E98932}"/>
+              </a:ext>
+            </a:extLst>
+          </p:cNvPr>
+          <p:cNvPicPr>
+            <a:picLocks noChangeAspect="1"/>
+          </p:cNvPicPr>
+          <p:nvPr/>
+        </p:nvPicPr>
+        <p:blipFill>
+          <a:blip r:embed="rId7" cstate="email">
+            <a:extLst>
+              <a:ext uri="{28A0092B-C50C-407E-A947-70E740481C1C}">
+                <a14:useLocalDpi xmlns:a14="http://schemas.microsoft.com/office/drawing/2010/main"/>
+              </a:ext>
+            </a:extLst>
+          </a:blip>
+          <a:stretch>
+            <a:fillRect/>
+          </a:stretch>
+        </p:blipFill>
+        <p:spPr>
+          <a:xfrm>
+            <a:off x="8596082" y="1575216"/>
+            <a:ext cx="3158057" cy="1734389"/>
+          </a:xfrm>
+          <a:prstGeom prst="rect">
+            <a:avLst/>
+          </a:prstGeom>
+          <a:ln>
+            <a:solidFill>
+              <a:srgbClr val="FF0000"/>
+            </a:solidFill>
+          </a:ln>
+        </p:spPr>
+      </p:pic>
+      <p:sp>
+        <p:nvSpPr>
+          <p:cNvPr id="19" name="Right Arrow 18">
+            <a:extLst>
+              <a:ext uri="{FF2B5EF4-FFF2-40B4-BE49-F238E27FC236}">
+                <a16:creationId xmlns:a16="http://schemas.microsoft.com/office/drawing/2014/main" id="{757026E7-173B-EEE0-0B61-475C8FFE9068}"/>
+              </a:ext>
+            </a:extLst>
+          </p:cNvPr>
+          <p:cNvSpPr/>
+          <p:nvPr/>
+        </p:nvSpPr>
+        <p:spPr>
+          <a:xfrm>
+            <a:off x="120562" y="5033983"/>
+            <a:ext cx="1511332" cy="575188"/>
+          </a:xfrm>
+          <a:prstGeom prst="rightArrow">
+            <a:avLst/>
+          </a:prstGeom>
+          <a:solidFill>
+            <a:schemeClr val="accent4">
+              <a:lumMod val="20000"/>
+              <a:lumOff val="80000"/>
+            </a:schemeClr>
+          </a:solidFill>
+        </p:spPr>
+        <p:style>
+          <a:lnRef idx="2">
+            <a:schemeClr val="accent1">
+              <a:shade val="15000"/>
+            </a:schemeClr>
+          </a:lnRef>
+          <a:fillRef idx="1">
+            <a:schemeClr val="accent1"/>
+          </a:fillRef>
+          <a:effectRef idx="0">
+            <a:schemeClr val="accent1"/>
+          </a:effectRef>
+          <a:fontRef idx="minor">
+            <a:schemeClr val="lt1"/>
+          </a:fontRef>
+        </p:style>
+        <p:txBody>
+          <a:bodyPr rtlCol="0" anchor="ctr"/>
+          <a:lstStyle/>
+          <a:p>
+            <a:pPr algn="ctr"/>
+            <a:r>
+              <a:rPr lang="en-US" sz="1400" dirty="0">
+                <a:solidFill>
+                  <a:srgbClr val="0070C0"/>
+                </a:solidFill>
+              </a:rPr>
+              <a:t>POL Female</a:t>
+            </a:r>
+          </a:p>
+        </p:txBody>
+      </p:sp>
+      <p:sp>
+        <p:nvSpPr>
+          <p:cNvPr id="20" name="Right Arrow 19">
+            <a:extLst>
+              <a:ext uri="{FF2B5EF4-FFF2-40B4-BE49-F238E27FC236}">
+                <a16:creationId xmlns:a16="http://schemas.microsoft.com/office/drawing/2014/main" id="{290E991F-D224-40EF-E905-E78CD59D6F18}"/>
+              </a:ext>
+            </a:extLst>
+          </p:cNvPr>
+          <p:cNvSpPr/>
+          <p:nvPr/>
+        </p:nvSpPr>
+        <p:spPr>
+          <a:xfrm rot="19530822">
+            <a:off x="262354" y="5976123"/>
+            <a:ext cx="1715841" cy="575188"/>
+          </a:xfrm>
+          <a:prstGeom prst="rightArrow">
+            <a:avLst/>
+          </a:prstGeom>
+          <a:solidFill>
+            <a:schemeClr val="accent4">
+              <a:lumMod val="20000"/>
+              <a:lumOff val="80000"/>
+            </a:schemeClr>
+          </a:solidFill>
+        </p:spPr>
+        <p:style>
+          <a:lnRef idx="2">
+            <a:schemeClr val="accent1">
+              <a:shade val="15000"/>
+            </a:schemeClr>
+          </a:lnRef>
+          <a:fillRef idx="1">
+            <a:schemeClr val="accent1"/>
+          </a:fillRef>
+          <a:effectRef idx="0">
+            <a:schemeClr val="accent1"/>
+          </a:effectRef>
+          <a:fontRef idx="minor">
+            <a:schemeClr val="lt1"/>
+          </a:fontRef>
+        </p:style>
+        <p:txBody>
+          <a:bodyPr rtlCol="0" anchor="ctr"/>
+          <a:lstStyle/>
+          <a:p>
+            <a:pPr algn="ctr"/>
+            <a:r>
+              <a:rPr lang="en-US" sz="1400" dirty="0">
+                <a:solidFill>
+                  <a:srgbClr val="0070C0"/>
+                </a:solidFill>
+              </a:rPr>
+              <a:t>Type 1 ACME Male</a:t>
+            </a:r>
+          </a:p>
+        </p:txBody>
+      </p:sp>
+      <p:pic>
+        <p:nvPicPr>
+          <p:cNvPr id="2" name="Picture 1">
+            <a:extLst>
+              <a:ext uri="{FF2B5EF4-FFF2-40B4-BE49-F238E27FC236}">
+                <a16:creationId xmlns:a16="http://schemas.microsoft.com/office/drawing/2014/main" id="{6EB7AD1C-F294-8F5F-DC92-0AC28029F729}"/>
+              </a:ext>
+            </a:extLst>
+          </p:cNvPr>
+          <p:cNvPicPr>
+            <a:picLocks noChangeAspect="1"/>
+          </p:cNvPicPr>
+          <p:nvPr/>
+        </p:nvPicPr>
+        <p:blipFill>
+          <a:blip r:embed="rId8" cstate="email">
+            <a:extLst>
+              <a:ext uri="{28A0092B-C50C-407E-A947-70E740481C1C}">
+                <a14:useLocalDpi xmlns:a14="http://schemas.microsoft.com/office/drawing/2010/main"/>
+              </a:ext>
+            </a:extLst>
+          </a:blip>
+          <a:stretch>
+            <a:fillRect/>
+          </a:stretch>
+        </p:blipFill>
+        <p:spPr>
+          <a:xfrm>
+            <a:off x="6248445" y="2245055"/>
+            <a:ext cx="1745181" cy="1886682"/>
+          </a:xfrm>
+          <a:prstGeom prst="rect">
+            <a:avLst/>
+          </a:prstGeom>
+          <a:ln>
+            <a:solidFill>
+              <a:srgbClr val="FF0000"/>
+            </a:solidFill>
+          </a:ln>
+        </p:spPr>
+      </p:pic>
+      <p:pic>
+        <p:nvPicPr>
+          <p:cNvPr id="3" name="Picture 2">
+            <a:extLst>
+              <a:ext uri="{FF2B5EF4-FFF2-40B4-BE49-F238E27FC236}">
+                <a16:creationId xmlns:a16="http://schemas.microsoft.com/office/drawing/2014/main" id="{B60A0E84-FA74-E502-5CD2-9E31EBC97657}"/>
+              </a:ext>
+            </a:extLst>
+          </p:cNvPr>
+          <p:cNvPicPr>
+            <a:picLocks noChangeAspect="1"/>
+          </p:cNvPicPr>
+          <p:nvPr/>
+        </p:nvPicPr>
+        <p:blipFill>
+          <a:blip r:embed="rId9" cstate="email">
+            <a:extLst>
+              <a:ext uri="{28A0092B-C50C-407E-A947-70E740481C1C}">
+                <a14:useLocalDpi xmlns:a14="http://schemas.microsoft.com/office/drawing/2010/main"/>
+              </a:ext>
+            </a:extLst>
+          </a:blip>
+          <a:stretch>
+            <a:fillRect/>
+          </a:stretch>
+        </p:blipFill>
+        <p:spPr>
+          <a:xfrm>
+            <a:off x="6142910" y="4173610"/>
+            <a:ext cx="1083958" cy="2053815"/>
+          </a:xfrm>
+          <a:prstGeom prst="rect">
+            <a:avLst/>
+          </a:prstGeom>
+        </p:spPr>
+      </p:pic>
+      <p:sp>
+        <p:nvSpPr>
+          <p:cNvPr id="7" name="TextBox 6">
+            <a:extLst>
+              <a:ext uri="{FF2B5EF4-FFF2-40B4-BE49-F238E27FC236}">
+                <a16:creationId xmlns:a16="http://schemas.microsoft.com/office/drawing/2014/main" id="{F50D0562-A97E-3F15-F4B8-688D76FB3C47}"/>
+              </a:ext>
+            </a:extLst>
+          </p:cNvPr>
+          <p:cNvSpPr txBox="1"/>
+          <p:nvPr/>
+        </p:nvSpPr>
+        <p:spPr>
+          <a:xfrm>
+            <a:off x="5859902" y="6316165"/>
+            <a:ext cx="2345787" cy="446276"/>
+          </a:xfrm>
+          <a:prstGeom prst="rect">
+            <a:avLst/>
+          </a:prstGeom>
+          <a:solidFill>
+            <a:schemeClr val="accent4">
+              <a:lumMod val="20000"/>
+              <a:lumOff val="80000"/>
+            </a:schemeClr>
+          </a:solidFill>
+          <a:ln>
+            <a:solidFill>
+              <a:srgbClr val="FF0000"/>
+            </a:solidFill>
+          </a:ln>
+        </p:spPr>
+        <p:txBody>
+          <a:bodyPr wrap="square" rtlCol="0">
+            <a:spAutoFit/>
+          </a:bodyPr>
+          <a:lstStyle/>
+          <a:p>
+            <a:r>
+              <a:rPr lang="en-US" sz="1400" b="0" i="0" dirty="0">
+                <a:solidFill>
+                  <a:srgbClr val="202122"/>
+                </a:solidFill>
+                <a:effectLst/>
+                <a:latin typeface="Calibri" panose="020F0502020204030204" pitchFamily="34" charset="0"/>
+                <a:cs typeface="Calibri" panose="020F0502020204030204" pitchFamily="34" charset="0"/>
+              </a:rPr>
+              <a:t>Flame King </a:t>
+            </a:r>
+            <a:r>
+              <a:rPr lang="en-US" sz="1400" b="0" i="0" dirty="0" err="1">
+                <a:solidFill>
+                  <a:srgbClr val="202122"/>
+                </a:solidFill>
+                <a:effectLst/>
+                <a:latin typeface="Calibri" panose="020F0502020204030204" pitchFamily="34" charset="0"/>
+                <a:cs typeface="Calibri" panose="020F0502020204030204" pitchFamily="34" charset="0"/>
+              </a:rPr>
+              <a:t>Refil</a:t>
+            </a:r>
+            <a:r>
+              <a:rPr lang="en-US" sz="1400" b="0" i="0" dirty="0">
+                <a:solidFill>
+                  <a:srgbClr val="202122"/>
+                </a:solidFill>
+                <a:effectLst/>
+                <a:latin typeface="Calibri" panose="020F0502020204030204" pitchFamily="34" charset="0"/>
+                <a:cs typeface="Calibri" panose="020F0502020204030204" pitchFamily="34" charset="0"/>
+              </a:rPr>
+              <a:t> Kit</a:t>
+            </a:r>
+          </a:p>
+          <a:p>
+            <a:r>
+              <a:rPr lang="en-US" sz="900" dirty="0">
+                <a:latin typeface="Calibri" panose="020F0502020204030204" pitchFamily="34" charset="0"/>
+                <a:cs typeface="Calibri" panose="020F0502020204030204" pitchFamily="34" charset="0"/>
+                <a:hlinkClick r:id="rId10"/>
+              </a:rPr>
+              <a:t>https://www.amazon.com/dp/B07F9LCYRT/</a:t>
+            </a:r>
+            <a:endParaRPr lang="en-US" sz="900" dirty="0">
+              <a:latin typeface="Calibri" panose="020F0502020204030204" pitchFamily="34" charset="0"/>
+              <a:cs typeface="Calibri" panose="020F0502020204030204" pitchFamily="34" charset="0"/>
+            </a:endParaRPr>
+          </a:p>
+        </p:txBody>
+      </p:sp>
+      <p:sp>
+        <p:nvSpPr>
+          <p:cNvPr id="8" name="Right Arrow 7">
+            <a:extLst>
+              <a:ext uri="{FF2B5EF4-FFF2-40B4-BE49-F238E27FC236}">
+                <a16:creationId xmlns:a16="http://schemas.microsoft.com/office/drawing/2014/main" id="{57879388-7733-A872-9CD0-2868A51364BD}"/>
+              </a:ext>
+            </a:extLst>
+          </p:cNvPr>
+          <p:cNvSpPr/>
+          <p:nvPr/>
+        </p:nvSpPr>
+        <p:spPr>
+          <a:xfrm rot="10800000" flipV="1">
+            <a:off x="4185267" y="5033983"/>
+            <a:ext cx="1511332" cy="684089"/>
+          </a:xfrm>
+          <a:prstGeom prst="rightArrow">
+            <a:avLst/>
+          </a:prstGeom>
+          <a:solidFill>
+            <a:schemeClr val="accent4">
+              <a:lumMod val="20000"/>
+              <a:lumOff val="80000"/>
+            </a:schemeClr>
+          </a:solidFill>
+        </p:spPr>
+        <p:style>
+          <a:lnRef idx="2">
+            <a:schemeClr val="accent1">
+              <a:shade val="15000"/>
+            </a:schemeClr>
+          </a:lnRef>
+          <a:fillRef idx="1">
+            <a:schemeClr val="accent1"/>
+          </a:fillRef>
+          <a:effectRef idx="0">
+            <a:schemeClr val="accent1"/>
+          </a:effectRef>
+          <a:fontRef idx="minor">
+            <a:schemeClr val="lt1"/>
+          </a:fontRef>
+        </p:style>
+        <p:txBody>
+          <a:bodyPr rtlCol="0" anchor="ctr"/>
+          <a:lstStyle/>
+          <a:p>
+            <a:pPr algn="ctr"/>
+            <a:r>
+              <a:rPr lang="en-US" sz="1400" dirty="0">
+                <a:solidFill>
+                  <a:srgbClr val="0070C0"/>
+                </a:solidFill>
+              </a:rPr>
+              <a:t>POL Male</a:t>
+            </a:r>
+          </a:p>
+        </p:txBody>
+      </p:sp>
+      <p:sp>
+        <p:nvSpPr>
+          <p:cNvPr id="10" name="TextBox 9">
+            <a:extLst>
+              <a:ext uri="{FF2B5EF4-FFF2-40B4-BE49-F238E27FC236}">
+                <a16:creationId xmlns:a16="http://schemas.microsoft.com/office/drawing/2014/main" id="{CB1ABC95-AB7F-F4AA-1CB4-E1A0D544B669}"/>
+              </a:ext>
+            </a:extLst>
+          </p:cNvPr>
+          <p:cNvSpPr txBox="1"/>
+          <p:nvPr/>
+        </p:nvSpPr>
+        <p:spPr>
+          <a:xfrm>
+            <a:off x="8095270" y="3410682"/>
+            <a:ext cx="3949167" cy="446276"/>
+          </a:xfrm>
+          <a:prstGeom prst="rect">
+            <a:avLst/>
+          </a:prstGeom>
+          <a:solidFill>
+            <a:schemeClr val="accent4">
+              <a:lumMod val="20000"/>
+              <a:lumOff val="80000"/>
+            </a:schemeClr>
+          </a:solidFill>
+          <a:ln>
+            <a:solidFill>
+              <a:srgbClr val="FF0000"/>
+            </a:solidFill>
+          </a:ln>
+        </p:spPr>
+        <p:txBody>
+          <a:bodyPr wrap="square" rtlCol="0">
+            <a:spAutoFit/>
+          </a:bodyPr>
+          <a:lstStyle/>
+          <a:p>
+            <a:r>
+              <a:rPr lang="en-US" sz="1400" dirty="0">
+                <a:solidFill>
+                  <a:srgbClr val="202122"/>
+                </a:solidFill>
+                <a:latin typeface="Calibri" panose="020F0502020204030204" pitchFamily="34" charset="0"/>
+                <a:cs typeface="Calibri" panose="020F0502020204030204" pitchFamily="34" charset="0"/>
+              </a:rPr>
+              <a:t>Same in steel - $60</a:t>
+            </a:r>
+          </a:p>
+          <a:p>
+            <a:r>
+              <a:rPr lang="en-US" sz="900" dirty="0">
+                <a:latin typeface="Calibri" panose="020F0502020204030204" pitchFamily="34" charset="0"/>
+                <a:cs typeface="Calibri" panose="020F0502020204030204" pitchFamily="34" charset="0"/>
+                <a:hlinkClick r:id="rId11"/>
+              </a:rPr>
+              <a:t>https://</a:t>
+            </a:r>
+            <a:r>
+              <a:rPr lang="en-US" sz="900" dirty="0" err="1">
+                <a:latin typeface="Calibri" panose="020F0502020204030204" pitchFamily="34" charset="0"/>
+                <a:cs typeface="Calibri" panose="020F0502020204030204" pitchFamily="34" charset="0"/>
+                <a:hlinkClick r:id="rId11"/>
+              </a:rPr>
+              <a:t>www.amazon.com</a:t>
+            </a:r>
+            <a:r>
+              <a:rPr lang="en-US" sz="900" dirty="0">
+                <a:latin typeface="Calibri" panose="020F0502020204030204" pitchFamily="34" charset="0"/>
+                <a:cs typeface="Calibri" panose="020F0502020204030204" pitchFamily="34" charset="0"/>
+                <a:hlinkClick r:id="rId11"/>
+              </a:rPr>
+              <a:t>/</a:t>
+            </a:r>
+            <a:r>
+              <a:rPr lang="en-US" sz="900" dirty="0" err="1">
+                <a:latin typeface="Calibri" panose="020F0502020204030204" pitchFamily="34" charset="0"/>
+                <a:cs typeface="Calibri" panose="020F0502020204030204" pitchFamily="34" charset="0"/>
+                <a:hlinkClick r:id="rId11"/>
+              </a:rPr>
+              <a:t>dp</a:t>
+            </a:r>
+            <a:r>
+              <a:rPr lang="en-US" sz="900" dirty="0">
+                <a:latin typeface="Calibri" panose="020F0502020204030204" pitchFamily="34" charset="0"/>
+                <a:cs typeface="Calibri" panose="020F0502020204030204" pitchFamily="34" charset="0"/>
+                <a:hlinkClick r:id="rId11"/>
+              </a:rPr>
+              <a:t>/B08XYH6TND/</a:t>
+            </a:r>
+            <a:endParaRPr lang="en-US" sz="900" dirty="0">
+              <a:latin typeface="Calibri" panose="020F0502020204030204" pitchFamily="34" charset="0"/>
+              <a:cs typeface="Calibri" panose="020F0502020204030204" pitchFamily="34" charset="0"/>
+            </a:endParaRPr>
+          </a:p>
+        </p:txBody>
+      </p:sp>
+    </p:spTree>
+    <p:extLst>
+      <p:ext uri="{BB962C8B-B14F-4D97-AF65-F5344CB8AC3E}">
+        <p14:creationId xmlns:p14="http://schemas.microsoft.com/office/powerpoint/2010/main" val="2854111229"/>
       </p:ext>
     </p:extLst>
   </p:cSld>

--- a/misc/propane.pptx
+++ b/misc/propane.pptx
@@ -8,6 +8,9 @@
     <p:sldId id="256" r:id="rId2"/>
     <p:sldId id="257" r:id="rId3"/>
     <p:sldId id="258" r:id="rId4"/>
+    <p:sldId id="259" r:id="rId5"/>
+    <p:sldId id="260" r:id="rId6"/>
+    <p:sldId id="261" r:id="rId7"/>
   </p:sldIdLst>
   <p:sldSz cx="12192000" cy="6858000"/>
   <p:notesSz cx="6858000" cy="9144000"/>
@@ -260,7 +263,7 @@
           <a:lstStyle/>
           <a:p>
             <a:fld id="{5F491023-0B0A-7041-9F06-D25A50EF063B}" type="datetimeFigureOut">
-              <a:t>2/27/25</a:t>
+              <a:t>3/2/25</a:t>
             </a:fld>
             <a:endParaRPr lang="en-US"/>
           </a:p>
@@ -456,7 +459,7 @@
           <a:lstStyle/>
           <a:p>
             <a:fld id="{5F491023-0B0A-7041-9F06-D25A50EF063B}" type="datetimeFigureOut">
-              <a:t>2/27/25</a:t>
+              <a:t>3/2/25</a:t>
             </a:fld>
             <a:endParaRPr lang="en-US"/>
           </a:p>
@@ -662,7 +665,7 @@
           <a:lstStyle/>
           <a:p>
             <a:fld id="{5F491023-0B0A-7041-9F06-D25A50EF063B}" type="datetimeFigureOut">
-              <a:t>2/27/25</a:t>
+              <a:t>3/2/25</a:t>
             </a:fld>
             <a:endParaRPr lang="en-US"/>
           </a:p>
@@ -858,7 +861,7 @@
           <a:lstStyle/>
           <a:p>
             <a:fld id="{5F491023-0B0A-7041-9F06-D25A50EF063B}" type="datetimeFigureOut">
-              <a:t>2/27/25</a:t>
+              <a:t>3/2/25</a:t>
             </a:fld>
             <a:endParaRPr lang="en-US"/>
           </a:p>
@@ -1131,7 +1134,7 @@
           <a:lstStyle/>
           <a:p>
             <a:fld id="{5F491023-0B0A-7041-9F06-D25A50EF063B}" type="datetimeFigureOut">
-              <a:t>2/27/25</a:t>
+              <a:t>3/2/25</a:t>
             </a:fld>
             <a:endParaRPr lang="en-US"/>
           </a:p>
@@ -1394,7 +1397,7 @@
           <a:lstStyle/>
           <a:p>
             <a:fld id="{5F491023-0B0A-7041-9F06-D25A50EF063B}" type="datetimeFigureOut">
-              <a:t>2/27/25</a:t>
+              <a:t>3/2/25</a:t>
             </a:fld>
             <a:endParaRPr lang="en-US"/>
           </a:p>
@@ -1804,7 +1807,7 @@
           <a:lstStyle/>
           <a:p>
             <a:fld id="{5F491023-0B0A-7041-9F06-D25A50EF063B}" type="datetimeFigureOut">
-              <a:t>2/27/25</a:t>
+              <a:t>3/2/25</a:t>
             </a:fld>
             <a:endParaRPr lang="en-US"/>
           </a:p>
@@ -1943,7 +1946,7 @@
           <a:lstStyle/>
           <a:p>
             <a:fld id="{5F491023-0B0A-7041-9F06-D25A50EF063B}" type="datetimeFigureOut">
-              <a:t>2/27/25</a:t>
+              <a:t>3/2/25</a:t>
             </a:fld>
             <a:endParaRPr lang="en-US"/>
           </a:p>
@@ -2054,7 +2057,7 @@
           <a:lstStyle/>
           <a:p>
             <a:fld id="{5F491023-0B0A-7041-9F06-D25A50EF063B}" type="datetimeFigureOut">
-              <a:t>2/27/25</a:t>
+              <a:t>3/2/25</a:t>
             </a:fld>
             <a:endParaRPr lang="en-US"/>
           </a:p>
@@ -2363,7 +2366,7 @@
           <a:lstStyle/>
           <a:p>
             <a:fld id="{5F491023-0B0A-7041-9F06-D25A50EF063B}" type="datetimeFigureOut">
-              <a:t>2/27/25</a:t>
+              <a:t>3/2/25</a:t>
             </a:fld>
             <a:endParaRPr lang="en-US"/>
           </a:p>
@@ -2649,7 +2652,7 @@
           <a:lstStyle/>
           <a:p>
             <a:fld id="{5F491023-0B0A-7041-9F06-D25A50EF063B}" type="datetimeFigureOut">
-              <a:t>2/27/25</a:t>
+              <a:t>3/2/25</a:t>
             </a:fld>
             <a:endParaRPr lang="en-US"/>
           </a:p>
@@ -2888,7 +2891,7 @@
           </a:lstStyle>
           <a:p>
             <a:fld id="{5F491023-0B0A-7041-9F06-D25A50EF063B}" type="datetimeFigureOut">
-              <a:t>2/27/25</a:t>
+              <a:t>3/2/25</a:t>
             </a:fld>
             <a:endParaRPr lang="en-US"/>
           </a:p>
@@ -3768,8 +3771,8 @@
         </p:nvSpPr>
         <p:spPr>
           <a:xfrm>
-            <a:off x="122183" y="523220"/>
-            <a:ext cx="5973817" cy="2031325"/>
+            <a:off x="6651156" y="1615915"/>
+            <a:ext cx="1863933" cy="2893100"/>
           </a:xfrm>
           <a:prstGeom prst="rect">
             <a:avLst/>
@@ -3792,147 +3795,133 @@
           </a:bodyPr>
           <a:lstStyle/>
           <a:p>
-            <a:pPr marL="285750" indent="-285750">
-              <a:buFont typeface="Arial" panose="020B0604020202020204" pitchFamily="34" charset="0"/>
-              <a:buChar char="•"/>
-            </a:pPr>
             <a:r>
               <a:rPr lang="en-US" sz="1400" dirty="0">
-                <a:latin typeface="Calibri" panose="020F0502020204030204" pitchFamily="34" charset="0"/>
-                <a:cs typeface="Calibri" panose="020F0502020204030204" pitchFamily="34" charset="0"/>
-              </a:rPr>
-              <a:t>Tank has pressure 100-200 PSI (up to 250 PSI in hot weather and full tank)</a:t>
-            </a:r>
-          </a:p>
-          <a:p>
-            <a:pPr marL="285750" indent="-285750">
-              <a:buFont typeface="Arial" panose="020B0604020202020204" pitchFamily="34" charset="0"/>
-              <a:buChar char="•"/>
-            </a:pPr>
+                <a:latin typeface="Menlo" panose="020B0609030804020204" pitchFamily="49" charset="0"/>
+                <a:ea typeface="Menlo" panose="020B0609030804020204" pitchFamily="49" charset="0"/>
+                <a:cs typeface="Menlo" panose="020B0609030804020204" pitchFamily="49" charset="0"/>
+              </a:rPr>
+              <a:t>| T-°F | P-PSI|</a:t>
+            </a:r>
+          </a:p>
+          <a:p>
             <a:r>
               <a:rPr lang="en-US" sz="1400" dirty="0">
-                <a:latin typeface="Calibri" panose="020F0502020204030204" pitchFamily="34" charset="0"/>
-                <a:cs typeface="Calibri" panose="020F0502020204030204" pitchFamily="34" charset="0"/>
-              </a:rPr>
-              <a:t>Cooking stove uses 0.4 PSI</a:t>
-            </a:r>
-          </a:p>
-          <a:p>
-            <a:pPr marL="285750" indent="-285750">
-              <a:buFont typeface="Arial" panose="020B0604020202020204" pitchFamily="34" charset="0"/>
-              <a:buChar char="•"/>
-            </a:pPr>
+                <a:latin typeface="Menlo" panose="020B0609030804020204" pitchFamily="49" charset="0"/>
+                <a:ea typeface="Menlo" panose="020B0609030804020204" pitchFamily="49" charset="0"/>
+                <a:cs typeface="Menlo" panose="020B0609030804020204" pitchFamily="49" charset="0"/>
+              </a:rPr>
+              <a:t>|------|------|</a:t>
+            </a:r>
+          </a:p>
+          <a:p>
             <a:r>
               <a:rPr lang="en-US" sz="1400" dirty="0">
-                <a:latin typeface="Calibri" panose="020F0502020204030204" pitchFamily="34" charset="0"/>
-                <a:cs typeface="Calibri" panose="020F0502020204030204" pitchFamily="34" charset="0"/>
-              </a:rPr>
-              <a:t>The reduction of pressure in two steps: to 10 PSI, then to 0.4 PSI</a:t>
-            </a:r>
-          </a:p>
-          <a:p>
-            <a:pPr marL="285750" indent="-285750">
-              <a:buFont typeface="Arial" panose="020B0604020202020204" pitchFamily="34" charset="0"/>
-              <a:buChar char="•"/>
-            </a:pPr>
+                <a:latin typeface="Menlo" panose="020B0609030804020204" pitchFamily="49" charset="0"/>
+                <a:ea typeface="Menlo" panose="020B0609030804020204" pitchFamily="49" charset="0"/>
+                <a:cs typeface="Menlo" panose="020B0609030804020204" pitchFamily="49" charset="0"/>
+              </a:rPr>
+              <a:t>|   0  |  24  |</a:t>
+            </a:r>
+          </a:p>
+          <a:p>
             <a:r>
               <a:rPr lang="en-US" sz="1400" dirty="0">
-                <a:latin typeface="Calibri" panose="020F0502020204030204" pitchFamily="34" charset="0"/>
-                <a:cs typeface="Calibri" panose="020F0502020204030204" pitchFamily="34" charset="0"/>
-              </a:rPr>
-              <a:t>Tank should be transported only in vertical state</a:t>
-            </a:r>
-          </a:p>
-          <a:p>
-            <a:pPr marL="285750" indent="-285750">
-              <a:buFont typeface="Arial" panose="020B0604020202020204" pitchFamily="34" charset="0"/>
-              <a:buChar char="•"/>
-            </a:pPr>
+                <a:latin typeface="Menlo" panose="020B0609030804020204" pitchFamily="49" charset="0"/>
+                <a:ea typeface="Menlo" panose="020B0609030804020204" pitchFamily="49" charset="0"/>
+                <a:cs typeface="Menlo" panose="020B0609030804020204" pitchFamily="49" charset="0"/>
+              </a:rPr>
+              <a:t>|  10  |  31  |</a:t>
+            </a:r>
+          </a:p>
+          <a:p>
             <a:r>
               <a:rPr lang="en-US" sz="1400" dirty="0">
-                <a:latin typeface="Calibri" panose="020F0502020204030204" pitchFamily="34" charset="0"/>
-                <a:cs typeface="Calibri" panose="020F0502020204030204" pitchFamily="34" charset="0"/>
-              </a:rPr>
-              <a:t>Tank should be filled no more than 80% (to leave some space for expansion)</a:t>
-            </a:r>
-          </a:p>
-          <a:p>
-            <a:pPr marL="285750" indent="-285750">
-              <a:buFont typeface="Arial" panose="020B0604020202020204" pitchFamily="34" charset="0"/>
-              <a:buChar char="•"/>
-            </a:pPr>
-            <a:r>
-              <a:rPr lang="en-US" sz="1400" b="0" i="0" dirty="0">
-                <a:solidFill>
-                  <a:srgbClr val="001D35"/>
-                </a:solidFill>
-                <a:effectLst/>
-                <a:latin typeface="Calibri" panose="020F0502020204030204" pitchFamily="34" charset="0"/>
-                <a:cs typeface="Calibri" panose="020F0502020204030204" pitchFamily="34" charset="0"/>
-              </a:rPr>
-              <a:t>A full100 </a:t>
-            </a:r>
-            <a:r>
-              <a:rPr lang="en-US" sz="1400" b="0" i="0" dirty="0" err="1">
-                <a:solidFill>
-                  <a:srgbClr val="001D35"/>
-                </a:solidFill>
-                <a:effectLst/>
-                <a:latin typeface="Calibri" panose="020F0502020204030204" pitchFamily="34" charset="0"/>
-                <a:cs typeface="Calibri" panose="020F0502020204030204" pitchFamily="34" charset="0"/>
-              </a:rPr>
-              <a:t>lb</a:t>
-            </a:r>
-            <a:r>
-              <a:rPr lang="en-US" sz="1400" b="0" i="0" dirty="0">
-                <a:solidFill>
-                  <a:srgbClr val="001D35"/>
-                </a:solidFill>
-                <a:effectLst/>
-                <a:latin typeface="Calibri" panose="020F0502020204030204" pitchFamily="34" charset="0"/>
-                <a:cs typeface="Calibri" panose="020F0502020204030204" pitchFamily="34" charset="0"/>
-              </a:rPr>
-              <a:t> propane tank weighs ~ 170 lbs. It holds ~23.6 gallons of propane, and propane weighs around 4.2 pounds per gallon. </a:t>
-            </a:r>
-          </a:p>
-          <a:p>
-            <a:pPr marL="285750" indent="-285750">
-              <a:buFont typeface="Arial" panose="020B0604020202020204" pitchFamily="34" charset="0"/>
-              <a:buChar char="•"/>
-            </a:pPr>
+                <a:latin typeface="Menlo" panose="020B0609030804020204" pitchFamily="49" charset="0"/>
+                <a:ea typeface="Menlo" panose="020B0609030804020204" pitchFamily="49" charset="0"/>
+                <a:cs typeface="Menlo" panose="020B0609030804020204" pitchFamily="49" charset="0"/>
+              </a:rPr>
+              <a:t>|  20  |  39  |</a:t>
+            </a:r>
+          </a:p>
+          <a:p>
             <a:r>
               <a:rPr lang="en-US" sz="1400" dirty="0">
-                <a:latin typeface="Calibri" panose="020F0502020204030204" pitchFamily="34" charset="0"/>
-                <a:cs typeface="Calibri" panose="020F0502020204030204" pitchFamily="34" charset="0"/>
-              </a:rPr>
-              <a:t>Measure fulness: by weight, by sound, by temperature, </a:t>
-            </a:r>
-          </a:p>
-          <a:p>
-            <a:pPr marL="285750" indent="-285750">
-              <a:buFont typeface="Arial" panose="020B0604020202020204" pitchFamily="34" charset="0"/>
-              <a:buChar char="•"/>
-            </a:pPr>
+                <a:latin typeface="Menlo" panose="020B0609030804020204" pitchFamily="49" charset="0"/>
+                <a:ea typeface="Menlo" panose="020B0609030804020204" pitchFamily="49" charset="0"/>
+                <a:cs typeface="Menlo" panose="020B0609030804020204" pitchFamily="49" charset="0"/>
+              </a:rPr>
+              <a:t>|  32  |  50  |</a:t>
+            </a:r>
+          </a:p>
+          <a:p>
             <a:r>
               <a:rPr lang="en-US" sz="1400" dirty="0">
-                <a:latin typeface="Calibri" panose="020F0502020204030204" pitchFamily="34" charset="0"/>
-                <a:cs typeface="Calibri" panose="020F0502020204030204" pitchFamily="34" charset="0"/>
-              </a:rPr>
-              <a:t>ultrasound meter - </a:t>
-            </a:r>
-            <a:r>
-              <a:rPr lang="en-US" sz="1400" dirty="0" err="1">
-                <a:latin typeface="Calibri" panose="020F0502020204030204" pitchFamily="34" charset="0"/>
-                <a:cs typeface="Calibri" panose="020F0502020204030204" pitchFamily="34" charset="0"/>
-              </a:rPr>
-              <a:t>truma</a:t>
-            </a:r>
+                <a:latin typeface="Menlo" panose="020B0609030804020204" pitchFamily="49" charset="0"/>
+                <a:ea typeface="Menlo" panose="020B0609030804020204" pitchFamily="49" charset="0"/>
+                <a:cs typeface="Menlo" panose="020B0609030804020204" pitchFamily="49" charset="0"/>
+              </a:rPr>
+              <a:t>|  40  |  59  |</a:t>
+            </a:r>
+          </a:p>
+          <a:p>
             <a:r>
               <a:rPr lang="en-US" sz="1400" dirty="0">
-                <a:latin typeface="Calibri" panose="020F0502020204030204" pitchFamily="34" charset="0"/>
-                <a:cs typeface="Calibri" panose="020F0502020204030204" pitchFamily="34" charset="0"/>
-              </a:rPr>
-              <a:t> propane level check</a:t>
+                <a:latin typeface="Menlo" panose="020B0609030804020204" pitchFamily="49" charset="0"/>
+                <a:ea typeface="Menlo" panose="020B0609030804020204" pitchFamily="49" charset="0"/>
+                <a:cs typeface="Menlo" panose="020B0609030804020204" pitchFamily="49" charset="0"/>
+              </a:rPr>
+              <a:t>|  50  |  71  |</a:t>
+            </a:r>
+          </a:p>
+          <a:p>
+            <a:r>
+              <a:rPr lang="en-US" sz="1400" dirty="0">
+                <a:latin typeface="Menlo" panose="020B0609030804020204" pitchFamily="49" charset="0"/>
+                <a:ea typeface="Menlo" panose="020B0609030804020204" pitchFamily="49" charset="0"/>
+                <a:cs typeface="Menlo" panose="020B0609030804020204" pitchFamily="49" charset="0"/>
+              </a:rPr>
+              <a:t>|  60  |  84  |</a:t>
+            </a:r>
+          </a:p>
+          <a:p>
+            <a:r>
+              <a:rPr lang="en-US" sz="1400" dirty="0">
+                <a:latin typeface="Menlo" panose="020B0609030804020204" pitchFamily="49" charset="0"/>
+                <a:ea typeface="Menlo" panose="020B0609030804020204" pitchFamily="49" charset="0"/>
+                <a:cs typeface="Menlo" panose="020B0609030804020204" pitchFamily="49" charset="0"/>
+              </a:rPr>
+              <a:t>|  70  | 100  |</a:t>
+            </a:r>
+          </a:p>
+          <a:p>
+            <a:r>
+              <a:rPr lang="en-US" sz="1400" dirty="0">
+                <a:latin typeface="Menlo" panose="020B0609030804020204" pitchFamily="49" charset="0"/>
+                <a:ea typeface="Menlo" panose="020B0609030804020204" pitchFamily="49" charset="0"/>
+                <a:cs typeface="Menlo" panose="020B0609030804020204" pitchFamily="49" charset="0"/>
+              </a:rPr>
+              <a:t>|  80  | 117  |</a:t>
+            </a:r>
+          </a:p>
+          <a:p>
+            <a:r>
+              <a:rPr lang="en-US" sz="1400" dirty="0">
+                <a:latin typeface="Menlo" panose="020B0609030804020204" pitchFamily="49" charset="0"/>
+                <a:ea typeface="Menlo" panose="020B0609030804020204" pitchFamily="49" charset="0"/>
+                <a:cs typeface="Menlo" panose="020B0609030804020204" pitchFamily="49" charset="0"/>
+              </a:rPr>
+              <a:t>|  90  | 136  |</a:t>
+            </a:r>
+          </a:p>
+          <a:p>
+            <a:r>
+              <a:rPr lang="en-US" sz="1400" dirty="0">
+                <a:latin typeface="Menlo" panose="020B0609030804020204" pitchFamily="49" charset="0"/>
+                <a:ea typeface="Menlo" panose="020B0609030804020204" pitchFamily="49" charset="0"/>
+                <a:cs typeface="Menlo" panose="020B0609030804020204" pitchFamily="49" charset="0"/>
+              </a:rPr>
+              <a:t>| 100  | 157  |</a:t>
             </a:r>
           </a:p>
         </p:txBody>
@@ -3951,7 +3940,7 @@
         </p:nvSpPr>
         <p:spPr>
           <a:xfrm>
-            <a:off x="10088158" y="1750352"/>
+            <a:off x="7903319" y="159498"/>
             <a:ext cx="1707696" cy="523220"/>
           </a:xfrm>
           <a:prstGeom prst="rect">
@@ -4006,7 +3995,7 @@
         </p:blipFill>
         <p:spPr>
           <a:xfrm>
-            <a:off x="10963380" y="339217"/>
+            <a:off x="10963381" y="159498"/>
             <a:ext cx="1106436" cy="1238866"/>
           </a:xfrm>
           <a:prstGeom prst="rect">
@@ -4043,8 +4032,8 @@
         </p:blipFill>
         <p:spPr bwMode="auto">
           <a:xfrm>
-            <a:off x="9096252" y="214611"/>
-            <a:ext cx="1488078" cy="1488078"/>
+            <a:off x="9585068" y="128865"/>
+            <a:ext cx="1238866" cy="1238866"/>
           </a:xfrm>
           <a:prstGeom prst="rect">
             <a:avLst/>
@@ -4090,8 +4079,8 @@
         </p:blipFill>
         <p:spPr bwMode="auto">
           <a:xfrm>
-            <a:off x="6419368" y="3825493"/>
-            <a:ext cx="5709441" cy="2974050"/>
+            <a:off x="8438370" y="4877191"/>
+            <a:ext cx="3690439" cy="1922351"/>
           </a:xfrm>
           <a:prstGeom prst="rect">
             <a:avLst/>
@@ -4142,7 +4131,7 @@
         </p:blipFill>
         <p:spPr bwMode="auto">
           <a:xfrm>
-            <a:off x="122183" y="2628937"/>
+            <a:off x="122183" y="2968147"/>
             <a:ext cx="1644919" cy="1306668"/>
           </a:xfrm>
           <a:prstGeom prst="rect">
@@ -4179,8 +4168,8 @@
         </p:nvSpPr>
         <p:spPr>
           <a:xfrm>
-            <a:off x="63191" y="5423640"/>
-            <a:ext cx="5973817" cy="1384995"/>
+            <a:off x="63191" y="4768197"/>
+            <a:ext cx="3904125" cy="2031325"/>
           </a:xfrm>
           <a:prstGeom prst="rect">
             <a:avLst/>
@@ -4203,16 +4192,38 @@
           </a:bodyPr>
           <a:lstStyle/>
           <a:p>
-            <a:pPr marL="285750" indent="-285750">
-              <a:buFont typeface="Arial" panose="020B0604020202020204" pitchFamily="34" charset="0"/>
-              <a:buChar char="•"/>
-            </a:pPr>
             <a:r>
               <a:rPr lang="en-US" sz="1400" dirty="0">
                 <a:latin typeface="Calibri" panose="020F0502020204030204" pitchFamily="34" charset="0"/>
                 <a:cs typeface="Calibri" panose="020F0502020204030204" pitchFamily="34" charset="0"/>
               </a:rPr>
-              <a:t>To transfer propane from one tank to another one needs specialized propane transfer pump designed for </a:t>
+              <a:t>Transfer propane from one tank to another:</a:t>
+            </a:r>
+            <a:br>
+              <a:rPr lang="en-US" sz="1400" dirty="0">
+                <a:latin typeface="Calibri" panose="020F0502020204030204" pitchFamily="34" charset="0"/>
+                <a:cs typeface="Calibri" panose="020F0502020204030204" pitchFamily="34" charset="0"/>
+              </a:rPr>
+            </a:br>
+            <a:r>
+              <a:rPr lang="en-US" sz="1400" dirty="0">
+                <a:latin typeface="Calibri" panose="020F0502020204030204" pitchFamily="34" charset="0"/>
+                <a:cs typeface="Calibri" panose="020F0502020204030204" pitchFamily="34" charset="0"/>
+              </a:rPr>
+              <a:t>- pour liquid via high-pressure hose and fittings</a:t>
+            </a:r>
+            <a:br>
+              <a:rPr lang="en-US" sz="1400" dirty="0">
+                <a:latin typeface="Calibri" panose="020F0502020204030204" pitchFamily="34" charset="0"/>
+                <a:cs typeface="Calibri" panose="020F0502020204030204" pitchFamily="34" charset="0"/>
+              </a:rPr>
+            </a:br>
+            <a:r>
+              <a:rPr lang="en-US" sz="1400" dirty="0">
+                <a:latin typeface="Calibri" panose="020F0502020204030204" pitchFamily="34" charset="0"/>
+                <a:cs typeface="Calibri" panose="020F0502020204030204" pitchFamily="34" charset="0"/>
+              </a:rPr>
+              <a:t>- use a pump for </a:t>
             </a:r>
             <a:r>
               <a:rPr lang="en-US" sz="1400" b="1" dirty="0">
@@ -4229,19 +4240,34 @@
                 <a:latin typeface="Calibri" panose="020F0502020204030204" pitchFamily="34" charset="0"/>
                 <a:cs typeface="Calibri" panose="020F0502020204030204" pitchFamily="34" charset="0"/>
               </a:rPr>
-              <a:t>, proper fittings, hoses and safety valves.</a:t>
-            </a:r>
-          </a:p>
-          <a:p>
-            <a:pPr marL="285750" indent="-285750">
-              <a:buFont typeface="Arial" panose="020B0604020202020204" pitchFamily="34" charset="0"/>
-              <a:buChar char="•"/>
-            </a:pPr>
-            <a:r>
+              <a:t>,</a:t>
+            </a:r>
+            <a:br>
               <a:rPr lang="en-US" sz="1400" dirty="0">
                 <a:latin typeface="Calibri" panose="020F0502020204030204" pitchFamily="34" charset="0"/>
                 <a:cs typeface="Calibri" panose="020F0502020204030204" pitchFamily="34" charset="0"/>
               </a:rPr>
+            </a:br>
+            <a:r>
+              <a:rPr lang="en-US" sz="1400" dirty="0">
+                <a:latin typeface="Calibri" panose="020F0502020204030204" pitchFamily="34" charset="0"/>
+                <a:cs typeface="Calibri" panose="020F0502020204030204" pitchFamily="34" charset="0"/>
+              </a:rPr>
+              <a:t>  proper fittings, hoses and safety valves.</a:t>
+            </a:r>
+          </a:p>
+          <a:p>
+            <a:br>
+              <a:rPr lang="en-US" sz="1400" dirty="0">
+                <a:latin typeface="Calibri" panose="020F0502020204030204" pitchFamily="34" charset="0"/>
+                <a:cs typeface="Calibri" panose="020F0502020204030204" pitchFamily="34" charset="0"/>
+              </a:rPr>
+            </a:br>
+            <a:r>
+              <a:rPr lang="en-US" sz="1400" dirty="0">
+                <a:latin typeface="Calibri" panose="020F0502020204030204" pitchFamily="34" charset="0"/>
+                <a:cs typeface="Calibri" panose="020F0502020204030204" pitchFamily="34" charset="0"/>
+              </a:rPr>
               <a:t>Most common pump type is a </a:t>
             </a:r>
             <a:r>
@@ -4259,7 +4285,7 @@
                 <a:latin typeface="Calibri" panose="020F0502020204030204" pitchFamily="34" charset="0"/>
                 <a:cs typeface="Calibri" panose="020F0502020204030204" pitchFamily="34" charset="0"/>
               </a:rPr>
-              <a:t>. It has a rotor with sliding vanes that create sealed chambers to move the liquid propane without allowing it to vaporize.</a:t>
+              <a:t>, it has a rotor with sliding vanes that create sealed chambers to move the liquid propane without allowing it to vaporize.</a:t>
             </a:r>
           </a:p>
         </p:txBody>
@@ -4293,8 +4319,8 @@
         </p:blipFill>
         <p:spPr bwMode="auto">
           <a:xfrm>
-            <a:off x="3008670" y="4135063"/>
-            <a:ext cx="3028337" cy="1226777"/>
+            <a:off x="3967317" y="5654175"/>
+            <a:ext cx="2840820" cy="1150814"/>
           </a:xfrm>
           <a:prstGeom prst="rect">
             <a:avLst/>
@@ -4344,7 +4370,7 @@
         </p:blipFill>
         <p:spPr>
           <a:xfrm>
-            <a:off x="6218183" y="159498"/>
+            <a:off x="4312464" y="2906836"/>
             <a:ext cx="1229752" cy="2395047"/>
           </a:xfrm>
           <a:prstGeom prst="rect">
@@ -4357,6 +4383,249 @@
           </a:ln>
         </p:spPr>
       </p:pic>
+      <p:pic>
+        <p:nvPicPr>
+          <p:cNvPr id="1026" name="Picture 2" descr="Figure M: Tank Presure Versus Temperature. | Math Encounters Blog">
+            <a:extLst>
+              <a:ext uri="{FF2B5EF4-FFF2-40B4-BE49-F238E27FC236}">
+                <a16:creationId xmlns:a16="http://schemas.microsoft.com/office/drawing/2014/main" id="{E2FA3B30-A75C-FC03-DBEF-44064BA7679A}"/>
+              </a:ext>
+            </a:extLst>
+          </p:cNvPr>
+          <p:cNvPicPr>
+            <a:picLocks noChangeAspect="1" noChangeArrowheads="1"/>
+          </p:cNvPicPr>
+          <p:nvPr/>
+        </p:nvPicPr>
+        <p:blipFill>
+          <a:blip r:embed="rId8">
+            <a:extLst>
+              <a:ext uri="{28A0092B-C50C-407E-A947-70E740481C1C}">
+                <a14:useLocalDpi xmlns:a14="http://schemas.microsoft.com/office/drawing/2010/main"/>
+              </a:ext>
+            </a:extLst>
+          </a:blip>
+          <a:srcRect/>
+          <a:stretch>
+            <a:fillRect/>
+          </a:stretch>
+        </p:blipFill>
+        <p:spPr bwMode="auto">
+          <a:xfrm>
+            <a:off x="8588301" y="1612815"/>
+            <a:ext cx="3540508" cy="2893101"/>
+          </a:xfrm>
+          <a:prstGeom prst="rect">
+            <a:avLst/>
+          </a:prstGeom>
+          <a:noFill/>
+          <a:extLst>
+            <a:ext uri="{909E8E84-426E-40DD-AFC4-6F175D3DCCD1}">
+              <a14:hiddenFill xmlns:a14="http://schemas.microsoft.com/office/drawing/2010/main">
+                <a:solidFill>
+                  <a:srgbClr val="FFFFFF"/>
+                </a:solidFill>
+              </a14:hiddenFill>
+            </a:ext>
+          </a:extLst>
+        </p:spPr>
+      </p:pic>
+      <p:sp>
+        <p:nvSpPr>
+          <p:cNvPr id="12" name="TextBox 11">
+            <a:extLst>
+              <a:ext uri="{FF2B5EF4-FFF2-40B4-BE49-F238E27FC236}">
+                <a16:creationId xmlns:a16="http://schemas.microsoft.com/office/drawing/2014/main" id="{165C9ECA-F98E-B72E-9734-4FE0BF2CA0FE}"/>
+              </a:ext>
+            </a:extLst>
+          </p:cNvPr>
+          <p:cNvSpPr txBox="1"/>
+          <p:nvPr/>
+        </p:nvSpPr>
+        <p:spPr>
+          <a:xfrm>
+            <a:off x="122183" y="464226"/>
+            <a:ext cx="5973817" cy="2246769"/>
+          </a:xfrm>
+          <a:prstGeom prst="rect">
+            <a:avLst/>
+          </a:prstGeom>
+          <a:solidFill>
+            <a:schemeClr val="accent4">
+              <a:lumMod val="20000"/>
+              <a:lumOff val="80000"/>
+            </a:schemeClr>
+          </a:solidFill>
+          <a:ln>
+            <a:solidFill>
+              <a:srgbClr val="FF0000"/>
+            </a:solidFill>
+          </a:ln>
+        </p:spPr>
+        <p:txBody>
+          <a:bodyPr wrap="square" rtlCol="0">
+            <a:spAutoFit/>
+          </a:bodyPr>
+          <a:lstStyle/>
+          <a:p>
+            <a:pPr marL="285750" indent="-285750">
+              <a:buFont typeface="Arial" panose="020B0604020202020204" pitchFamily="34" charset="0"/>
+              <a:buChar char="•"/>
+            </a:pPr>
+            <a:r>
+              <a:rPr lang="en-US" sz="1400" dirty="0">
+                <a:latin typeface="Calibri" panose="020F0502020204030204" pitchFamily="34" charset="0"/>
+                <a:cs typeface="Calibri" panose="020F0502020204030204" pitchFamily="34" charset="0"/>
+              </a:rPr>
+              <a:t>Tank pressure depends only on temperature (not on tank's size)</a:t>
+            </a:r>
+            <a:br>
+              <a:rPr lang="en-US" sz="1400" dirty="0">
+                <a:latin typeface="Calibri" panose="020F0502020204030204" pitchFamily="34" charset="0"/>
+                <a:cs typeface="Calibri" panose="020F0502020204030204" pitchFamily="34" charset="0"/>
+              </a:rPr>
+            </a:br>
+            <a:r>
+              <a:rPr lang="en-US" sz="1400" dirty="0">
+                <a:latin typeface="Calibri" panose="020F0502020204030204" pitchFamily="34" charset="0"/>
+                <a:cs typeface="Calibri" panose="020F0502020204030204" pitchFamily="34" charset="0"/>
+              </a:rPr>
+              <a:t>100PSI at room temperature, up to 250 PSI in hot weather and full tank</a:t>
+            </a:r>
+          </a:p>
+          <a:p>
+            <a:pPr marL="285750" indent="-285750">
+              <a:buFont typeface="Arial" panose="020B0604020202020204" pitchFamily="34" charset="0"/>
+              <a:buChar char="•"/>
+            </a:pPr>
+            <a:r>
+              <a:rPr lang="en-US" sz="1400" dirty="0">
+                <a:latin typeface="Calibri" panose="020F0502020204030204" pitchFamily="34" charset="0"/>
+                <a:cs typeface="Calibri" panose="020F0502020204030204" pitchFamily="34" charset="0"/>
+              </a:rPr>
+              <a:t>Cooking stove uses 0.4 PSI</a:t>
+            </a:r>
+          </a:p>
+          <a:p>
+            <a:pPr marL="285750" indent="-285750">
+              <a:buFont typeface="Arial" panose="020B0604020202020204" pitchFamily="34" charset="0"/>
+              <a:buChar char="•"/>
+            </a:pPr>
+            <a:r>
+              <a:rPr lang="en-US" sz="1400" dirty="0">
+                <a:latin typeface="Calibri" panose="020F0502020204030204" pitchFamily="34" charset="0"/>
+                <a:cs typeface="Calibri" panose="020F0502020204030204" pitchFamily="34" charset="0"/>
+              </a:rPr>
+              <a:t>The reduction of pressure in two steps: to 10 PSI, then to 0.4 PSI</a:t>
+            </a:r>
+          </a:p>
+          <a:p>
+            <a:pPr marL="285750" indent="-285750">
+              <a:buFont typeface="Arial" panose="020B0604020202020204" pitchFamily="34" charset="0"/>
+              <a:buChar char="•"/>
+            </a:pPr>
+            <a:r>
+              <a:rPr lang="en-US" sz="1400" dirty="0">
+                <a:latin typeface="Calibri" panose="020F0502020204030204" pitchFamily="34" charset="0"/>
+                <a:cs typeface="Calibri" panose="020F0502020204030204" pitchFamily="34" charset="0"/>
+              </a:rPr>
+              <a:t>Tank should be transported only in vertical state</a:t>
+            </a:r>
+          </a:p>
+          <a:p>
+            <a:pPr marL="285750" indent="-285750">
+              <a:buFont typeface="Arial" panose="020B0604020202020204" pitchFamily="34" charset="0"/>
+              <a:buChar char="•"/>
+            </a:pPr>
+            <a:r>
+              <a:rPr lang="en-US" sz="1400" dirty="0">
+                <a:latin typeface="Calibri" panose="020F0502020204030204" pitchFamily="34" charset="0"/>
+                <a:cs typeface="Calibri" panose="020F0502020204030204" pitchFamily="34" charset="0"/>
+              </a:rPr>
+              <a:t>Tank should be filled no more than 80% (to leave some space for expansion)</a:t>
+            </a:r>
+          </a:p>
+          <a:p>
+            <a:pPr marL="285750" indent="-285750">
+              <a:buFont typeface="Arial" panose="020B0604020202020204" pitchFamily="34" charset="0"/>
+              <a:buChar char="•"/>
+            </a:pPr>
+            <a:r>
+              <a:rPr lang="en-US" sz="1400" b="0" i="0" dirty="0">
+                <a:solidFill>
+                  <a:srgbClr val="001D35"/>
+                </a:solidFill>
+                <a:effectLst/>
+                <a:latin typeface="Calibri" panose="020F0502020204030204" pitchFamily="34" charset="0"/>
+                <a:cs typeface="Calibri" panose="020F0502020204030204" pitchFamily="34" charset="0"/>
+              </a:rPr>
+              <a:t>A full100 </a:t>
+            </a:r>
+            <a:r>
+              <a:rPr lang="en-US" sz="1400" b="0" i="0" dirty="0" err="1">
+                <a:solidFill>
+                  <a:srgbClr val="001D35"/>
+                </a:solidFill>
+                <a:effectLst/>
+                <a:latin typeface="Calibri" panose="020F0502020204030204" pitchFamily="34" charset="0"/>
+                <a:cs typeface="Calibri" panose="020F0502020204030204" pitchFamily="34" charset="0"/>
+              </a:rPr>
+              <a:t>lb</a:t>
+            </a:r>
+            <a:r>
+              <a:rPr lang="en-US" sz="1400" b="0" i="0" dirty="0">
+                <a:solidFill>
+                  <a:srgbClr val="001D35"/>
+                </a:solidFill>
+                <a:effectLst/>
+                <a:latin typeface="Calibri" panose="020F0502020204030204" pitchFamily="34" charset="0"/>
+                <a:cs typeface="Calibri" panose="020F0502020204030204" pitchFamily="34" charset="0"/>
+              </a:rPr>
+              <a:t> propane tank weighs ~ 170 lbs. It holds ~23.6 gallons of propane, and propane weighs around 4.2 pounds per gallon. </a:t>
+            </a:r>
+          </a:p>
+          <a:p>
+            <a:pPr marL="285750" indent="-285750">
+              <a:buFont typeface="Arial" panose="020B0604020202020204" pitchFamily="34" charset="0"/>
+              <a:buChar char="•"/>
+            </a:pPr>
+            <a:r>
+              <a:rPr lang="en-US" sz="1400" dirty="0">
+                <a:latin typeface="Calibri" panose="020F0502020204030204" pitchFamily="34" charset="0"/>
+                <a:cs typeface="Calibri" panose="020F0502020204030204" pitchFamily="34" charset="0"/>
+              </a:rPr>
+              <a:t>Measure fulness: by weight, by sound, by temperature, </a:t>
+            </a:r>
+          </a:p>
+          <a:p>
+            <a:pPr marL="285750" indent="-285750">
+              <a:buFont typeface="Arial" panose="020B0604020202020204" pitchFamily="34" charset="0"/>
+              <a:buChar char="•"/>
+            </a:pPr>
+            <a:r>
+              <a:rPr lang="en-US" sz="1400" dirty="0">
+                <a:latin typeface="Calibri" panose="020F0502020204030204" pitchFamily="34" charset="0"/>
+                <a:cs typeface="Calibri" panose="020F0502020204030204" pitchFamily="34" charset="0"/>
+              </a:rPr>
+              <a:t>ultrasound meter - </a:t>
+            </a:r>
+            <a:r>
+              <a:rPr lang="en-US" sz="1400" dirty="0" err="1">
+                <a:latin typeface="Calibri" panose="020F0502020204030204" pitchFamily="34" charset="0"/>
+                <a:cs typeface="Calibri" panose="020F0502020204030204" pitchFamily="34" charset="0"/>
+              </a:rPr>
+              <a:t>truma</a:t>
+            </a:r>
+            <a:r>
+              <a:rPr lang="en-US" sz="1400" dirty="0">
+                <a:latin typeface="Calibri" panose="020F0502020204030204" pitchFamily="34" charset="0"/>
+                <a:cs typeface="Calibri" panose="020F0502020204030204" pitchFamily="34" charset="0"/>
+              </a:rPr>
+              <a:t> propane level check</a:t>
+            </a:r>
+          </a:p>
+        </p:txBody>
+      </p:sp>
     </p:spTree>
     <p:extLst>
       <p:ext uri="{BB962C8B-B14F-4D97-AF65-F5344CB8AC3E}">
@@ -4443,7 +4712,7 @@
         <p:spPr>
           <a:xfrm>
             <a:off x="122183" y="643146"/>
-            <a:ext cx="5973817" cy="3754874"/>
+            <a:ext cx="6697071" cy="2462213"/>
           </a:xfrm>
           <a:prstGeom prst="rect">
             <a:avLst/>
@@ -4471,6 +4740,26 @@
               <a:buChar char="•"/>
             </a:pPr>
             <a:r>
+              <a:rPr lang="en-US" sz="1400" b="1" dirty="0">
+                <a:solidFill>
+                  <a:srgbClr val="FF0000"/>
+                </a:solidFill>
+                <a:latin typeface="Calibri" panose="020F0502020204030204" pitchFamily="34" charset="0"/>
+                <a:cs typeface="Calibri" panose="020F0502020204030204" pitchFamily="34" charset="0"/>
+              </a:rPr>
+              <a:t>POL fitting (CGA-510) </a:t>
+            </a:r>
+            <a:r>
+              <a:rPr lang="en-US" sz="1400" b="1" dirty="0">
+                <a:solidFill>
+                  <a:srgbClr val="0070C0"/>
+                </a:solidFill>
+                <a:latin typeface="Calibri" panose="020F0502020204030204" pitchFamily="34" charset="0"/>
+                <a:cs typeface="Calibri" panose="020F0502020204030204" pitchFamily="34" charset="0"/>
+              </a:rPr>
+              <a:t>- </a:t>
+            </a:r>
+            <a:r>
               <a:rPr lang="en-US" sz="1400" dirty="0">
                 <a:latin typeface="Calibri" panose="020F0502020204030204" pitchFamily="34" charset="0"/>
                 <a:cs typeface="Calibri" panose="020F0502020204030204" pitchFamily="34" charset="0"/>
@@ -4503,24 +4792,73 @@
                 <a:latin typeface="Calibri" panose="020F0502020204030204" pitchFamily="34" charset="0"/>
                 <a:cs typeface="Calibri" panose="020F0502020204030204" pitchFamily="34" charset="0"/>
               </a:rPr>
-              <a:t> propane tanks: </a:t>
-            </a:r>
-            <a:r>
-              <a:rPr lang="en-US" sz="1400" b="1" dirty="0">
+              <a:t> propane tanks</a:t>
+            </a:r>
+            <a:br>
+              <a:rPr lang="en-US" sz="1400" dirty="0">
+                <a:latin typeface="Calibri" panose="020F0502020204030204" pitchFamily="34" charset="0"/>
+                <a:cs typeface="Calibri" panose="020F0502020204030204" pitchFamily="34" charset="0"/>
+              </a:rPr>
+            </a:br>
+            <a:r>
+              <a:rPr lang="en-US" sz="1400" dirty="0">
+                <a:latin typeface="Calibri" panose="020F0502020204030204" pitchFamily="34" charset="0"/>
+                <a:cs typeface="Calibri" panose="020F0502020204030204" pitchFamily="34" charset="0"/>
+              </a:rPr>
+              <a:t>POL = Prest-O-Lite; CGA = Compressed Gas Association </a:t>
+            </a:r>
+            <a:br>
+              <a:rPr lang="en-US" sz="1400" dirty="0">
+                <a:latin typeface="Calibri" panose="020F0502020204030204" pitchFamily="34" charset="0"/>
+                <a:cs typeface="Calibri" panose="020F0502020204030204" pitchFamily="34" charset="0"/>
+              </a:rPr>
+            </a:br>
+            <a:r>
+              <a:rPr lang="en-US" sz="1400" dirty="0">
+                <a:latin typeface="Calibri" panose="020F0502020204030204" pitchFamily="34" charset="0"/>
+                <a:cs typeface="Calibri" panose="020F0502020204030204" pitchFamily="34" charset="0"/>
+              </a:rPr>
+              <a:t>Uses 3/4" NGT (National Gas Thread) </a:t>
+            </a:r>
+            <a:r>
+              <a:rPr lang="en-US" sz="1400" dirty="0">
+                <a:solidFill>
+                  <a:srgbClr val="FF0000"/>
+                </a:solidFill>
+                <a:latin typeface="Calibri" panose="020F0502020204030204" pitchFamily="34" charset="0"/>
+                <a:cs typeface="Calibri" panose="020F0502020204030204" pitchFamily="34" charset="0"/>
+              </a:rPr>
+              <a:t>left-hand thread </a:t>
+            </a:r>
+            <a:r>
+              <a:rPr lang="en-US" sz="1400" dirty="0">
+                <a:latin typeface="Calibri" panose="020F0502020204030204" pitchFamily="34" charset="0"/>
+                <a:cs typeface="Calibri" panose="020F0502020204030204" pitchFamily="34" charset="0"/>
+              </a:rPr>
+              <a:t>at 14 threads/inch;</a:t>
+            </a:r>
+            <a:br>
+              <a:rPr lang="en-US" sz="1400" dirty="0">
+                <a:latin typeface="Calibri" panose="020F0502020204030204" pitchFamily="34" charset="0"/>
+                <a:cs typeface="Calibri" panose="020F0502020204030204" pitchFamily="34" charset="0"/>
+              </a:rPr>
+            </a:br>
+            <a:r>
+              <a:rPr lang="en-US" sz="1400" dirty="0">
                 <a:solidFill>
                   <a:srgbClr val="0070C0"/>
                 </a:solidFill>
                 <a:latin typeface="Calibri" panose="020F0502020204030204" pitchFamily="34" charset="0"/>
                 <a:cs typeface="Calibri" panose="020F0502020204030204" pitchFamily="34" charset="0"/>
               </a:rPr>
-              <a:t>POL fitting (CGA-510)</a:t>
+              <a:t>may have a check valve </a:t>
             </a:r>
             <a:r>
               <a:rPr lang="en-US" sz="1400" dirty="0">
                 <a:latin typeface="Calibri" panose="020F0502020204030204" pitchFamily="34" charset="0"/>
                 <a:cs typeface="Calibri" panose="020F0502020204030204" pitchFamily="34" charset="0"/>
               </a:rPr>
-              <a:t>: This is the traditional fitting with a 3/4" NGT (National Gas Thread) left-hand thread at 14 threads per inch. </a:t>
+              <a:t>that prevents gas flow when disconnected.</a:t>
             </a:r>
           </a:p>
           <a:p>
@@ -4529,11 +4867,21 @@
               <a:buChar char="•"/>
             </a:pPr>
             <a:r>
+              <a:rPr lang="en-US" sz="1400" b="1" dirty="0">
+                <a:solidFill>
+                  <a:srgbClr val="FF0000"/>
+                </a:solidFill>
+                <a:latin typeface="Calibri" panose="020F0502020204030204" pitchFamily="34" charset="0"/>
+                <a:cs typeface="Calibri" panose="020F0502020204030204" pitchFamily="34" charset="0"/>
+              </a:rPr>
+              <a:t>3/8" Flare Connector </a:t>
+            </a:r>
+            <a:r>
               <a:rPr lang="en-US" sz="1400" dirty="0">
                 <a:latin typeface="Calibri" panose="020F0502020204030204" pitchFamily="34" charset="0"/>
                 <a:cs typeface="Calibri" panose="020F0502020204030204" pitchFamily="34" charset="0"/>
               </a:rPr>
-              <a:t>Note - all tanks manufactured after 2002 are required to have OPD (Overfill Protection Device) valve. </a:t>
+              <a:t>- RV and camping, has 45-degree "flare" shape for a tight, metal-to-metal seal, no sealant or Teflon tape, up to 350 PSI</a:t>
             </a:r>
           </a:p>
           <a:p>
@@ -4542,11 +4890,38 @@
               <a:buChar char="•"/>
             </a:pPr>
             <a:r>
+              <a:rPr lang="en-US" sz="1400" b="1" dirty="0">
+                <a:solidFill>
+                  <a:srgbClr val="0070C0"/>
+                </a:solidFill>
+                <a:latin typeface="Calibri" panose="020F0502020204030204" pitchFamily="34" charset="0"/>
+                <a:cs typeface="Calibri" panose="020F0502020204030204" pitchFamily="34" charset="0"/>
+              </a:rPr>
+              <a:t>Type 1 ACME </a:t>
+            </a:r>
+            <a:r>
               <a:rPr lang="en-US" sz="1400" dirty="0">
                 <a:latin typeface="Calibri" panose="020F0502020204030204" pitchFamily="34" charset="0"/>
                 <a:cs typeface="Calibri" panose="020F0502020204030204" pitchFamily="34" charset="0"/>
               </a:rPr>
-              <a:t>POL = Prest-O-Lite fitting, a.k.a. Compressed Gas Association designation CGA-510. </a:t>
+              <a:t>- a.k.a. </a:t>
+            </a:r>
+            <a:r>
+              <a:rPr lang="en-US" sz="1400" b="1" dirty="0">
+                <a:solidFill>
+                  <a:srgbClr val="0070C0"/>
+                </a:solidFill>
+                <a:latin typeface="Calibri" panose="020F0502020204030204" pitchFamily="34" charset="0"/>
+                <a:cs typeface="Calibri" panose="020F0502020204030204" pitchFamily="34" charset="0"/>
+              </a:rPr>
+              <a:t>QCC1 (Quick Closing Coupling)</a:t>
+            </a:r>
+            <a:r>
+              <a:rPr lang="en-US" sz="1400" dirty="0">
+                <a:latin typeface="Calibri" panose="020F0502020204030204" pitchFamily="34" charset="0"/>
+                <a:cs typeface="Calibri" panose="020F0502020204030204" pitchFamily="34" charset="0"/>
+              </a:rPr>
+              <a:t> - grills, stoves, ... up to 350 PSI</a:t>
             </a:r>
           </a:p>
           <a:p>
@@ -4555,96 +4930,29 @@
               <a:buChar char="•"/>
             </a:pPr>
             <a:r>
+              <a:rPr lang="en-US" sz="1400" b="1" dirty="0">
+                <a:solidFill>
+                  <a:srgbClr val="0070C0"/>
+                </a:solidFill>
+                <a:latin typeface="Calibri" panose="020F0502020204030204" pitchFamily="34" charset="0"/>
+                <a:cs typeface="Calibri" panose="020F0502020204030204" pitchFamily="34" charset="0"/>
+              </a:rPr>
+              <a:t>CGA-600 connection </a:t>
+            </a:r>
+            <a:r>
               <a:rPr lang="en-US" sz="1400" dirty="0">
                 <a:latin typeface="Calibri" panose="020F0502020204030204" pitchFamily="34" charset="0"/>
                 <a:cs typeface="Calibri" panose="020F0502020204030204" pitchFamily="34" charset="0"/>
               </a:rPr>
-              <a:t>It features a small nipple in the center with a check valve that prevents gas flow when the fitting is disconnected.</a:t>
-            </a:r>
-          </a:p>
-          <a:p>
-            <a:pPr marL="285750" indent="-285750">
-              <a:buFont typeface="Arial" panose="020B0604020202020204" pitchFamily="34" charset="0"/>
-              <a:buChar char="•"/>
-            </a:pPr>
-            <a:r>
-              <a:rPr lang="en-US" sz="1400" dirty="0">
-                <a:latin typeface="Calibri" panose="020F0502020204030204" pitchFamily="34" charset="0"/>
-                <a:cs typeface="Calibri" panose="020F0502020204030204" pitchFamily="34" charset="0"/>
-              </a:rPr>
-              <a:t>Smaller tanks can use </a:t>
-            </a:r>
-            <a:r>
-              <a:rPr lang="en-US" sz="1400" b="1" dirty="0">
-                <a:solidFill>
-                  <a:srgbClr val="0070C0"/>
-                </a:solidFill>
-                <a:latin typeface="Calibri" panose="020F0502020204030204" pitchFamily="34" charset="0"/>
-                <a:cs typeface="Calibri" panose="020F0502020204030204" pitchFamily="34" charset="0"/>
-              </a:rPr>
-              <a:t>Type 1 ACME </a:t>
-            </a:r>
-            <a:r>
-              <a:rPr lang="en-US" sz="1400" dirty="0">
-                <a:latin typeface="Calibri" panose="020F0502020204030204" pitchFamily="34" charset="0"/>
-                <a:cs typeface="Calibri" panose="020F0502020204030204" pitchFamily="34" charset="0"/>
-              </a:rPr>
-              <a:t>connection (a.k.a. </a:t>
-            </a:r>
-            <a:r>
-              <a:rPr lang="en-US" sz="1400" b="1" dirty="0">
-                <a:solidFill>
-                  <a:srgbClr val="0070C0"/>
-                </a:solidFill>
-                <a:latin typeface="Calibri" panose="020F0502020204030204" pitchFamily="34" charset="0"/>
-                <a:cs typeface="Calibri" panose="020F0502020204030204" pitchFamily="34" charset="0"/>
-              </a:rPr>
-              <a:t>QCC1 (Quick Closing Coupling). </a:t>
-            </a:r>
-            <a:r>
-              <a:rPr lang="en-US" sz="1400" dirty="0">
-                <a:latin typeface="Calibri" panose="020F0502020204030204" pitchFamily="34" charset="0"/>
-                <a:cs typeface="Calibri" panose="020F0502020204030204" pitchFamily="34" charset="0"/>
-              </a:rPr>
-              <a:t>Very small 1 </a:t>
-            </a:r>
-            <a:r>
-              <a:rPr lang="en-US" sz="1400" dirty="0" err="1">
-                <a:latin typeface="Calibri" panose="020F0502020204030204" pitchFamily="34" charset="0"/>
-                <a:cs typeface="Calibri" panose="020F0502020204030204" pitchFamily="34" charset="0"/>
-              </a:rPr>
-              <a:t>lb</a:t>
-            </a:r>
-            <a:r>
-              <a:rPr lang="en-US" sz="1400" dirty="0">
-                <a:latin typeface="Calibri" panose="020F0502020204030204" pitchFamily="34" charset="0"/>
-                <a:cs typeface="Calibri" panose="020F0502020204030204" pitchFamily="34" charset="0"/>
-              </a:rPr>
-              <a:t> disposable cylinders (camping stoves) use </a:t>
-            </a:r>
-            <a:r>
-              <a:rPr lang="en-US" sz="1400" b="1" dirty="0">
-                <a:solidFill>
-                  <a:srgbClr val="0070C0"/>
-                </a:solidFill>
-                <a:latin typeface="Calibri" panose="020F0502020204030204" pitchFamily="34" charset="0"/>
-                <a:cs typeface="Calibri" panose="020F0502020204030204" pitchFamily="34" charset="0"/>
-              </a:rPr>
-              <a:t>CGA-600 connection</a:t>
-            </a:r>
-          </a:p>
-          <a:p>
-            <a:pPr marL="285750" indent="-285750">
-              <a:buFont typeface="Arial" panose="020B0604020202020204" pitchFamily="34" charset="0"/>
-              <a:buChar char="•"/>
-            </a:pPr>
-            <a:r>
-              <a:rPr lang="en-US" sz="1400" dirty="0">
-                <a:latin typeface="Calibri" panose="020F0502020204030204" pitchFamily="34" charset="0"/>
-                <a:cs typeface="Calibri" panose="020F0502020204030204" pitchFamily="34" charset="0"/>
-              </a:rPr>
-              <a:t>Hoses can be labeled as "POL," "Type 1," or "QCC1" to indicate compatibility with standard residential propane tanks.</a:t>
-            </a:r>
+              <a:t>- for small 1lb disposable cylinders</a:t>
+            </a:r>
+            <a:endParaRPr lang="en-US" sz="1400" b="1" dirty="0">
+              <a:solidFill>
+                <a:srgbClr val="0070C0"/>
+              </a:solidFill>
+              <a:latin typeface="Calibri" panose="020F0502020204030204" pitchFamily="34" charset="0"/>
+              <a:cs typeface="Calibri" panose="020F0502020204030204" pitchFamily="34" charset="0"/>
+            </a:endParaRPr>
           </a:p>
           <a:p>
             <a:pPr marL="285750" indent="-285750">
@@ -4722,8 +5030,8 @@
         </p:blipFill>
         <p:spPr bwMode="auto">
           <a:xfrm>
-            <a:off x="9184511" y="4855222"/>
-            <a:ext cx="1981200" cy="1761026"/>
+            <a:off x="8679958" y="2756317"/>
+            <a:ext cx="1472690" cy="1309028"/>
           </a:xfrm>
           <a:prstGeom prst="rect">
             <a:avLst/>
@@ -4759,8 +5067,8 @@
         </p:nvSpPr>
         <p:spPr>
           <a:xfrm>
-            <a:off x="9155015" y="6539303"/>
-            <a:ext cx="2126040" cy="276999"/>
+            <a:off x="8629499" y="5065923"/>
+            <a:ext cx="3447756" cy="1200329"/>
           </a:xfrm>
           <a:prstGeom prst="rect">
             <a:avLst/>
@@ -4792,12 +5100,63 @@
                 <a:latin typeface="Calibri" panose="020F0502020204030204" pitchFamily="34" charset="0"/>
                 <a:cs typeface="Calibri" panose="020F0502020204030204" pitchFamily="34" charset="0"/>
               </a:rPr>
-              <a:t>Male fitting to match POL valve</a:t>
-            </a:r>
-            <a:endParaRPr lang="en-US" sz="1200" dirty="0">
-              <a:latin typeface="Calibri" panose="020F0502020204030204" pitchFamily="34" charset="0"/>
-              <a:cs typeface="Calibri" panose="020F0502020204030204" pitchFamily="34" charset="0"/>
-            </a:endParaRPr>
+              <a:t>Male POL fitting </a:t>
+            </a:r>
+            <a:r>
+              <a:rPr lang="en-US" sz="1200" dirty="0">
+                <a:solidFill>
+                  <a:srgbClr val="202122"/>
+                </a:solidFill>
+                <a:latin typeface="Calibri" panose="020F0502020204030204" pitchFamily="34" charset="0"/>
+                <a:cs typeface="Calibri" panose="020F0502020204030204" pitchFamily="34" charset="0"/>
+              </a:rPr>
+              <a:t>with swivel</a:t>
+            </a:r>
+          </a:p>
+          <a:p>
+            <a:r>
+              <a:rPr lang="en-US" sz="1200" dirty="0">
+                <a:latin typeface="Calibri" panose="020F0502020204030204" pitchFamily="34" charset="0"/>
+                <a:cs typeface="Calibri" panose="020F0502020204030204" pitchFamily="34" charset="0"/>
+              </a:rPr>
+              <a:t>"Propane hose with swivel POL connection"</a:t>
+            </a:r>
+          </a:p>
+          <a:p>
+            <a:r>
+              <a:rPr lang="en-US" sz="1200" dirty="0">
+                <a:latin typeface="Calibri" panose="020F0502020204030204" pitchFamily="34" charset="0"/>
+                <a:cs typeface="Calibri" panose="020F0502020204030204" pitchFamily="34" charset="0"/>
+              </a:rPr>
+              <a:t>"Rotating POL propane hose"</a:t>
+            </a:r>
+          </a:p>
+          <a:p>
+            <a:r>
+              <a:rPr lang="en-US" sz="1200" dirty="0">
+                <a:latin typeface="Calibri" panose="020F0502020204030204" pitchFamily="34" charset="0"/>
+                <a:cs typeface="Calibri" panose="020F0502020204030204" pitchFamily="34" charset="0"/>
+              </a:rPr>
+              <a:t>"Hand-wheel swivel POL propane hose"</a:t>
+            </a:r>
+          </a:p>
+          <a:p>
+            <a:r>
+              <a:rPr lang="en-US" sz="1200" dirty="0">
+                <a:latin typeface="Calibri" panose="020F0502020204030204" pitchFamily="34" charset="0"/>
+                <a:cs typeface="Calibri" panose="020F0502020204030204" pitchFamily="34" charset="0"/>
+              </a:rPr>
+              <a:t>"Propane hose with rotating connector"</a:t>
+            </a:r>
+          </a:p>
+          <a:p>
+            <a:r>
+              <a:rPr lang="en-US" sz="1200" dirty="0">
+                <a:latin typeface="Calibri" panose="020F0502020204030204" pitchFamily="34" charset="0"/>
+                <a:cs typeface="Calibri" panose="020F0502020204030204" pitchFamily="34" charset="0"/>
+              </a:rPr>
+              <a:t>"Propane hose with twist handle POL fitting"</a:t>
+            </a:r>
           </a:p>
         </p:txBody>
       </p:sp>
@@ -4828,8 +5187,8 @@
         </p:blipFill>
         <p:spPr bwMode="auto">
           <a:xfrm>
-            <a:off x="11198534" y="5029086"/>
-            <a:ext cx="924185" cy="1828914"/>
+            <a:off x="7319707" y="4702878"/>
+            <a:ext cx="783465" cy="1550437"/>
           </a:xfrm>
           <a:prstGeom prst="rect">
             <a:avLst/>
@@ -4860,7 +5219,7 @@
         </p:nvSpPr>
         <p:spPr>
           <a:xfrm>
-            <a:off x="11276814" y="4746103"/>
+            <a:off x="7324247" y="4465875"/>
             <a:ext cx="767623" cy="276999"/>
           </a:xfrm>
           <a:prstGeom prst="rect">
@@ -4930,8 +5289,8 @@
         </p:blipFill>
         <p:spPr>
           <a:xfrm>
-            <a:off x="6223023" y="103124"/>
-            <a:ext cx="1770604" cy="2044457"/>
+            <a:off x="7225510" y="84328"/>
+            <a:ext cx="1126584" cy="1300829"/>
           </a:xfrm>
           <a:prstGeom prst="rect">
             <a:avLst/>
@@ -4972,8 +5331,8 @@
         </p:blipFill>
         <p:spPr bwMode="auto">
           <a:xfrm>
-            <a:off x="1603035" y="4578121"/>
-            <a:ext cx="2528481" cy="1517089"/>
+            <a:off x="981326" y="3344949"/>
+            <a:ext cx="2045426" cy="1227256"/>
           </a:xfrm>
           <a:prstGeom prst="rect">
             <a:avLst/>
@@ -5004,8 +5363,8 @@
         </p:nvSpPr>
         <p:spPr>
           <a:xfrm>
-            <a:off x="8095270" y="649698"/>
-            <a:ext cx="3949167" cy="877163"/>
+            <a:off x="8228385" y="1601115"/>
+            <a:ext cx="3829300" cy="1077218"/>
           </a:xfrm>
           <a:prstGeom prst="rect">
             <a:avLst/>
@@ -5037,11 +5396,9 @@
                 <a:latin typeface="Calibri" panose="020F0502020204030204" pitchFamily="34" charset="0"/>
                 <a:cs typeface="Calibri" panose="020F0502020204030204" pitchFamily="34" charset="0"/>
               </a:rPr>
-              <a:t>Flame King 20LB Aluminum - $200</a:t>
-            </a:r>
-          </a:p>
-          <a:p>
-            <a:r>
+              <a:t>Flame King 20LB – tank with Gauge &amp; OPD Valve,</a:t>
+            </a:r>
+            <a:br>
               <a:rPr lang="en-US" sz="1400" b="0" i="0" dirty="0">
                 <a:solidFill>
                   <a:srgbClr val="202122"/>
@@ -5050,19 +5407,13 @@
                 <a:latin typeface="Calibri" panose="020F0502020204030204" pitchFamily="34" charset="0"/>
                 <a:cs typeface="Calibri" panose="020F0502020204030204" pitchFamily="34" charset="0"/>
               </a:rPr>
-              <a:t>Propane Tank with Gauge &amp; OPD Valve,</a:t>
-            </a:r>
-          </a:p>
-          <a:p>
+            </a:br>
             <a:r>
               <a:rPr lang="en-US" sz="1400" dirty="0">
-                <a:solidFill>
-                  <a:srgbClr val="202122"/>
-                </a:solidFill>
-                <a:latin typeface="Calibri" panose="020F0502020204030204" pitchFamily="34" charset="0"/>
-                <a:cs typeface="Calibri" panose="020F0502020204030204" pitchFamily="34" charset="0"/>
-              </a:rPr>
-              <a:t>POL and Type 1 ACME fitting</a:t>
+                <a:latin typeface="Calibri" panose="020F0502020204030204" pitchFamily="34" charset="0"/>
+                <a:cs typeface="Calibri" panose="020F0502020204030204" pitchFamily="34" charset="0"/>
+              </a:rPr>
+              <a:t> (OPD = Overfill Protection Device) </a:t>
             </a:r>
             <a:endParaRPr lang="en-US" sz="1400" b="0" i="0" dirty="0">
               <a:solidFill>
@@ -5075,18 +5426,41 @@
           </a:p>
           <a:p>
             <a:r>
-              <a:rPr lang="en-US" sz="900" b="0" i="0" dirty="0">
+              <a:rPr lang="en-US" sz="1400" dirty="0">
                 <a:solidFill>
                   <a:srgbClr val="202122"/>
                 </a:solidFill>
+                <a:latin typeface="Calibri" panose="020F0502020204030204" pitchFamily="34" charset="0"/>
+                <a:cs typeface="Calibri" panose="020F0502020204030204" pitchFamily="34" charset="0"/>
+              </a:rPr>
+              <a:t>both POL and Type 1 ACME fitting</a:t>
+            </a:r>
+          </a:p>
+          <a:p>
+            <a:r>
+              <a:rPr lang="en-US" sz="1000" b="0" i="0" dirty="0">
+                <a:solidFill>
+                  <a:srgbClr val="202122"/>
+                </a:solidFill>
                 <a:effectLst/>
                 <a:latin typeface="Calibri" panose="020F0502020204030204" pitchFamily="34" charset="0"/>
                 <a:cs typeface="Calibri" panose="020F0502020204030204" pitchFamily="34" charset="0"/>
+              </a:rPr>
+              <a:t>Aluminum - $200 - </a:t>
+            </a:r>
+            <a:r>
+              <a:rPr lang="en-US" sz="1000" b="0" i="0" dirty="0">
+                <a:solidFill>
+                  <a:srgbClr val="202122"/>
+                </a:solidFill>
+                <a:effectLst/>
+                <a:latin typeface="Calibri" panose="020F0502020204030204" pitchFamily="34" charset="0"/>
+                <a:cs typeface="Calibri" panose="020F0502020204030204" pitchFamily="34" charset="0"/>
                 <a:hlinkClick r:id="rId6"/>
               </a:rPr>
               <a:t>https://www.amazon.com/gp/aw/d/B0DR3SSBV8/</a:t>
             </a:r>
-            <a:endParaRPr lang="en-US" sz="900" b="0" i="0" dirty="0">
+            <a:endParaRPr lang="en-US" sz="1000" b="0" i="0" dirty="0">
               <a:solidFill>
                 <a:srgbClr val="202122"/>
               </a:solidFill>
@@ -5095,6 +5469,34 @@
               <a:cs typeface="Calibri" panose="020F0502020204030204" pitchFamily="34" charset="0"/>
             </a:endParaRPr>
           </a:p>
+          <a:p>
+            <a:r>
+              <a:rPr lang="en-US" sz="1000" dirty="0">
+                <a:solidFill>
+                  <a:srgbClr val="202122"/>
+                </a:solidFill>
+                <a:latin typeface="Calibri" panose="020F0502020204030204" pitchFamily="34" charset="0"/>
+                <a:cs typeface="Calibri" panose="020F0502020204030204" pitchFamily="34" charset="0"/>
+              </a:rPr>
+              <a:t>Steel - $60 - </a:t>
+            </a:r>
+            <a:r>
+              <a:rPr lang="en-US" sz="1000" dirty="0">
+                <a:latin typeface="Calibri" panose="020F0502020204030204" pitchFamily="34" charset="0"/>
+                <a:cs typeface="Calibri" panose="020F0502020204030204" pitchFamily="34" charset="0"/>
+                <a:hlinkClick r:id="rId7"/>
+              </a:rPr>
+              <a:t>https://www.amazon.com/dp/B08XYH6TND/</a:t>
+            </a:r>
+            <a:endParaRPr lang="en-US" sz="1000" b="0" i="0" dirty="0">
+              <a:solidFill>
+                <a:srgbClr val="202122"/>
+              </a:solidFill>
+              <a:effectLst/>
+              <a:latin typeface="Calibri" panose="020F0502020204030204" pitchFamily="34" charset="0"/>
+              <a:cs typeface="Calibri" panose="020F0502020204030204" pitchFamily="34" charset="0"/>
+            </a:endParaRPr>
+          </a:p>
         </p:txBody>
       </p:sp>
       <p:pic>
@@ -5112,7 +5514,7 @@
           <p:nvPr/>
         </p:nvPicPr>
         <p:blipFill>
-          <a:blip r:embed="rId7" cstate="email">
+          <a:blip r:embed="rId8" cstate="email">
             <a:extLst>
               <a:ext uri="{28A0092B-C50C-407E-A947-70E740481C1C}">
                 <a14:useLocalDpi xmlns:a14="http://schemas.microsoft.com/office/drawing/2010/main"/>
@@ -5125,8 +5527,8 @@
         </p:blipFill>
         <p:spPr>
           <a:xfrm>
-            <a:off x="8596082" y="1575216"/>
-            <a:ext cx="3158057" cy="1734389"/>
+            <a:off x="9712345" y="82938"/>
+            <a:ext cx="2396082" cy="1315916"/>
           </a:xfrm>
           <a:prstGeom prst="rect">
             <a:avLst/>
@@ -5138,124 +5540,6 @@
           </a:ln>
         </p:spPr>
       </p:pic>
-      <p:sp>
-        <p:nvSpPr>
-          <p:cNvPr id="19" name="Right Arrow 18">
-            <a:extLst>
-              <a:ext uri="{FF2B5EF4-FFF2-40B4-BE49-F238E27FC236}">
-                <a16:creationId xmlns:a16="http://schemas.microsoft.com/office/drawing/2014/main" id="{757026E7-173B-EEE0-0B61-475C8FFE9068}"/>
-              </a:ext>
-            </a:extLst>
-          </p:cNvPr>
-          <p:cNvSpPr/>
-          <p:nvPr/>
-        </p:nvSpPr>
-        <p:spPr>
-          <a:xfrm>
-            <a:off x="120562" y="5033983"/>
-            <a:ext cx="1511332" cy="575188"/>
-          </a:xfrm>
-          <a:prstGeom prst="rightArrow">
-            <a:avLst/>
-          </a:prstGeom>
-          <a:solidFill>
-            <a:schemeClr val="accent4">
-              <a:lumMod val="20000"/>
-              <a:lumOff val="80000"/>
-            </a:schemeClr>
-          </a:solidFill>
-        </p:spPr>
-        <p:style>
-          <a:lnRef idx="2">
-            <a:schemeClr val="accent1">
-              <a:shade val="15000"/>
-            </a:schemeClr>
-          </a:lnRef>
-          <a:fillRef idx="1">
-            <a:schemeClr val="accent1"/>
-          </a:fillRef>
-          <a:effectRef idx="0">
-            <a:schemeClr val="accent1"/>
-          </a:effectRef>
-          <a:fontRef idx="minor">
-            <a:schemeClr val="lt1"/>
-          </a:fontRef>
-        </p:style>
-        <p:txBody>
-          <a:bodyPr rtlCol="0" anchor="ctr"/>
-          <a:lstStyle/>
-          <a:p>
-            <a:pPr algn="ctr"/>
-            <a:r>
-              <a:rPr lang="en-US" sz="1400" dirty="0">
-                <a:solidFill>
-                  <a:srgbClr val="0070C0"/>
-                </a:solidFill>
-              </a:rPr>
-              <a:t>POL Female</a:t>
-            </a:r>
-          </a:p>
-        </p:txBody>
-      </p:sp>
-      <p:sp>
-        <p:nvSpPr>
-          <p:cNvPr id="20" name="Right Arrow 19">
-            <a:extLst>
-              <a:ext uri="{FF2B5EF4-FFF2-40B4-BE49-F238E27FC236}">
-                <a16:creationId xmlns:a16="http://schemas.microsoft.com/office/drawing/2014/main" id="{290E991F-D224-40EF-E905-E78CD59D6F18}"/>
-              </a:ext>
-            </a:extLst>
-          </p:cNvPr>
-          <p:cNvSpPr/>
-          <p:nvPr/>
-        </p:nvSpPr>
-        <p:spPr>
-          <a:xfrm rot="19530822">
-            <a:off x="262354" y="5976123"/>
-            <a:ext cx="1715841" cy="575188"/>
-          </a:xfrm>
-          <a:prstGeom prst="rightArrow">
-            <a:avLst/>
-          </a:prstGeom>
-          <a:solidFill>
-            <a:schemeClr val="accent4">
-              <a:lumMod val="20000"/>
-              <a:lumOff val="80000"/>
-            </a:schemeClr>
-          </a:solidFill>
-        </p:spPr>
-        <p:style>
-          <a:lnRef idx="2">
-            <a:schemeClr val="accent1">
-              <a:shade val="15000"/>
-            </a:schemeClr>
-          </a:lnRef>
-          <a:fillRef idx="1">
-            <a:schemeClr val="accent1"/>
-          </a:fillRef>
-          <a:effectRef idx="0">
-            <a:schemeClr val="accent1"/>
-          </a:effectRef>
-          <a:fontRef idx="minor">
-            <a:schemeClr val="lt1"/>
-          </a:fontRef>
-        </p:style>
-        <p:txBody>
-          <a:bodyPr rtlCol="0" anchor="ctr"/>
-          <a:lstStyle/>
-          <a:p>
-            <a:pPr algn="ctr"/>
-            <a:r>
-              <a:rPr lang="en-US" sz="1400" dirty="0">
-                <a:solidFill>
-                  <a:srgbClr val="0070C0"/>
-                </a:solidFill>
-              </a:rPr>
-              <a:t>Type 1 ACME Male</a:t>
-            </a:r>
-          </a:p>
-        </p:txBody>
-      </p:sp>
       <p:pic>
         <p:nvPicPr>
           <p:cNvPr id="2" name="Picture 1">
@@ -5271,7 +5555,7 @@
           <p:nvPr/>
         </p:nvPicPr>
         <p:blipFill>
-          <a:blip r:embed="rId8" cstate="email">
+          <a:blip r:embed="rId9" cstate="email">
             <a:extLst>
               <a:ext uri="{28A0092B-C50C-407E-A947-70E740481C1C}">
                 <a14:useLocalDpi xmlns:a14="http://schemas.microsoft.com/office/drawing/2010/main"/>
@@ -5284,8 +5568,8 @@
         </p:blipFill>
         <p:spPr>
           <a:xfrm>
-            <a:off x="6248445" y="2245055"/>
-            <a:ext cx="1745181" cy="1886682"/>
+            <a:off x="8445536" y="84328"/>
+            <a:ext cx="1203267" cy="1300829"/>
           </a:xfrm>
           <a:prstGeom prst="rect">
             <a:avLst/>
@@ -5312,7 +5596,7 @@
           <p:nvPr/>
         </p:nvPicPr>
         <p:blipFill>
-          <a:blip r:embed="rId9" cstate="email">
+          <a:blip r:embed="rId10" cstate="email">
             <a:extLst>
               <a:ext uri="{28A0092B-C50C-407E-A947-70E740481C1C}">
                 <a14:useLocalDpi xmlns:a14="http://schemas.microsoft.com/office/drawing/2010/main"/>
@@ -5410,7 +5694,7 @@
               <a:rPr lang="en-US" sz="900" dirty="0">
                 <a:latin typeface="Calibri" panose="020F0502020204030204" pitchFamily="34" charset="0"/>
                 <a:cs typeface="Calibri" panose="020F0502020204030204" pitchFamily="34" charset="0"/>
-                <a:hlinkClick r:id="rId10"/>
+                <a:hlinkClick r:id="rId11"/>
               </a:rPr>
               <a:t>https://www.amazon.com/dp/B07F9LCYRT/</a:t>
             </a:r>
@@ -5423,65 +5707,6 @@
       </p:sp>
       <p:sp>
         <p:nvSpPr>
-          <p:cNvPr id="8" name="Right Arrow 7">
-            <a:extLst>
-              <a:ext uri="{FF2B5EF4-FFF2-40B4-BE49-F238E27FC236}">
-                <a16:creationId xmlns:a16="http://schemas.microsoft.com/office/drawing/2014/main" id="{57879388-7733-A872-9CD0-2868A51364BD}"/>
-              </a:ext>
-            </a:extLst>
-          </p:cNvPr>
-          <p:cNvSpPr/>
-          <p:nvPr/>
-        </p:nvSpPr>
-        <p:spPr>
-          <a:xfrm rot="10800000" flipV="1">
-            <a:off x="4185267" y="5033983"/>
-            <a:ext cx="1511332" cy="684089"/>
-          </a:xfrm>
-          <a:prstGeom prst="rightArrow">
-            <a:avLst/>
-          </a:prstGeom>
-          <a:solidFill>
-            <a:schemeClr val="accent4">
-              <a:lumMod val="20000"/>
-              <a:lumOff val="80000"/>
-            </a:schemeClr>
-          </a:solidFill>
-        </p:spPr>
-        <p:style>
-          <a:lnRef idx="2">
-            <a:schemeClr val="accent1">
-              <a:shade val="15000"/>
-            </a:schemeClr>
-          </a:lnRef>
-          <a:fillRef idx="1">
-            <a:schemeClr val="accent1"/>
-          </a:fillRef>
-          <a:effectRef idx="0">
-            <a:schemeClr val="accent1"/>
-          </a:effectRef>
-          <a:fontRef idx="minor">
-            <a:schemeClr val="lt1"/>
-          </a:fontRef>
-        </p:style>
-        <p:txBody>
-          <a:bodyPr rtlCol="0" anchor="ctr"/>
-          <a:lstStyle/>
-          <a:p>
-            <a:pPr algn="ctr"/>
-            <a:r>
-              <a:rPr lang="en-US" sz="1400" dirty="0">
-                <a:solidFill>
-                  <a:srgbClr val="0070C0"/>
-                </a:solidFill>
-              </a:rPr>
-              <a:t>POL Male</a:t>
-            </a:r>
-          </a:p>
-        </p:txBody>
-      </p:sp>
-      <p:sp>
-        <p:nvSpPr>
           <p:cNvPr id="10" name="TextBox 9">
             <a:extLst>
               <a:ext uri="{FF2B5EF4-FFF2-40B4-BE49-F238E27FC236}">
@@ -5494,8 +5719,8 @@
         </p:nvSpPr>
         <p:spPr>
           <a:xfrm>
-            <a:off x="8095270" y="3410682"/>
-            <a:ext cx="3949167" cy="446276"/>
+            <a:off x="8629499" y="4604374"/>
+            <a:ext cx="3434673" cy="307777"/>
           </a:xfrm>
           <a:prstGeom prst="rect">
             <a:avLst/>
@@ -5525,50 +5750,53 @@
                 </a:solidFill>
                 <a:latin typeface="Calibri" panose="020F0502020204030204" pitchFamily="34" charset="0"/>
                 <a:cs typeface="Calibri" panose="020F0502020204030204" pitchFamily="34" charset="0"/>
-              </a:rPr>
-              <a:t>Same in steel - $60</a:t>
-            </a:r>
-          </a:p>
-          <a:p>
-            <a:r>
-              <a:rPr lang="en-US" sz="900" dirty="0">
-                <a:latin typeface="Calibri" panose="020F0502020204030204" pitchFamily="34" charset="0"/>
-                <a:cs typeface="Calibri" panose="020F0502020204030204" pitchFamily="34" charset="0"/>
-                <a:hlinkClick r:id="rId11"/>
+                <a:hlinkClick r:id="rId12"/>
               </a:rPr>
               <a:t>https://</a:t>
             </a:r>
             <a:r>
-              <a:rPr lang="en-US" sz="900" dirty="0" err="1">
-                <a:latin typeface="Calibri" panose="020F0502020204030204" pitchFamily="34" charset="0"/>
-                <a:cs typeface="Calibri" panose="020F0502020204030204" pitchFamily="34" charset="0"/>
-                <a:hlinkClick r:id="rId11"/>
-              </a:rPr>
-              <a:t>www.amazon.com</a:t>
-            </a:r>
-            <a:r>
-              <a:rPr lang="en-US" sz="900" dirty="0">
-                <a:latin typeface="Calibri" panose="020F0502020204030204" pitchFamily="34" charset="0"/>
-                <a:cs typeface="Calibri" panose="020F0502020204030204" pitchFamily="34" charset="0"/>
-                <a:hlinkClick r:id="rId11"/>
+              <a:rPr lang="en-US" sz="1400" dirty="0" err="1">
+                <a:solidFill>
+                  <a:srgbClr val="202122"/>
+                </a:solidFill>
+                <a:latin typeface="Calibri" panose="020F0502020204030204" pitchFamily="34" charset="0"/>
+                <a:cs typeface="Calibri" panose="020F0502020204030204" pitchFamily="34" charset="0"/>
+                <a:hlinkClick r:id="rId12"/>
+              </a:rPr>
+              <a:t>www.ebay.com</a:t>
+            </a:r>
+            <a:r>
+              <a:rPr lang="en-US" sz="1400" dirty="0">
+                <a:solidFill>
+                  <a:srgbClr val="202122"/>
+                </a:solidFill>
+                <a:latin typeface="Calibri" panose="020F0502020204030204" pitchFamily="34" charset="0"/>
+                <a:cs typeface="Calibri" panose="020F0502020204030204" pitchFamily="34" charset="0"/>
+                <a:hlinkClick r:id="rId12"/>
               </a:rPr>
               <a:t>/</a:t>
             </a:r>
             <a:r>
-              <a:rPr lang="en-US" sz="900" dirty="0" err="1">
-                <a:latin typeface="Calibri" panose="020F0502020204030204" pitchFamily="34" charset="0"/>
-                <a:cs typeface="Calibri" panose="020F0502020204030204" pitchFamily="34" charset="0"/>
-                <a:hlinkClick r:id="rId11"/>
-              </a:rPr>
-              <a:t>dp</a:t>
-            </a:r>
-            <a:r>
-              <a:rPr lang="en-US" sz="900" dirty="0">
-                <a:latin typeface="Calibri" panose="020F0502020204030204" pitchFamily="34" charset="0"/>
-                <a:cs typeface="Calibri" panose="020F0502020204030204" pitchFamily="34" charset="0"/>
-                <a:hlinkClick r:id="rId11"/>
-              </a:rPr>
-              <a:t>/B08XYH6TND/</a:t>
+              <a:rPr lang="en-US" sz="1400" dirty="0" err="1">
+                <a:solidFill>
+                  <a:srgbClr val="202122"/>
+                </a:solidFill>
+                <a:latin typeface="Calibri" panose="020F0502020204030204" pitchFamily="34" charset="0"/>
+                <a:cs typeface="Calibri" panose="020F0502020204030204" pitchFamily="34" charset="0"/>
+                <a:hlinkClick r:id="rId12"/>
+              </a:rPr>
+              <a:t>itm</a:t>
+            </a:r>
+            <a:r>
+              <a:rPr lang="en-US" sz="1400" dirty="0">
+                <a:solidFill>
+                  <a:srgbClr val="202122"/>
+                </a:solidFill>
+                <a:latin typeface="Calibri" panose="020F0502020204030204" pitchFamily="34" charset="0"/>
+                <a:cs typeface="Calibri" panose="020F0502020204030204" pitchFamily="34" charset="0"/>
+                <a:hlinkClick r:id="rId12"/>
+              </a:rPr>
+              <a:t>/224568534085</a:t>
             </a:r>
             <a:endParaRPr lang="en-US" sz="900" dirty="0">
               <a:latin typeface="Calibri" panose="020F0502020204030204" pitchFamily="34" charset="0"/>
@@ -5577,10 +5805,2139 @@
           </a:p>
         </p:txBody>
       </p:sp>
+      <p:pic>
+        <p:nvPicPr>
+          <p:cNvPr id="11" name="Picture 10">
+            <a:extLst>
+              <a:ext uri="{FF2B5EF4-FFF2-40B4-BE49-F238E27FC236}">
+                <a16:creationId xmlns:a16="http://schemas.microsoft.com/office/drawing/2014/main" id="{78CD5822-14CC-8684-3C07-6113852CB5AE}"/>
+              </a:ext>
+            </a:extLst>
+          </p:cNvPr>
+          <p:cNvPicPr>
+            <a:picLocks noChangeAspect="1"/>
+          </p:cNvPicPr>
+          <p:nvPr/>
+        </p:nvPicPr>
+        <p:blipFill>
+          <a:blip r:embed="rId13" cstate="email">
+            <a:extLst>
+              <a:ext uri="{28A0092B-C50C-407E-A947-70E740481C1C}">
+                <a14:useLocalDpi xmlns:a14="http://schemas.microsoft.com/office/drawing/2010/main"/>
+              </a:ext>
+            </a:extLst>
+          </a:blip>
+          <a:stretch>
+            <a:fillRect/>
+          </a:stretch>
+        </p:blipFill>
+        <p:spPr>
+          <a:xfrm>
+            <a:off x="10365248" y="2756317"/>
+            <a:ext cx="1684180" cy="1806316"/>
+          </a:xfrm>
+          <a:prstGeom prst="rect">
+            <a:avLst/>
+          </a:prstGeom>
+          <a:ln>
+            <a:solidFill>
+              <a:srgbClr val="FF0000"/>
+            </a:solidFill>
+          </a:ln>
+        </p:spPr>
+      </p:pic>
+      <p:sp>
+        <p:nvSpPr>
+          <p:cNvPr id="18" name="TextBox 17">
+            <a:extLst>
+              <a:ext uri="{FF2B5EF4-FFF2-40B4-BE49-F238E27FC236}">
+                <a16:creationId xmlns:a16="http://schemas.microsoft.com/office/drawing/2014/main" id="{67505BCB-EDD1-66D6-5A5B-54CA9AAD08A3}"/>
+              </a:ext>
+            </a:extLst>
+          </p:cNvPr>
+          <p:cNvSpPr txBox="1"/>
+          <p:nvPr/>
+        </p:nvSpPr>
+        <p:spPr>
+          <a:xfrm>
+            <a:off x="185210" y="4385869"/>
+            <a:ext cx="1739979" cy="246221"/>
+          </a:xfrm>
+          <a:prstGeom prst="rect">
+            <a:avLst/>
+          </a:prstGeom>
+          <a:solidFill>
+            <a:schemeClr val="accent4">
+              <a:lumMod val="20000"/>
+              <a:lumOff val="80000"/>
+            </a:schemeClr>
+          </a:solidFill>
+          <a:ln>
+            <a:solidFill>
+              <a:srgbClr val="FF0000"/>
+            </a:solidFill>
+          </a:ln>
+        </p:spPr>
+        <p:txBody>
+          <a:bodyPr wrap="square" rtlCol="0">
+            <a:spAutoFit/>
+          </a:bodyPr>
+          <a:lstStyle/>
+          <a:p>
+            <a:r>
+              <a:rPr lang="en-US" sz="1000" b="0" i="0" dirty="0">
+                <a:solidFill>
+                  <a:srgbClr val="202122"/>
+                </a:solidFill>
+                <a:effectLst/>
+                <a:latin typeface="Calibri" panose="020F0502020204030204" pitchFamily="34" charset="0"/>
+                <a:cs typeface="Calibri" panose="020F0502020204030204" pitchFamily="34" charset="0"/>
+              </a:rPr>
+              <a:t>swivel = rotating connector</a:t>
+            </a:r>
+            <a:endParaRPr lang="en-US" sz="1000" dirty="0">
+              <a:latin typeface="Calibri" panose="020F0502020204030204" pitchFamily="34" charset="0"/>
+              <a:cs typeface="Calibri" panose="020F0502020204030204" pitchFamily="34" charset="0"/>
+            </a:endParaRPr>
+          </a:p>
+        </p:txBody>
+      </p:sp>
+      <p:pic>
+        <p:nvPicPr>
+          <p:cNvPr id="21" name="Picture 20">
+            <a:extLst>
+              <a:ext uri="{FF2B5EF4-FFF2-40B4-BE49-F238E27FC236}">
+                <a16:creationId xmlns:a16="http://schemas.microsoft.com/office/drawing/2014/main" id="{BA1CECFD-A5D4-36DF-9200-331511878F2B}"/>
+              </a:ext>
+            </a:extLst>
+          </p:cNvPr>
+          <p:cNvPicPr>
+            <a:picLocks noChangeAspect="1"/>
+          </p:cNvPicPr>
+          <p:nvPr/>
+        </p:nvPicPr>
+        <p:blipFill>
+          <a:blip r:embed="rId14" cstate="email">
+            <a:extLst>
+              <a:ext uri="{28A0092B-C50C-407E-A947-70E740481C1C}">
+                <a14:useLocalDpi xmlns:a14="http://schemas.microsoft.com/office/drawing/2010/main"/>
+              </a:ext>
+            </a:extLst>
+          </a:blip>
+          <a:stretch>
+            <a:fillRect/>
+          </a:stretch>
+        </p:blipFill>
+        <p:spPr>
+          <a:xfrm>
+            <a:off x="6894250" y="1834416"/>
+            <a:ext cx="850914" cy="817325"/>
+          </a:xfrm>
+          <a:prstGeom prst="rect">
+            <a:avLst/>
+          </a:prstGeom>
+          <a:ln>
+            <a:solidFill>
+              <a:srgbClr val="FF0000"/>
+            </a:solidFill>
+          </a:ln>
+        </p:spPr>
+      </p:pic>
+      <p:sp>
+        <p:nvSpPr>
+          <p:cNvPr id="22" name="TextBox 21">
+            <a:extLst>
+              <a:ext uri="{FF2B5EF4-FFF2-40B4-BE49-F238E27FC236}">
+                <a16:creationId xmlns:a16="http://schemas.microsoft.com/office/drawing/2014/main" id="{F0B64783-A4F1-8013-0D62-DD4518B8DC14}"/>
+              </a:ext>
+            </a:extLst>
+          </p:cNvPr>
+          <p:cNvSpPr txBox="1"/>
+          <p:nvPr/>
+        </p:nvSpPr>
+        <p:spPr>
+          <a:xfrm>
+            <a:off x="6887712" y="2696483"/>
+            <a:ext cx="850914" cy="276999"/>
+          </a:xfrm>
+          <a:prstGeom prst="rect">
+            <a:avLst/>
+          </a:prstGeom>
+          <a:solidFill>
+            <a:schemeClr val="accent4">
+              <a:lumMod val="20000"/>
+              <a:lumOff val="80000"/>
+            </a:schemeClr>
+          </a:solidFill>
+          <a:ln>
+            <a:solidFill>
+              <a:srgbClr val="FF0000"/>
+            </a:solidFill>
+          </a:ln>
+        </p:spPr>
+        <p:txBody>
+          <a:bodyPr wrap="square" rtlCol="0">
+            <a:spAutoFit/>
+          </a:bodyPr>
+          <a:lstStyle/>
+          <a:p>
+            <a:r>
+              <a:rPr lang="en-US" sz="1200" dirty="0">
+                <a:solidFill>
+                  <a:srgbClr val="202122"/>
+                </a:solidFill>
+                <a:latin typeface="Calibri" panose="020F0502020204030204" pitchFamily="34" charset="0"/>
+                <a:cs typeface="Calibri" panose="020F0502020204030204" pitchFamily="34" charset="0"/>
+              </a:rPr>
+              <a:t>3/8" flare</a:t>
+            </a:r>
+            <a:endParaRPr lang="en-US" sz="1200" dirty="0">
+              <a:latin typeface="Calibri" panose="020F0502020204030204" pitchFamily="34" charset="0"/>
+              <a:cs typeface="Calibri" panose="020F0502020204030204" pitchFamily="34" charset="0"/>
+            </a:endParaRPr>
+          </a:p>
+        </p:txBody>
+      </p:sp>
+      <p:pic>
+        <p:nvPicPr>
+          <p:cNvPr id="23" name="Picture 22">
+            <a:extLst>
+              <a:ext uri="{FF2B5EF4-FFF2-40B4-BE49-F238E27FC236}">
+                <a16:creationId xmlns:a16="http://schemas.microsoft.com/office/drawing/2014/main" id="{5B23188A-0E38-D5B0-1A33-9404A483DEF5}"/>
+              </a:ext>
+            </a:extLst>
+          </p:cNvPr>
+          <p:cNvPicPr>
+            <a:picLocks noChangeAspect="1"/>
+          </p:cNvPicPr>
+          <p:nvPr/>
+        </p:nvPicPr>
+        <p:blipFill>
+          <a:blip r:embed="rId15" cstate="email">
+            <a:extLst>
+              <a:ext uri="{28A0092B-C50C-407E-A947-70E740481C1C}">
+                <a14:useLocalDpi xmlns:a14="http://schemas.microsoft.com/office/drawing/2010/main"/>
+              </a:ext>
+            </a:extLst>
+          </a:blip>
+          <a:stretch>
+            <a:fillRect/>
+          </a:stretch>
+        </p:blipFill>
+        <p:spPr>
+          <a:xfrm>
+            <a:off x="396817" y="5277027"/>
+            <a:ext cx="1465978" cy="762995"/>
+          </a:xfrm>
+          <a:prstGeom prst="rect">
+            <a:avLst/>
+          </a:prstGeom>
+        </p:spPr>
+      </p:pic>
+      <p:sp>
+        <p:nvSpPr>
+          <p:cNvPr id="24" name="TextBox 23">
+            <a:extLst>
+              <a:ext uri="{FF2B5EF4-FFF2-40B4-BE49-F238E27FC236}">
+                <a16:creationId xmlns:a16="http://schemas.microsoft.com/office/drawing/2014/main" id="{6036CDAC-D075-43FD-5DF2-3C17718C3423}"/>
+              </a:ext>
+            </a:extLst>
+          </p:cNvPr>
+          <p:cNvSpPr txBox="1"/>
+          <p:nvPr/>
+        </p:nvSpPr>
+        <p:spPr>
+          <a:xfrm>
+            <a:off x="2601295" y="3345262"/>
+            <a:ext cx="745187" cy="246221"/>
+          </a:xfrm>
+          <a:prstGeom prst="rect">
+            <a:avLst/>
+          </a:prstGeom>
+          <a:solidFill>
+            <a:schemeClr val="accent4">
+              <a:lumMod val="20000"/>
+              <a:lumOff val="80000"/>
+            </a:schemeClr>
+          </a:solidFill>
+          <a:ln>
+            <a:solidFill>
+              <a:srgbClr val="FF0000"/>
+            </a:solidFill>
+          </a:ln>
+        </p:spPr>
+        <p:txBody>
+          <a:bodyPr wrap="square" rtlCol="0">
+            <a:spAutoFit/>
+          </a:bodyPr>
+          <a:lstStyle/>
+          <a:p>
+            <a:r>
+              <a:rPr lang="en-US" sz="1000" dirty="0">
+                <a:solidFill>
+                  <a:srgbClr val="202122"/>
+                </a:solidFill>
+                <a:latin typeface="Calibri" panose="020F0502020204030204" pitchFamily="34" charset="0"/>
+                <a:cs typeface="Calibri" panose="020F0502020204030204" pitchFamily="34" charset="0"/>
+              </a:rPr>
+              <a:t>POL male</a:t>
+            </a:r>
+            <a:endParaRPr lang="en-US" sz="1000" dirty="0">
+              <a:latin typeface="Calibri" panose="020F0502020204030204" pitchFamily="34" charset="0"/>
+              <a:cs typeface="Calibri" panose="020F0502020204030204" pitchFamily="34" charset="0"/>
+            </a:endParaRPr>
+          </a:p>
+        </p:txBody>
+      </p:sp>
+      <p:sp>
+        <p:nvSpPr>
+          <p:cNvPr id="25" name="TextBox 24">
+            <a:extLst>
+              <a:ext uri="{FF2B5EF4-FFF2-40B4-BE49-F238E27FC236}">
+                <a16:creationId xmlns:a16="http://schemas.microsoft.com/office/drawing/2014/main" id="{5892AC3D-4192-230B-71EE-94A72F3783BD}"/>
+              </a:ext>
+            </a:extLst>
+          </p:cNvPr>
+          <p:cNvSpPr txBox="1"/>
+          <p:nvPr/>
+        </p:nvSpPr>
+        <p:spPr>
+          <a:xfrm>
+            <a:off x="71930" y="3810181"/>
+            <a:ext cx="789307" cy="246221"/>
+          </a:xfrm>
+          <a:prstGeom prst="rect">
+            <a:avLst/>
+          </a:prstGeom>
+          <a:solidFill>
+            <a:schemeClr val="accent4">
+              <a:lumMod val="20000"/>
+              <a:lumOff val="80000"/>
+            </a:schemeClr>
+          </a:solidFill>
+          <a:ln>
+            <a:solidFill>
+              <a:srgbClr val="FF0000"/>
+            </a:solidFill>
+          </a:ln>
+        </p:spPr>
+        <p:txBody>
+          <a:bodyPr wrap="square" rtlCol="0">
+            <a:spAutoFit/>
+          </a:bodyPr>
+          <a:lstStyle/>
+          <a:p>
+            <a:r>
+              <a:rPr lang="en-US" sz="1000" dirty="0">
+                <a:solidFill>
+                  <a:srgbClr val="202122"/>
+                </a:solidFill>
+                <a:latin typeface="Calibri" panose="020F0502020204030204" pitchFamily="34" charset="0"/>
+                <a:cs typeface="Calibri" panose="020F0502020204030204" pitchFamily="34" charset="0"/>
+              </a:rPr>
+              <a:t>POL female</a:t>
+            </a:r>
+            <a:endParaRPr lang="en-US" sz="1000" dirty="0">
+              <a:latin typeface="Calibri" panose="020F0502020204030204" pitchFamily="34" charset="0"/>
+              <a:cs typeface="Calibri" panose="020F0502020204030204" pitchFamily="34" charset="0"/>
+            </a:endParaRPr>
+          </a:p>
+        </p:txBody>
+      </p:sp>
+      <p:sp>
+        <p:nvSpPr>
+          <p:cNvPr id="26" name="TextBox 25">
+            <a:extLst>
+              <a:ext uri="{FF2B5EF4-FFF2-40B4-BE49-F238E27FC236}">
+                <a16:creationId xmlns:a16="http://schemas.microsoft.com/office/drawing/2014/main" id="{68096AB6-5E1D-F7DD-0BD2-B1FA1207C130}"/>
+              </a:ext>
+            </a:extLst>
+          </p:cNvPr>
+          <p:cNvSpPr txBox="1"/>
+          <p:nvPr/>
+        </p:nvSpPr>
+        <p:spPr>
+          <a:xfrm>
+            <a:off x="768837" y="3204599"/>
+            <a:ext cx="1219454" cy="246221"/>
+          </a:xfrm>
+          <a:prstGeom prst="rect">
+            <a:avLst/>
+          </a:prstGeom>
+          <a:solidFill>
+            <a:schemeClr val="accent4">
+              <a:lumMod val="20000"/>
+              <a:lumOff val="80000"/>
+            </a:schemeClr>
+          </a:solidFill>
+          <a:ln>
+            <a:solidFill>
+              <a:srgbClr val="FF0000"/>
+            </a:solidFill>
+          </a:ln>
+        </p:spPr>
+        <p:txBody>
+          <a:bodyPr wrap="square" rtlCol="0">
+            <a:spAutoFit/>
+          </a:bodyPr>
+          <a:lstStyle/>
+          <a:p>
+            <a:r>
+              <a:rPr lang="en-US" sz="1000" dirty="0">
+                <a:solidFill>
+                  <a:srgbClr val="202122"/>
+                </a:solidFill>
+                <a:latin typeface="Calibri" panose="020F0502020204030204" pitchFamily="34" charset="0"/>
+                <a:cs typeface="Calibri" panose="020F0502020204030204" pitchFamily="34" charset="0"/>
+              </a:rPr>
+              <a:t>Type 1 ACME Male</a:t>
+            </a:r>
+            <a:endParaRPr lang="en-US" sz="1000" dirty="0">
+              <a:latin typeface="Calibri" panose="020F0502020204030204" pitchFamily="34" charset="0"/>
+              <a:cs typeface="Calibri" panose="020F0502020204030204" pitchFamily="34" charset="0"/>
+            </a:endParaRPr>
+          </a:p>
+        </p:txBody>
+      </p:sp>
+      <p:sp>
+        <p:nvSpPr>
+          <p:cNvPr id="27" name="TextBox 26">
+            <a:extLst>
+              <a:ext uri="{FF2B5EF4-FFF2-40B4-BE49-F238E27FC236}">
+                <a16:creationId xmlns:a16="http://schemas.microsoft.com/office/drawing/2014/main" id="{53F4324A-1E85-B1F9-5D83-7274D78F301F}"/>
+              </a:ext>
+            </a:extLst>
+          </p:cNvPr>
+          <p:cNvSpPr txBox="1"/>
+          <p:nvPr/>
+        </p:nvSpPr>
+        <p:spPr>
+          <a:xfrm>
+            <a:off x="459210" y="6130204"/>
+            <a:ext cx="1403585" cy="246221"/>
+          </a:xfrm>
+          <a:prstGeom prst="rect">
+            <a:avLst/>
+          </a:prstGeom>
+          <a:solidFill>
+            <a:schemeClr val="accent4">
+              <a:lumMod val="20000"/>
+              <a:lumOff val="80000"/>
+            </a:schemeClr>
+          </a:solidFill>
+          <a:ln>
+            <a:solidFill>
+              <a:srgbClr val="FF0000"/>
+            </a:solidFill>
+          </a:ln>
+        </p:spPr>
+        <p:txBody>
+          <a:bodyPr wrap="square" rtlCol="0">
+            <a:spAutoFit/>
+          </a:bodyPr>
+          <a:lstStyle/>
+          <a:p>
+            <a:r>
+              <a:rPr lang="en-US" sz="1000" b="0" i="0" dirty="0">
+                <a:solidFill>
+                  <a:srgbClr val="202122"/>
+                </a:solidFill>
+                <a:effectLst/>
+                <a:latin typeface="Calibri" panose="020F0502020204030204" pitchFamily="34" charset="0"/>
+                <a:cs typeface="Calibri" panose="020F0502020204030204" pitchFamily="34" charset="0"/>
+              </a:rPr>
+              <a:t>POL  Female to Female</a:t>
+            </a:r>
+            <a:endParaRPr lang="en-US" sz="1000" dirty="0">
+              <a:latin typeface="Calibri" panose="020F0502020204030204" pitchFamily="34" charset="0"/>
+              <a:cs typeface="Calibri" panose="020F0502020204030204" pitchFamily="34" charset="0"/>
+            </a:endParaRPr>
+          </a:p>
+        </p:txBody>
+      </p:sp>
     </p:spTree>
     <p:extLst>
       <p:ext uri="{BB962C8B-B14F-4D97-AF65-F5344CB8AC3E}">
         <p14:creationId xmlns:p14="http://schemas.microsoft.com/office/powerpoint/2010/main" val="2854111229"/>
+      </p:ext>
+    </p:extLst>
+  </p:cSld>
+  <p:clrMapOvr>
+    <a:masterClrMapping/>
+  </p:clrMapOvr>
+</p:sld>
+</file>
+
+<file path=ppt/slides/slide4.xml><?xml version="1.0" encoding="utf-8"?>
+<p:sld xmlns:a="http://schemas.openxmlformats.org/drawingml/2006/main" xmlns:r="http://schemas.openxmlformats.org/officeDocument/2006/relationships" xmlns:p="http://schemas.openxmlformats.org/presentationml/2006/main">
+  <p:cSld>
+    <p:spTree>
+      <p:nvGrpSpPr>
+        <p:cNvPr id="1" name="">
+          <a:extLst>
+            <a:ext uri="{FF2B5EF4-FFF2-40B4-BE49-F238E27FC236}">
+              <a16:creationId xmlns:a16="http://schemas.microsoft.com/office/drawing/2014/main" id="{BC11F6AB-D892-C44F-ABD8-E1B2DA019322}"/>
+            </a:ext>
+          </a:extLst>
+        </p:cNvPr>
+        <p:cNvGrpSpPr/>
+        <p:nvPr/>
+      </p:nvGrpSpPr>
+      <p:grpSpPr>
+        <a:xfrm>
+          <a:off x="0" y="0"/>
+          <a:ext cx="0" cy="0"/>
+          <a:chOff x="0" y="0"/>
+          <a:chExt cx="0" cy="0"/>
+        </a:xfrm>
+      </p:grpSpPr>
+      <p:sp>
+        <p:nvSpPr>
+          <p:cNvPr id="4" name="TextBox 3">
+            <a:extLst>
+              <a:ext uri="{FF2B5EF4-FFF2-40B4-BE49-F238E27FC236}">
+                <a16:creationId xmlns:a16="http://schemas.microsoft.com/office/drawing/2014/main" id="{3002AD93-E18F-71FB-CB07-C31D1D82723F}"/>
+              </a:ext>
+            </a:extLst>
+          </p:cNvPr>
+          <p:cNvSpPr txBox="1"/>
+          <p:nvPr/>
+        </p:nvSpPr>
+        <p:spPr>
+          <a:xfrm>
+            <a:off x="0" y="0"/>
+            <a:ext cx="6096000" cy="523220"/>
+          </a:xfrm>
+          <a:prstGeom prst="rect">
+            <a:avLst/>
+          </a:prstGeom>
+          <a:noFill/>
+        </p:spPr>
+        <p:txBody>
+          <a:bodyPr wrap="square" rtlCol="0">
+            <a:spAutoFit/>
+          </a:bodyPr>
+          <a:lstStyle/>
+          <a:p>
+            <a:r>
+              <a:rPr lang="en-US" sz="2800" b="1" dirty="0"/>
+              <a:t>Our 100 </a:t>
+            </a:r>
+            <a:r>
+              <a:rPr lang="en-US" sz="2800" b="1" dirty="0" err="1"/>
+              <a:t>lb</a:t>
+            </a:r>
+            <a:r>
+              <a:rPr lang="en-US" sz="2800" b="1" dirty="0"/>
+              <a:t> tank connector</a:t>
+            </a:r>
+          </a:p>
+        </p:txBody>
+      </p:sp>
+      <p:sp>
+        <p:nvSpPr>
+          <p:cNvPr id="5" name="TextBox 4">
+            <a:extLst>
+              <a:ext uri="{FF2B5EF4-FFF2-40B4-BE49-F238E27FC236}">
+                <a16:creationId xmlns:a16="http://schemas.microsoft.com/office/drawing/2014/main" id="{52D3E8EF-A94F-1330-D432-D92B12F8E05B}"/>
+              </a:ext>
+            </a:extLst>
+          </p:cNvPr>
+          <p:cNvSpPr txBox="1"/>
+          <p:nvPr/>
+        </p:nvSpPr>
+        <p:spPr>
+          <a:xfrm>
+            <a:off x="3109092" y="523219"/>
+            <a:ext cx="8899782" cy="1600438"/>
+          </a:xfrm>
+          <a:prstGeom prst="rect">
+            <a:avLst/>
+          </a:prstGeom>
+          <a:solidFill>
+            <a:schemeClr val="accent4">
+              <a:lumMod val="20000"/>
+              <a:lumOff val="80000"/>
+            </a:schemeClr>
+          </a:solidFill>
+          <a:ln>
+            <a:solidFill>
+              <a:srgbClr val="FF0000"/>
+            </a:solidFill>
+          </a:ln>
+        </p:spPr>
+        <p:txBody>
+          <a:bodyPr wrap="square" rtlCol="0">
+            <a:spAutoFit/>
+          </a:bodyPr>
+          <a:lstStyle/>
+          <a:p>
+            <a:pPr marL="285750" indent="-285750">
+              <a:buFont typeface="Arial" panose="020B0604020202020204" pitchFamily="34" charset="0"/>
+              <a:buChar char="•"/>
+            </a:pPr>
+            <a:r>
+              <a:rPr lang="en-US" sz="1400" dirty="0">
+                <a:latin typeface="Calibri" panose="020F0502020204030204" pitchFamily="34" charset="0"/>
+                <a:cs typeface="Calibri" panose="020F0502020204030204" pitchFamily="34" charset="0"/>
+              </a:rPr>
+              <a:t>Our tank is a cylinder </a:t>
+            </a:r>
+            <a:r>
+              <a:rPr lang="en-US" sz="1400" dirty="0" err="1">
+                <a:latin typeface="Calibri" panose="020F0502020204030204" pitchFamily="34" charset="0"/>
+                <a:cs typeface="Calibri" panose="020F0502020204030204" pitchFamily="34" charset="0"/>
+              </a:rPr>
+              <a:t>approx</a:t>
+            </a:r>
+            <a:r>
+              <a:rPr lang="en-US" sz="1400" dirty="0">
+                <a:latin typeface="Calibri" panose="020F0502020204030204" pitchFamily="34" charset="0"/>
+                <a:cs typeface="Calibri" panose="020F0502020204030204" pitchFamily="34" charset="0"/>
+              </a:rPr>
+              <a:t> 45 inches heigh and 15 inches in diameter</a:t>
+            </a:r>
+          </a:p>
+          <a:p>
+            <a:pPr marL="285750" indent="-285750">
+              <a:buFont typeface="Arial" panose="020B0604020202020204" pitchFamily="34" charset="0"/>
+              <a:buChar char="•"/>
+            </a:pPr>
+            <a:r>
+              <a:rPr lang="en-US" sz="1400" dirty="0">
+                <a:latin typeface="Calibri" panose="020F0502020204030204" pitchFamily="34" charset="0"/>
+                <a:cs typeface="Calibri" panose="020F0502020204030204" pitchFamily="34" charset="0"/>
+              </a:rPr>
+              <a:t>Which is typical size of a 100 </a:t>
+            </a:r>
+            <a:r>
+              <a:rPr lang="en-US" sz="1400" dirty="0" err="1">
+                <a:latin typeface="Calibri" panose="020F0502020204030204" pitchFamily="34" charset="0"/>
+                <a:cs typeface="Calibri" panose="020F0502020204030204" pitchFamily="34" charset="0"/>
+              </a:rPr>
+              <a:t>lb</a:t>
+            </a:r>
+            <a:r>
+              <a:rPr lang="en-US" sz="1400" dirty="0">
+                <a:latin typeface="Calibri" panose="020F0502020204030204" pitchFamily="34" charset="0"/>
+                <a:cs typeface="Calibri" panose="020F0502020204030204" pitchFamily="34" charset="0"/>
+              </a:rPr>
+              <a:t> tank </a:t>
+            </a:r>
+            <a:r>
+              <a:rPr lang="en-US" sz="1400" dirty="0"/>
+              <a:t>which typically holds about 23.6 gallons of propane when full.</a:t>
+            </a:r>
+          </a:p>
+          <a:p>
+            <a:pPr marL="285750" indent="-285750">
+              <a:buFont typeface="Arial" panose="020B0604020202020204" pitchFamily="34" charset="0"/>
+              <a:buChar char="•"/>
+            </a:pPr>
+            <a:r>
+              <a:rPr lang="en-US" sz="1400" dirty="0">
+                <a:latin typeface="Calibri" panose="020F0502020204030204" pitchFamily="34" charset="0"/>
+                <a:cs typeface="Calibri" panose="020F0502020204030204" pitchFamily="34" charset="0"/>
+              </a:rPr>
+              <a:t>The weight of an empty tank is ~ 75 </a:t>
+            </a:r>
+            <a:r>
+              <a:rPr lang="en-US" sz="1400" dirty="0" err="1">
+                <a:latin typeface="Calibri" panose="020F0502020204030204" pitchFamily="34" charset="0"/>
+                <a:cs typeface="Calibri" panose="020F0502020204030204" pitchFamily="34" charset="0"/>
+              </a:rPr>
+              <a:t>lbs</a:t>
+            </a:r>
+            <a:r>
+              <a:rPr lang="en-US" sz="1400" dirty="0">
+                <a:latin typeface="Calibri" panose="020F0502020204030204" pitchFamily="34" charset="0"/>
+                <a:cs typeface="Calibri" panose="020F0502020204030204" pitchFamily="34" charset="0"/>
+              </a:rPr>
+              <a:t>, full - ~ 175 </a:t>
+            </a:r>
+            <a:r>
+              <a:rPr lang="en-US" sz="1400" dirty="0" err="1">
+                <a:latin typeface="Calibri" panose="020F0502020204030204" pitchFamily="34" charset="0"/>
+                <a:cs typeface="Calibri" panose="020F0502020204030204" pitchFamily="34" charset="0"/>
+              </a:rPr>
+              <a:t>lbs</a:t>
+            </a:r>
+            <a:endParaRPr lang="en-US" sz="1400" dirty="0">
+              <a:latin typeface="Calibri" panose="020F0502020204030204" pitchFamily="34" charset="0"/>
+              <a:cs typeface="Calibri" panose="020F0502020204030204" pitchFamily="34" charset="0"/>
+            </a:endParaRPr>
+          </a:p>
+          <a:p>
+            <a:pPr marL="285750" indent="-285750">
+              <a:buFont typeface="Arial" panose="020B0604020202020204" pitchFamily="34" charset="0"/>
+              <a:buChar char="•"/>
+            </a:pPr>
+            <a:r>
+              <a:rPr lang="en-US" sz="1400" dirty="0"/>
+              <a:t>This is a 1-3/4 inch filling connector (larger than the standard Type 1 ACME/QCC1 which is 0.885 inches).</a:t>
+            </a:r>
+          </a:p>
+          <a:p>
+            <a:pPr marL="285750" indent="-285750">
+              <a:buFont typeface="Arial" panose="020B0604020202020204" pitchFamily="34" charset="0"/>
+              <a:buChar char="•"/>
+            </a:pPr>
+            <a:r>
+              <a:rPr lang="en-US" sz="1400" dirty="0"/>
+              <a:t>This appears to be an industrial-grade REGO quick-connect fitting designed for larger propane tanks (100 </a:t>
+            </a:r>
+            <a:r>
+              <a:rPr lang="en-US" sz="1400" dirty="0" err="1"/>
+              <a:t>lb</a:t>
+            </a:r>
+            <a:r>
+              <a:rPr lang="en-US" sz="1400" dirty="0"/>
+              <a:t> and up)</a:t>
+            </a:r>
+          </a:p>
+          <a:p>
+            <a:pPr marL="285750" indent="-285750">
+              <a:buFont typeface="Arial" panose="020B0604020202020204" pitchFamily="34" charset="0"/>
+              <a:buChar char="•"/>
+            </a:pPr>
+            <a:r>
+              <a:rPr lang="en-US" sz="1400" dirty="0"/>
+              <a:t>Search for: "REGO industrial quick-connect" ,  "1-3/4 inch REGO propane fitting"</a:t>
+            </a:r>
+          </a:p>
+          <a:p>
+            <a:pPr marL="285750" indent="-285750">
+              <a:buFont typeface="Arial" panose="020B0604020202020204" pitchFamily="34" charset="0"/>
+              <a:buChar char="•"/>
+            </a:pPr>
+            <a:r>
+              <a:rPr lang="en-US" sz="1400" dirty="0"/>
+              <a:t>Visit a commercial propane supplier rather than a standard hardware store</a:t>
+            </a:r>
+          </a:p>
+        </p:txBody>
+      </p:sp>
+      <p:pic>
+        <p:nvPicPr>
+          <p:cNvPr id="22" name="Picture 21" descr="A hand measuring a pipe&#10;&#10;AI-generated content may be incorrect.">
+            <a:extLst>
+              <a:ext uri="{FF2B5EF4-FFF2-40B4-BE49-F238E27FC236}">
+                <a16:creationId xmlns:a16="http://schemas.microsoft.com/office/drawing/2014/main" id="{968E34E2-226A-243B-5F5F-AF4AFAB6DFEE}"/>
+              </a:ext>
+            </a:extLst>
+          </p:cNvPr>
+          <p:cNvPicPr>
+            <a:picLocks noChangeAspect="1"/>
+          </p:cNvPicPr>
+          <p:nvPr/>
+        </p:nvPicPr>
+        <p:blipFill>
+          <a:blip r:embed="rId2" cstate="email">
+            <a:extLst>
+              <a:ext uri="{28A0092B-C50C-407E-A947-70E740481C1C}">
+                <a14:useLocalDpi xmlns:a14="http://schemas.microsoft.com/office/drawing/2010/main"/>
+              </a:ext>
+            </a:extLst>
+          </a:blip>
+          <a:stretch>
+            <a:fillRect/>
+          </a:stretch>
+        </p:blipFill>
+        <p:spPr>
+          <a:xfrm rot="5400000">
+            <a:off x="-294353" y="1000699"/>
+            <a:ext cx="3819832" cy="2864874"/>
+          </a:xfrm>
+          <a:prstGeom prst="rect">
+            <a:avLst/>
+          </a:prstGeom>
+        </p:spPr>
+      </p:pic>
+      <p:pic>
+        <p:nvPicPr>
+          <p:cNvPr id="8" name="Picture 7">
+            <a:extLst>
+              <a:ext uri="{FF2B5EF4-FFF2-40B4-BE49-F238E27FC236}">
+                <a16:creationId xmlns:a16="http://schemas.microsoft.com/office/drawing/2014/main" id="{8630A16D-C2E5-8A5A-B200-C8FB823DDACD}"/>
+              </a:ext>
+            </a:extLst>
+          </p:cNvPr>
+          <p:cNvPicPr>
+            <a:picLocks noChangeAspect="1"/>
+          </p:cNvPicPr>
+          <p:nvPr/>
+        </p:nvPicPr>
+        <p:blipFill>
+          <a:blip r:embed="rId3" cstate="email">
+            <a:extLst>
+              <a:ext uri="{28A0092B-C50C-407E-A947-70E740481C1C}">
+                <a14:useLocalDpi xmlns:a14="http://schemas.microsoft.com/office/drawing/2010/main"/>
+              </a:ext>
+            </a:extLst>
+          </a:blip>
+          <a:stretch>
+            <a:fillRect/>
+          </a:stretch>
+        </p:blipFill>
+        <p:spPr>
+          <a:xfrm>
+            <a:off x="3121025" y="2286503"/>
+            <a:ext cx="6880676" cy="3819833"/>
+          </a:xfrm>
+          <a:prstGeom prst="rect">
+            <a:avLst/>
+          </a:prstGeom>
+          <a:ln>
+            <a:solidFill>
+              <a:srgbClr val="FF0000"/>
+            </a:solidFill>
+          </a:ln>
+        </p:spPr>
+      </p:pic>
+    </p:spTree>
+    <p:extLst>
+      <p:ext uri="{BB962C8B-B14F-4D97-AF65-F5344CB8AC3E}">
+        <p14:creationId xmlns:p14="http://schemas.microsoft.com/office/powerpoint/2010/main" val="18003755"/>
+      </p:ext>
+    </p:extLst>
+  </p:cSld>
+  <p:clrMapOvr>
+    <a:masterClrMapping/>
+  </p:clrMapOvr>
+</p:sld>
+</file>
+
+<file path=ppt/slides/slide5.xml><?xml version="1.0" encoding="utf-8"?>
+<p:sld xmlns:a="http://schemas.openxmlformats.org/drawingml/2006/main" xmlns:r="http://schemas.openxmlformats.org/officeDocument/2006/relationships" xmlns:p="http://schemas.openxmlformats.org/presentationml/2006/main">
+  <p:cSld>
+    <p:spTree>
+      <p:nvGrpSpPr>
+        <p:cNvPr id="1" name="">
+          <a:extLst>
+            <a:ext uri="{FF2B5EF4-FFF2-40B4-BE49-F238E27FC236}">
+              <a16:creationId xmlns:a16="http://schemas.microsoft.com/office/drawing/2014/main" id="{2DDD4CBD-8724-B739-B9AD-DAAA49473158}"/>
+            </a:ext>
+          </a:extLst>
+        </p:cNvPr>
+        <p:cNvGrpSpPr/>
+        <p:nvPr/>
+      </p:nvGrpSpPr>
+      <p:grpSpPr>
+        <a:xfrm>
+          <a:off x="0" y="0"/>
+          <a:ext cx="0" cy="0"/>
+          <a:chOff x="0" y="0"/>
+          <a:chExt cx="0" cy="0"/>
+        </a:xfrm>
+      </p:grpSpPr>
+      <p:sp>
+        <p:nvSpPr>
+          <p:cNvPr id="4" name="TextBox 3">
+            <a:extLst>
+              <a:ext uri="{FF2B5EF4-FFF2-40B4-BE49-F238E27FC236}">
+                <a16:creationId xmlns:a16="http://schemas.microsoft.com/office/drawing/2014/main" id="{EB03A355-4E63-4ACF-9DE3-3FD473FE6815}"/>
+              </a:ext>
+            </a:extLst>
+          </p:cNvPr>
+          <p:cNvSpPr txBox="1"/>
+          <p:nvPr/>
+        </p:nvSpPr>
+        <p:spPr>
+          <a:xfrm>
+            <a:off x="0" y="0"/>
+            <a:ext cx="6096000" cy="523220"/>
+          </a:xfrm>
+          <a:prstGeom prst="rect">
+            <a:avLst/>
+          </a:prstGeom>
+          <a:noFill/>
+        </p:spPr>
+        <p:txBody>
+          <a:bodyPr wrap="square" rtlCol="0">
+            <a:spAutoFit/>
+          </a:bodyPr>
+          <a:lstStyle/>
+          <a:p>
+            <a:r>
+              <a:rPr lang="en-US" sz="2800" b="1" dirty="0"/>
+              <a:t>Our 100 </a:t>
+            </a:r>
+            <a:r>
+              <a:rPr lang="en-US" sz="2800" b="1" dirty="0" err="1"/>
+              <a:t>lb</a:t>
+            </a:r>
+            <a:r>
+              <a:rPr lang="en-US" sz="2800" b="1" dirty="0"/>
+              <a:t> tank connector</a:t>
+            </a:r>
+          </a:p>
+        </p:txBody>
+      </p:sp>
+      <p:pic>
+        <p:nvPicPr>
+          <p:cNvPr id="2" name="Picture 1">
+            <a:extLst>
+              <a:ext uri="{FF2B5EF4-FFF2-40B4-BE49-F238E27FC236}">
+                <a16:creationId xmlns:a16="http://schemas.microsoft.com/office/drawing/2014/main" id="{DB291F57-9657-7BC8-9A12-E60838A8A2EA}"/>
+              </a:ext>
+            </a:extLst>
+          </p:cNvPr>
+          <p:cNvPicPr>
+            <a:picLocks noChangeAspect="1"/>
+          </p:cNvPicPr>
+          <p:nvPr/>
+        </p:nvPicPr>
+        <p:blipFill>
+          <a:blip r:embed="rId2" cstate="email">
+            <a:extLst>
+              <a:ext uri="{28A0092B-C50C-407E-A947-70E740481C1C}">
+                <a14:useLocalDpi xmlns:a14="http://schemas.microsoft.com/office/drawing/2010/main"/>
+              </a:ext>
+            </a:extLst>
+          </a:blip>
+          <a:stretch>
+            <a:fillRect/>
+          </a:stretch>
+        </p:blipFill>
+        <p:spPr>
+          <a:xfrm>
+            <a:off x="183127" y="556578"/>
+            <a:ext cx="2831736" cy="2872422"/>
+          </a:xfrm>
+          <a:prstGeom prst="rect">
+            <a:avLst/>
+          </a:prstGeom>
+          <a:ln>
+            <a:solidFill>
+              <a:srgbClr val="FF0000"/>
+            </a:solidFill>
+          </a:ln>
+        </p:spPr>
+      </p:pic>
+      <p:sp>
+        <p:nvSpPr>
+          <p:cNvPr id="7" name="TextBox 6">
+            <a:extLst>
+              <a:ext uri="{FF2B5EF4-FFF2-40B4-BE49-F238E27FC236}">
+                <a16:creationId xmlns:a16="http://schemas.microsoft.com/office/drawing/2014/main" id="{D2A11E35-758B-C249-EEE6-9B7DB263E906}"/>
+              </a:ext>
+            </a:extLst>
+          </p:cNvPr>
+          <p:cNvSpPr txBox="1"/>
+          <p:nvPr/>
+        </p:nvSpPr>
+        <p:spPr>
+          <a:xfrm>
+            <a:off x="5507294" y="3548614"/>
+            <a:ext cx="6640461" cy="1938992"/>
+          </a:xfrm>
+          <a:prstGeom prst="rect">
+            <a:avLst/>
+          </a:prstGeom>
+          <a:solidFill>
+            <a:schemeClr val="accent4">
+              <a:lumMod val="20000"/>
+              <a:lumOff val="80000"/>
+            </a:schemeClr>
+          </a:solidFill>
+          <a:ln>
+            <a:solidFill>
+              <a:srgbClr val="FF0000"/>
+            </a:solidFill>
+          </a:ln>
+        </p:spPr>
+        <p:txBody>
+          <a:bodyPr wrap="square" rtlCol="0">
+            <a:spAutoFit/>
+          </a:bodyPr>
+          <a:lstStyle/>
+          <a:p>
+            <a:r>
+              <a:rPr lang="en-US" sz="1200" b="1" i="0" dirty="0">
+                <a:solidFill>
+                  <a:srgbClr val="0070C0"/>
+                </a:solidFill>
+                <a:effectLst/>
+                <a:latin typeface="Calibri" panose="020F0502020204030204" pitchFamily="34" charset="0"/>
+                <a:cs typeface="Calibri" panose="020F0502020204030204" pitchFamily="34" charset="0"/>
+              </a:rPr>
+              <a:t>REGO Hose End Valves A7793A A7797A for LPG Gas Bobtail Truck</a:t>
+            </a:r>
+          </a:p>
+          <a:p>
+            <a:endParaRPr lang="en-US" sz="1200" i="0" dirty="0">
+              <a:solidFill>
+                <a:srgbClr val="4F4F4F"/>
+              </a:solidFill>
+              <a:effectLst/>
+              <a:latin typeface="Calibri" panose="020F0502020204030204" pitchFamily="34" charset="0"/>
+              <a:cs typeface="Calibri" panose="020F0502020204030204" pitchFamily="34" charset="0"/>
+            </a:endParaRPr>
+          </a:p>
+          <a:p>
+            <a:r>
+              <a:rPr lang="en-US" sz="1200" i="0" dirty="0">
+                <a:solidFill>
+                  <a:srgbClr val="4F4F4F"/>
+                </a:solidFill>
+                <a:effectLst/>
+                <a:latin typeface="Calibri" panose="020F0502020204030204" pitchFamily="34" charset="0"/>
+                <a:cs typeface="Calibri" panose="020F0502020204030204" pitchFamily="34" charset="0"/>
+              </a:rPr>
+              <a:t>The </a:t>
+            </a:r>
+            <a:r>
+              <a:rPr lang="en-US" sz="1200" b="1" i="0" dirty="0" err="1">
+                <a:solidFill>
+                  <a:srgbClr val="FF0000"/>
+                </a:solidFill>
+                <a:effectLst/>
+                <a:latin typeface="Calibri" panose="020F0502020204030204" pitchFamily="34" charset="0"/>
+                <a:cs typeface="Calibri" panose="020F0502020204030204" pitchFamily="34" charset="0"/>
+              </a:rPr>
+              <a:t>RegO</a:t>
+            </a:r>
+            <a:r>
+              <a:rPr lang="en-US" sz="1200" b="1" i="0" dirty="0">
+                <a:solidFill>
+                  <a:srgbClr val="FF0000"/>
+                </a:solidFill>
+                <a:effectLst/>
+                <a:latin typeface="Calibri" panose="020F0502020204030204" pitchFamily="34" charset="0"/>
+                <a:cs typeface="Calibri" panose="020F0502020204030204" pitchFamily="34" charset="0"/>
+              </a:rPr>
+              <a:t> A7797A </a:t>
+            </a:r>
+            <a:r>
+              <a:rPr lang="en-US" sz="1200" i="0" dirty="0">
+                <a:solidFill>
+                  <a:srgbClr val="4F4F4F"/>
+                </a:solidFill>
+                <a:effectLst/>
+                <a:latin typeface="Calibri" panose="020F0502020204030204" pitchFamily="34" charset="0"/>
+                <a:cs typeface="Calibri" panose="020F0502020204030204" pitchFamily="34" charset="0"/>
+              </a:rPr>
+              <a:t>is a quick-acting minimum loss hose-end angle valve designed for efficient and safe propane refilling operations, used on delivery trucks and dispensing stations.</a:t>
+            </a:r>
+          </a:p>
+          <a:p>
+            <a:pPr marL="171450" indent="-171450">
+              <a:buFont typeface="Arial" panose="020B0604020202020204" pitchFamily="34" charset="0"/>
+              <a:buChar char="•"/>
+            </a:pPr>
+            <a:r>
+              <a:rPr lang="en-US" sz="1200" i="0" dirty="0">
+                <a:solidFill>
+                  <a:srgbClr val="4F4F4F"/>
+                </a:solidFill>
+                <a:effectLst/>
+                <a:latin typeface="Calibri" panose="020F0502020204030204" pitchFamily="34" charset="0"/>
+                <a:cs typeface="Calibri" panose="020F0502020204030204" pitchFamily="34" charset="0"/>
+              </a:rPr>
+              <a:t>1-inch FNPT inlet connection  (3/4-inch for </a:t>
+            </a:r>
+            <a:r>
+              <a:rPr lang="en-US" sz="1200" b="1" i="0" dirty="0">
+                <a:solidFill>
+                  <a:srgbClr val="FF0000"/>
+                </a:solidFill>
+                <a:effectLst/>
+                <a:latin typeface="Calibri" panose="020F0502020204030204" pitchFamily="34" charset="0"/>
+                <a:cs typeface="Calibri" panose="020F0502020204030204" pitchFamily="34" charset="0"/>
+              </a:rPr>
+              <a:t>A7793</a:t>
+            </a:r>
+            <a:r>
+              <a:rPr lang="en-US" sz="1200" i="0" dirty="0">
+                <a:solidFill>
+                  <a:srgbClr val="4F4F4F"/>
+                </a:solidFill>
+                <a:effectLst/>
+                <a:latin typeface="Calibri" panose="020F0502020204030204" pitchFamily="34" charset="0"/>
+                <a:cs typeface="Calibri" panose="020F0502020204030204" pitchFamily="34" charset="0"/>
+              </a:rPr>
+              <a:t>)</a:t>
+            </a:r>
+          </a:p>
+          <a:p>
+            <a:pPr marL="171450" indent="-171450">
+              <a:buFont typeface="Arial" panose="020B0604020202020204" pitchFamily="34" charset="0"/>
+              <a:buChar char="•"/>
+            </a:pPr>
+            <a:r>
+              <a:rPr lang="en-US" sz="1200" i="0" dirty="0">
+                <a:solidFill>
+                  <a:srgbClr val="4F4F4F"/>
+                </a:solidFill>
+                <a:effectLst/>
+                <a:latin typeface="Calibri" panose="020F0502020204030204" pitchFamily="34" charset="0"/>
+                <a:cs typeface="Calibri" panose="020F0502020204030204" pitchFamily="34" charset="0"/>
+              </a:rPr>
+              <a:t>1-3/4 inch F ACME outlet connection</a:t>
+            </a:r>
+          </a:p>
+          <a:p>
+            <a:pPr marL="171450" indent="-171450">
+              <a:buFont typeface="Arial" panose="020B0604020202020204" pitchFamily="34" charset="0"/>
+              <a:buChar char="•"/>
+            </a:pPr>
+            <a:r>
+              <a:rPr lang="en-US" sz="1200" i="0" dirty="0">
+                <a:solidFill>
+                  <a:srgbClr val="4F4F4F"/>
+                </a:solidFill>
+                <a:effectLst/>
+                <a:latin typeface="Calibri" panose="020F0502020204030204" pitchFamily="34" charset="0"/>
+                <a:cs typeface="Calibri" panose="020F0502020204030204" pitchFamily="34" charset="0"/>
+              </a:rPr>
+              <a:t>flow rate of 16 GPM (gallons per minute) for propane at 1 PSIG pressure drop</a:t>
+            </a:r>
+          </a:p>
+          <a:p>
+            <a:pPr marL="171450" indent="-171450">
+              <a:buFont typeface="Arial" panose="020B0604020202020204" pitchFamily="34" charset="0"/>
+              <a:buChar char="•"/>
+            </a:pPr>
+            <a:r>
+              <a:rPr lang="en-US" sz="1200" i="0" dirty="0">
+                <a:solidFill>
+                  <a:srgbClr val="4F4F4F"/>
+                </a:solidFill>
+                <a:effectLst/>
+                <a:latin typeface="Calibri" panose="020F0502020204030204" pitchFamily="34" charset="0"/>
+                <a:cs typeface="Calibri" panose="020F0502020204030204" pitchFamily="34" charset="0"/>
+              </a:rPr>
+              <a:t>locking handle for added safety during use and transport</a:t>
+            </a:r>
+          </a:p>
+          <a:p>
+            <a:pPr marL="171450" indent="-171450">
+              <a:buFont typeface="Arial" panose="020B0604020202020204" pitchFamily="34" charset="0"/>
+              <a:buChar char="•"/>
+            </a:pPr>
+            <a:r>
+              <a:rPr lang="en-US" sz="1200" i="0" dirty="0">
+                <a:solidFill>
+                  <a:srgbClr val="4F4F4F"/>
+                </a:solidFill>
+                <a:effectLst/>
+                <a:latin typeface="Calibri" panose="020F0502020204030204" pitchFamily="34" charset="0"/>
+                <a:cs typeface="Calibri" panose="020F0502020204030204" pitchFamily="34" charset="0"/>
+              </a:rPr>
+              <a:t>Instant full-on flow and shutoff capabilities with minimal effort</a:t>
+            </a:r>
+          </a:p>
+          <a:p>
+            <a:pPr marL="171450" indent="-171450">
+              <a:buFont typeface="Arial" panose="020B0604020202020204" pitchFamily="34" charset="0"/>
+              <a:buChar char="•"/>
+            </a:pPr>
+            <a:r>
+              <a:rPr lang="en-US" sz="1200" i="0" dirty="0">
+                <a:solidFill>
+                  <a:srgbClr val="4F4F4F"/>
+                </a:solidFill>
+                <a:effectLst/>
+                <a:latin typeface="Calibri" panose="020F0502020204030204" pitchFamily="34" charset="0"/>
+                <a:cs typeface="Calibri" panose="020F0502020204030204" pitchFamily="34" charset="0"/>
+              </a:rPr>
+              <a:t>A design that minimizes product loss during disconnections, reducing vented propane</a:t>
+            </a:r>
+          </a:p>
+        </p:txBody>
+      </p:sp>
+      <p:pic>
+        <p:nvPicPr>
+          <p:cNvPr id="3" name="Picture 2">
+            <a:extLst>
+              <a:ext uri="{FF2B5EF4-FFF2-40B4-BE49-F238E27FC236}">
+                <a16:creationId xmlns:a16="http://schemas.microsoft.com/office/drawing/2014/main" id="{72840474-E0A5-30AE-3DC5-977214F4B0C5}"/>
+              </a:ext>
+            </a:extLst>
+          </p:cNvPr>
+          <p:cNvPicPr>
+            <a:picLocks noChangeAspect="1"/>
+          </p:cNvPicPr>
+          <p:nvPr/>
+        </p:nvPicPr>
+        <p:blipFill>
+          <a:blip r:embed="rId3" cstate="email">
+            <a:extLst>
+              <a:ext uri="{28A0092B-C50C-407E-A947-70E740481C1C}">
+                <a14:useLocalDpi xmlns:a14="http://schemas.microsoft.com/office/drawing/2010/main"/>
+              </a:ext>
+            </a:extLst>
+          </a:blip>
+          <a:stretch>
+            <a:fillRect/>
+          </a:stretch>
+        </p:blipFill>
+        <p:spPr>
+          <a:xfrm>
+            <a:off x="8775291" y="46847"/>
+            <a:ext cx="3372465" cy="3292857"/>
+          </a:xfrm>
+          <a:prstGeom prst="rect">
+            <a:avLst/>
+          </a:prstGeom>
+          <a:ln>
+            <a:solidFill>
+              <a:srgbClr val="FF0000"/>
+            </a:solidFill>
+          </a:ln>
+        </p:spPr>
+      </p:pic>
+      <p:pic>
+        <p:nvPicPr>
+          <p:cNvPr id="1026" name="Picture 2" descr="A7797A - - Tarantin Industries">
+            <a:extLst>
+              <a:ext uri="{FF2B5EF4-FFF2-40B4-BE49-F238E27FC236}">
+                <a16:creationId xmlns:a16="http://schemas.microsoft.com/office/drawing/2014/main" id="{D6049BB1-3F75-8159-B366-2ADA0A4FD47E}"/>
+              </a:ext>
+            </a:extLst>
+          </p:cNvPr>
+          <p:cNvPicPr>
+            <a:picLocks noChangeAspect="1" noChangeArrowheads="1"/>
+          </p:cNvPicPr>
+          <p:nvPr/>
+        </p:nvPicPr>
+        <p:blipFill rotWithShape="1">
+          <a:blip r:embed="rId4" cstate="email">
+            <a:extLst>
+              <a:ext uri="{28A0092B-C50C-407E-A947-70E740481C1C}">
+                <a14:useLocalDpi xmlns:a14="http://schemas.microsoft.com/office/drawing/2010/main"/>
+              </a:ext>
+            </a:extLst>
+          </a:blip>
+          <a:srcRect/>
+          <a:stretch/>
+        </p:blipFill>
+        <p:spPr bwMode="auto">
+          <a:xfrm>
+            <a:off x="3470788" y="795295"/>
+            <a:ext cx="1283111" cy="2394987"/>
+          </a:xfrm>
+          <a:prstGeom prst="rect">
+            <a:avLst/>
+          </a:prstGeom>
+          <a:noFill/>
+          <a:ln>
+            <a:solidFill>
+              <a:srgbClr val="FF0000"/>
+            </a:solidFill>
+          </a:ln>
+          <a:extLst>
+            <a:ext uri="{909E8E84-426E-40DD-AFC4-6F175D3DCCD1}">
+              <a14:hiddenFill xmlns:a14="http://schemas.microsoft.com/office/drawing/2010/main">
+                <a:solidFill>
+                  <a:srgbClr val="FFFFFF"/>
+                </a:solidFill>
+              </a14:hiddenFill>
+            </a:ext>
+          </a:extLst>
+        </p:spPr>
+      </p:pic>
+      <p:pic>
+        <p:nvPicPr>
+          <p:cNvPr id="6" name="Picture 5">
+            <a:extLst>
+              <a:ext uri="{FF2B5EF4-FFF2-40B4-BE49-F238E27FC236}">
+                <a16:creationId xmlns:a16="http://schemas.microsoft.com/office/drawing/2014/main" id="{B3C6F194-34BE-8538-01EA-E9EC6BF3D65F}"/>
+              </a:ext>
+            </a:extLst>
+          </p:cNvPr>
+          <p:cNvPicPr>
+            <a:picLocks noChangeAspect="1"/>
+          </p:cNvPicPr>
+          <p:nvPr/>
+        </p:nvPicPr>
+        <p:blipFill>
+          <a:blip r:embed="rId5" cstate="email">
+            <a:extLst>
+              <a:ext uri="{28A0092B-C50C-407E-A947-70E740481C1C}">
+                <a14:useLocalDpi xmlns:a14="http://schemas.microsoft.com/office/drawing/2010/main"/>
+              </a:ext>
+            </a:extLst>
+          </a:blip>
+          <a:stretch>
+            <a:fillRect/>
+          </a:stretch>
+        </p:blipFill>
+        <p:spPr>
+          <a:xfrm>
+            <a:off x="5501150" y="48671"/>
+            <a:ext cx="3231074" cy="3293477"/>
+          </a:xfrm>
+          <a:prstGeom prst="rect">
+            <a:avLst/>
+          </a:prstGeom>
+          <a:ln>
+            <a:solidFill>
+              <a:srgbClr val="FF0000"/>
+            </a:solidFill>
+          </a:ln>
+        </p:spPr>
+      </p:pic>
+      <p:sp>
+        <p:nvSpPr>
+          <p:cNvPr id="8" name="TextBox 7">
+            <a:extLst>
+              <a:ext uri="{FF2B5EF4-FFF2-40B4-BE49-F238E27FC236}">
+                <a16:creationId xmlns:a16="http://schemas.microsoft.com/office/drawing/2014/main" id="{76F69D65-00EA-A66E-4965-D7148C513E02}"/>
+              </a:ext>
+            </a:extLst>
+          </p:cNvPr>
+          <p:cNvSpPr txBox="1"/>
+          <p:nvPr/>
+        </p:nvSpPr>
+        <p:spPr>
+          <a:xfrm>
+            <a:off x="183127" y="3548614"/>
+            <a:ext cx="4344629" cy="2677656"/>
+          </a:xfrm>
+          <a:prstGeom prst="rect">
+            <a:avLst/>
+          </a:prstGeom>
+          <a:solidFill>
+            <a:schemeClr val="accent4">
+              <a:lumMod val="20000"/>
+              <a:lumOff val="80000"/>
+            </a:schemeClr>
+          </a:solidFill>
+          <a:ln>
+            <a:solidFill>
+              <a:srgbClr val="FF0000"/>
+            </a:solidFill>
+          </a:ln>
+        </p:spPr>
+        <p:txBody>
+          <a:bodyPr wrap="square" rtlCol="0">
+            <a:spAutoFit/>
+          </a:bodyPr>
+          <a:lstStyle/>
+          <a:p>
+            <a:r>
+              <a:rPr lang="en-US" sz="1200" dirty="0">
+                <a:effectLst/>
+                <a:latin typeface="Calibri" panose="020F0502020204030204" pitchFamily="34" charset="0"/>
+                <a:cs typeface="Calibri" panose="020F0502020204030204" pitchFamily="34" charset="0"/>
+              </a:rPr>
+              <a:t>The 1-3/4 inch REGO industrial fitting on your 100 </a:t>
+            </a:r>
+            <a:r>
+              <a:rPr lang="en-US" sz="1200" dirty="0" err="1">
+                <a:effectLst/>
+                <a:latin typeface="Calibri" panose="020F0502020204030204" pitchFamily="34" charset="0"/>
+                <a:cs typeface="Calibri" panose="020F0502020204030204" pitchFamily="34" charset="0"/>
+              </a:rPr>
+              <a:t>lb</a:t>
+            </a:r>
+            <a:r>
+              <a:rPr lang="en-US" sz="1200" dirty="0">
+                <a:effectLst/>
+                <a:latin typeface="Calibri" panose="020F0502020204030204" pitchFamily="34" charset="0"/>
+                <a:cs typeface="Calibri" panose="020F0502020204030204" pitchFamily="34" charset="0"/>
+              </a:rPr>
+              <a:t> propane tank likely includes a check valve in the center. This valve typically requires a special connector like </a:t>
+            </a:r>
+          </a:p>
+          <a:p>
+            <a:r>
+              <a:rPr lang="en-US" sz="1200" b="1" i="0" dirty="0" err="1">
+                <a:solidFill>
+                  <a:srgbClr val="FF0000"/>
+                </a:solidFill>
+                <a:effectLst/>
+                <a:latin typeface="Calibri" panose="020F0502020204030204" pitchFamily="34" charset="0"/>
+                <a:cs typeface="Calibri" panose="020F0502020204030204" pitchFamily="34" charset="0"/>
+              </a:rPr>
+              <a:t>RegO</a:t>
+            </a:r>
+            <a:r>
+              <a:rPr lang="en-US" sz="1200" b="1" i="0" dirty="0">
+                <a:solidFill>
+                  <a:srgbClr val="FF0000"/>
+                </a:solidFill>
+                <a:effectLst/>
+                <a:latin typeface="Calibri" panose="020F0502020204030204" pitchFamily="34" charset="0"/>
+                <a:cs typeface="Calibri" panose="020F0502020204030204" pitchFamily="34" charset="0"/>
+              </a:rPr>
+              <a:t> A7797</a:t>
+            </a:r>
+          </a:p>
+          <a:p>
+            <a:r>
+              <a:rPr lang="en-US" sz="1200" i="0" dirty="0">
+                <a:solidFill>
+                  <a:srgbClr val="4F4F4F"/>
+                </a:solidFill>
+                <a:effectLst/>
+                <a:latin typeface="Calibri" panose="020F0502020204030204" pitchFamily="34" charset="0"/>
+                <a:cs typeface="Calibri" panose="020F0502020204030204" pitchFamily="34" charset="0"/>
+                <a:hlinkClick r:id="rId6"/>
+              </a:rPr>
+              <a:t>https://www.jmesales.com/jme-a7797a-1-in-fnpt-x-1-3-4-in-facme-16-gpm-quick-acting-minimum-loss-hose-end-angle-valve-w-locking-handle/</a:t>
+            </a:r>
+            <a:endParaRPr lang="en-US" sz="1200" dirty="0">
+              <a:solidFill>
+                <a:srgbClr val="4F4F4F"/>
+              </a:solidFill>
+              <a:latin typeface="Calibri" panose="020F0502020204030204" pitchFamily="34" charset="0"/>
+              <a:cs typeface="Calibri" panose="020F0502020204030204" pitchFamily="34" charset="0"/>
+            </a:endParaRPr>
+          </a:p>
+          <a:p>
+            <a:r>
+              <a:rPr lang="en-US" sz="1200" b="1" i="0" dirty="0" err="1">
+                <a:solidFill>
+                  <a:srgbClr val="FF0000"/>
+                </a:solidFill>
+                <a:effectLst/>
+                <a:latin typeface="Calibri" panose="020F0502020204030204" pitchFamily="34" charset="0"/>
+                <a:cs typeface="Calibri" panose="020F0502020204030204" pitchFamily="34" charset="0"/>
+              </a:rPr>
+              <a:t>RegO</a:t>
+            </a:r>
+            <a:r>
+              <a:rPr lang="en-US" sz="1200" b="1" i="0" dirty="0">
+                <a:solidFill>
+                  <a:srgbClr val="FF0000"/>
+                </a:solidFill>
+                <a:effectLst/>
+                <a:latin typeface="Calibri" panose="020F0502020204030204" pitchFamily="34" charset="0"/>
+                <a:cs typeface="Calibri" panose="020F0502020204030204" pitchFamily="34" charset="0"/>
+              </a:rPr>
+              <a:t> A7793</a:t>
+            </a:r>
+            <a:endParaRPr lang="en-US" sz="1200" dirty="0">
+              <a:solidFill>
+                <a:srgbClr val="4F4F4F"/>
+              </a:solidFill>
+              <a:latin typeface="Calibri" panose="020F0502020204030204" pitchFamily="34" charset="0"/>
+              <a:cs typeface="Calibri" panose="020F0502020204030204" pitchFamily="34" charset="0"/>
+            </a:endParaRPr>
+          </a:p>
+          <a:p>
+            <a:r>
+              <a:rPr lang="en-US" sz="1200" i="0" dirty="0">
+                <a:solidFill>
+                  <a:srgbClr val="4F4F4F"/>
+                </a:solidFill>
+                <a:effectLst/>
+                <a:latin typeface="Calibri" panose="020F0502020204030204" pitchFamily="34" charset="0"/>
+                <a:cs typeface="Calibri" panose="020F0502020204030204" pitchFamily="34" charset="0"/>
+                <a:hlinkClick r:id="rId7"/>
+              </a:rPr>
+              <a:t>https://www.jmesales.com/jme-a7793a-3-4-in-fnpt-x-1-3-4-in-facme-16-gpm-quick-acting-minimum-loss-hose-end-angle-valve-w-locking-handle/</a:t>
+            </a:r>
+            <a:endParaRPr lang="en-US" sz="1200" i="0" dirty="0">
+              <a:solidFill>
+                <a:srgbClr val="4F4F4F"/>
+              </a:solidFill>
+              <a:effectLst/>
+              <a:latin typeface="Calibri" panose="020F0502020204030204" pitchFamily="34" charset="0"/>
+              <a:cs typeface="Calibri" panose="020F0502020204030204" pitchFamily="34" charset="0"/>
+            </a:endParaRPr>
+          </a:p>
+          <a:p>
+            <a:endParaRPr lang="en-US" sz="1200" i="0" dirty="0">
+              <a:solidFill>
+                <a:srgbClr val="4F4F4F"/>
+              </a:solidFill>
+              <a:effectLst/>
+              <a:latin typeface="Calibri" panose="020F0502020204030204" pitchFamily="34" charset="0"/>
+              <a:cs typeface="Calibri" panose="020F0502020204030204" pitchFamily="34" charset="0"/>
+            </a:endParaRPr>
+          </a:p>
+          <a:p>
+            <a:r>
+              <a:rPr lang="en-US" sz="1200" i="0" dirty="0">
+                <a:solidFill>
+                  <a:srgbClr val="4F4F4F"/>
+                </a:solidFill>
+                <a:effectLst/>
+                <a:latin typeface="Calibri" panose="020F0502020204030204" pitchFamily="34" charset="0"/>
+                <a:cs typeface="Calibri" panose="020F0502020204030204" pitchFamily="34" charset="0"/>
+              </a:rPr>
+              <a:t>video: </a:t>
+            </a:r>
+            <a:r>
+              <a:rPr lang="en-US" sz="1200" i="0" dirty="0">
+                <a:solidFill>
+                  <a:srgbClr val="4F4F4F"/>
+                </a:solidFill>
+                <a:effectLst/>
+                <a:latin typeface="Calibri" panose="020F0502020204030204" pitchFamily="34" charset="0"/>
+                <a:cs typeface="Calibri" panose="020F0502020204030204" pitchFamily="34" charset="0"/>
+                <a:hlinkClick r:id="rId8"/>
+              </a:rPr>
+              <a:t>https://www.youtube.com/watch?v=80aiXv-Yaw4</a:t>
+            </a:r>
+            <a:r>
+              <a:rPr lang="en-US" sz="1200" i="0" dirty="0">
+                <a:solidFill>
+                  <a:srgbClr val="4F4F4F"/>
+                </a:solidFill>
+                <a:effectLst/>
+                <a:latin typeface="Calibri" panose="020F0502020204030204" pitchFamily="34" charset="0"/>
+                <a:cs typeface="Calibri" panose="020F0502020204030204" pitchFamily="34" charset="0"/>
+              </a:rPr>
+              <a:t> </a:t>
+            </a:r>
+          </a:p>
+          <a:p>
+            <a:r>
+              <a:rPr lang="en-US" sz="1200" dirty="0">
+                <a:solidFill>
+                  <a:srgbClr val="4F4F4F"/>
+                </a:solidFill>
+                <a:latin typeface="Calibri" panose="020F0502020204030204" pitchFamily="34" charset="0"/>
+                <a:cs typeface="Calibri" panose="020F0502020204030204" pitchFamily="34" charset="0"/>
+              </a:rPr>
+              <a:t>video - </a:t>
+            </a:r>
+            <a:r>
+              <a:rPr lang="en-US" sz="1200" dirty="0">
+                <a:solidFill>
+                  <a:srgbClr val="4F4F4F"/>
+                </a:solidFill>
+                <a:latin typeface="Calibri" panose="020F0502020204030204" pitchFamily="34" charset="0"/>
+                <a:cs typeface="Calibri" panose="020F0502020204030204" pitchFamily="34" charset="0"/>
+                <a:hlinkClick r:id="rId9"/>
+              </a:rPr>
+              <a:t>https://www.youtube.com/watch?v=KgiYjjl-xzg</a:t>
+            </a:r>
+            <a:endParaRPr lang="en-US" sz="1200" i="0" dirty="0">
+              <a:solidFill>
+                <a:srgbClr val="4F4F4F"/>
+              </a:solidFill>
+              <a:effectLst/>
+              <a:latin typeface="Calibri" panose="020F0502020204030204" pitchFamily="34" charset="0"/>
+              <a:cs typeface="Calibri" panose="020F0502020204030204" pitchFamily="34" charset="0"/>
+            </a:endParaRPr>
+          </a:p>
+        </p:txBody>
+      </p:sp>
+    </p:spTree>
+    <p:extLst>
+      <p:ext uri="{BB962C8B-B14F-4D97-AF65-F5344CB8AC3E}">
+        <p14:creationId xmlns:p14="http://schemas.microsoft.com/office/powerpoint/2010/main" val="1745677812"/>
+      </p:ext>
+    </p:extLst>
+  </p:cSld>
+  <p:clrMapOvr>
+    <a:masterClrMapping/>
+  </p:clrMapOvr>
+</p:sld>
+</file>
+
+<file path=ppt/slides/slide6.xml><?xml version="1.0" encoding="utf-8"?>
+<p:sld xmlns:a="http://schemas.openxmlformats.org/drawingml/2006/main" xmlns:r="http://schemas.openxmlformats.org/officeDocument/2006/relationships" xmlns:p="http://schemas.openxmlformats.org/presentationml/2006/main">
+  <p:cSld>
+    <p:spTree>
+      <p:nvGrpSpPr>
+        <p:cNvPr id="1" name="">
+          <a:extLst>
+            <a:ext uri="{FF2B5EF4-FFF2-40B4-BE49-F238E27FC236}">
+              <a16:creationId xmlns:a16="http://schemas.microsoft.com/office/drawing/2014/main" id="{FD1C68E8-7C14-639C-F8EC-49A5C45CF016}"/>
+            </a:ext>
+          </a:extLst>
+        </p:cNvPr>
+        <p:cNvGrpSpPr/>
+        <p:nvPr/>
+      </p:nvGrpSpPr>
+      <p:grpSpPr>
+        <a:xfrm>
+          <a:off x="0" y="0"/>
+          <a:ext cx="0" cy="0"/>
+          <a:chOff x="0" y="0"/>
+          <a:chExt cx="0" cy="0"/>
+        </a:xfrm>
+      </p:grpSpPr>
+      <p:sp>
+        <p:nvSpPr>
+          <p:cNvPr id="4" name="TextBox 3">
+            <a:extLst>
+              <a:ext uri="{FF2B5EF4-FFF2-40B4-BE49-F238E27FC236}">
+                <a16:creationId xmlns:a16="http://schemas.microsoft.com/office/drawing/2014/main" id="{D6D73521-557C-1C81-B427-32D795156403}"/>
+              </a:ext>
+            </a:extLst>
+          </p:cNvPr>
+          <p:cNvSpPr txBox="1"/>
+          <p:nvPr/>
+        </p:nvSpPr>
+        <p:spPr>
+          <a:xfrm>
+            <a:off x="0" y="0"/>
+            <a:ext cx="6096000" cy="523220"/>
+          </a:xfrm>
+          <a:prstGeom prst="rect">
+            <a:avLst/>
+          </a:prstGeom>
+          <a:noFill/>
+        </p:spPr>
+        <p:txBody>
+          <a:bodyPr wrap="square" rtlCol="0">
+            <a:spAutoFit/>
+          </a:bodyPr>
+          <a:lstStyle/>
+          <a:p>
+            <a:r>
+              <a:rPr lang="en-US" sz="2800" b="1" dirty="0"/>
+              <a:t>Propane Bobtail Truck</a:t>
+            </a:r>
+          </a:p>
+        </p:txBody>
+      </p:sp>
+      <p:sp>
+        <p:nvSpPr>
+          <p:cNvPr id="7" name="TextBox 6">
+            <a:extLst>
+              <a:ext uri="{FF2B5EF4-FFF2-40B4-BE49-F238E27FC236}">
+                <a16:creationId xmlns:a16="http://schemas.microsoft.com/office/drawing/2014/main" id="{46497A8E-EEDF-600C-C8D3-A212F7E5131F}"/>
+              </a:ext>
+            </a:extLst>
+          </p:cNvPr>
+          <p:cNvSpPr txBox="1"/>
+          <p:nvPr/>
+        </p:nvSpPr>
+        <p:spPr>
+          <a:xfrm>
+            <a:off x="92363" y="543197"/>
+            <a:ext cx="7145564" cy="830997"/>
+          </a:xfrm>
+          <a:prstGeom prst="rect">
+            <a:avLst/>
+          </a:prstGeom>
+          <a:solidFill>
+            <a:schemeClr val="accent4">
+              <a:lumMod val="20000"/>
+              <a:lumOff val="80000"/>
+            </a:schemeClr>
+          </a:solidFill>
+          <a:ln>
+            <a:solidFill>
+              <a:srgbClr val="FF0000"/>
+            </a:solidFill>
+          </a:ln>
+        </p:spPr>
+        <p:txBody>
+          <a:bodyPr wrap="square" rtlCol="0">
+            <a:spAutoFit/>
+          </a:bodyPr>
+          <a:lstStyle/>
+          <a:p>
+            <a:r>
+              <a:rPr lang="en-US" sz="1200" i="0" dirty="0">
+                <a:solidFill>
+                  <a:srgbClr val="4F4F4F"/>
+                </a:solidFill>
+                <a:effectLst/>
+                <a:latin typeface="Calibri" panose="020F0502020204030204" pitchFamily="34" charset="0"/>
+                <a:cs typeface="Calibri" panose="020F0502020204030204" pitchFamily="34" charset="0"/>
+              </a:rPr>
+              <a:t>"Bobtail" is a general term in trucking that refers to a truck driving without a trailer attached </a:t>
+            </a:r>
+          </a:p>
+          <a:p>
+            <a:endParaRPr lang="en-US" sz="1200" dirty="0">
+              <a:solidFill>
+                <a:srgbClr val="4F4F4F"/>
+              </a:solidFill>
+              <a:latin typeface="Calibri" panose="020F0502020204030204" pitchFamily="34" charset="0"/>
+              <a:cs typeface="Calibri" panose="020F0502020204030204" pitchFamily="34" charset="0"/>
+            </a:endParaRPr>
+          </a:p>
+          <a:p>
+            <a:r>
+              <a:rPr lang="en-US" sz="1200" i="0" dirty="0">
+                <a:solidFill>
+                  <a:srgbClr val="4F4F4F"/>
+                </a:solidFill>
+                <a:effectLst/>
+                <a:latin typeface="Calibri" panose="020F0502020204030204" pitchFamily="34" charset="0"/>
+                <a:cs typeface="Calibri" panose="020F0502020204030204" pitchFamily="34" charset="0"/>
+              </a:rPr>
+              <a:t>A "propane bobtail truck" is a specialized truck for delivering propane. It has a large storage tank holding 1,000+ gallons of liquid propane. It has pumps, hoses, and safety features.</a:t>
+            </a:r>
+          </a:p>
+        </p:txBody>
+      </p:sp>
+      <p:pic>
+        <p:nvPicPr>
+          <p:cNvPr id="5" name="Picture 2" descr="Propane Bobtails | Blueline® Bobtails ...">
+            <a:extLst>
+              <a:ext uri="{FF2B5EF4-FFF2-40B4-BE49-F238E27FC236}">
+                <a16:creationId xmlns:a16="http://schemas.microsoft.com/office/drawing/2014/main" id="{AC66120E-D755-7EC9-EAEB-5251902A9CD9}"/>
+              </a:ext>
+            </a:extLst>
+          </p:cNvPr>
+          <p:cNvPicPr>
+            <a:picLocks noChangeAspect="1" noChangeArrowheads="1"/>
+          </p:cNvPicPr>
+          <p:nvPr/>
+        </p:nvPicPr>
+        <p:blipFill>
+          <a:blip r:embed="rId2">
+            <a:extLst>
+              <a:ext uri="{28A0092B-C50C-407E-A947-70E740481C1C}">
+                <a14:useLocalDpi xmlns:a14="http://schemas.microsoft.com/office/drawing/2010/main"/>
+              </a:ext>
+            </a:extLst>
+          </a:blip>
+          <a:srcRect/>
+          <a:stretch>
+            <a:fillRect/>
+          </a:stretch>
+        </p:blipFill>
+        <p:spPr bwMode="auto">
+          <a:xfrm>
+            <a:off x="8523544" y="157931"/>
+            <a:ext cx="3492500" cy="2324100"/>
+          </a:xfrm>
+          <a:prstGeom prst="rect">
+            <a:avLst/>
+          </a:prstGeom>
+          <a:noFill/>
+          <a:extLst>
+            <a:ext uri="{909E8E84-426E-40DD-AFC4-6F175D3DCCD1}">
+              <a14:hiddenFill xmlns:a14="http://schemas.microsoft.com/office/drawing/2010/main">
+                <a:solidFill>
+                  <a:srgbClr val="FFFFFF"/>
+                </a:solidFill>
+              </a14:hiddenFill>
+            </a:ext>
+          </a:extLst>
+        </p:spPr>
+      </p:pic>
+      <p:sp>
+        <p:nvSpPr>
+          <p:cNvPr id="9" name="TextBox 8">
+            <a:extLst>
+              <a:ext uri="{FF2B5EF4-FFF2-40B4-BE49-F238E27FC236}">
+                <a16:creationId xmlns:a16="http://schemas.microsoft.com/office/drawing/2014/main" id="{7801652A-A150-0414-EBD6-7AAC4AC3C00C}"/>
+              </a:ext>
+            </a:extLst>
+          </p:cNvPr>
+          <p:cNvSpPr txBox="1"/>
+          <p:nvPr/>
+        </p:nvSpPr>
+        <p:spPr>
+          <a:xfrm>
+            <a:off x="92362" y="3430156"/>
+            <a:ext cx="7145565" cy="830997"/>
+          </a:xfrm>
+          <a:prstGeom prst="rect">
+            <a:avLst/>
+          </a:prstGeom>
+          <a:solidFill>
+            <a:schemeClr val="accent4">
+              <a:lumMod val="20000"/>
+              <a:lumOff val="80000"/>
+            </a:schemeClr>
+          </a:solidFill>
+          <a:ln>
+            <a:solidFill>
+              <a:srgbClr val="FF0000"/>
+            </a:solidFill>
+          </a:ln>
+        </p:spPr>
+        <p:txBody>
+          <a:bodyPr wrap="square" rtlCol="0">
+            <a:spAutoFit/>
+          </a:bodyPr>
+          <a:lstStyle/>
+          <a:p>
+            <a:r>
+              <a:rPr lang="en-US" sz="1200" dirty="0">
+                <a:latin typeface="Calibri" panose="020F0502020204030204" pitchFamily="34" charset="0"/>
+                <a:cs typeface="Calibri" panose="020F0502020204030204" pitchFamily="34" charset="0"/>
+              </a:rPr>
+              <a:t>Both Blackmer and </a:t>
+            </a:r>
+            <a:r>
+              <a:rPr lang="en-US" sz="1200" dirty="0" err="1">
+                <a:latin typeface="Calibri" panose="020F0502020204030204" pitchFamily="34" charset="0"/>
+                <a:cs typeface="Calibri" panose="020F0502020204030204" pitchFamily="34" charset="0"/>
+              </a:rPr>
+              <a:t>Corken</a:t>
+            </a:r>
+            <a:r>
+              <a:rPr lang="en-US" sz="1200" dirty="0">
+                <a:latin typeface="Calibri" panose="020F0502020204030204" pitchFamily="34" charset="0"/>
+                <a:cs typeface="Calibri" panose="020F0502020204030204" pitchFamily="34" charset="0"/>
+              </a:rPr>
+              <a:t> pumps operate on similar principles. </a:t>
+            </a:r>
+          </a:p>
+          <a:p>
+            <a:r>
+              <a:rPr lang="en-US" sz="1200" dirty="0">
+                <a:latin typeface="Calibri" panose="020F0502020204030204" pitchFamily="34" charset="0"/>
+                <a:cs typeface="Calibri" panose="020F0502020204030204" pitchFamily="34" charset="0"/>
+              </a:rPr>
+              <a:t>Blackmer sliding vane pump can create 125 psi differential pressure </a:t>
+            </a:r>
+          </a:p>
+          <a:p>
+            <a:r>
+              <a:rPr lang="en-US" sz="1200" dirty="0" err="1">
+                <a:latin typeface="Calibri" panose="020F0502020204030204" pitchFamily="34" charset="0"/>
+                <a:cs typeface="Calibri" panose="020F0502020204030204" pitchFamily="34" charset="0"/>
+              </a:rPr>
+              <a:t>Corken</a:t>
+            </a:r>
+            <a:r>
+              <a:rPr lang="en-US" sz="1200" dirty="0">
+                <a:latin typeface="Calibri" panose="020F0502020204030204" pitchFamily="34" charset="0"/>
+                <a:cs typeface="Calibri" panose="020F0502020204030204" pitchFamily="34" charset="0"/>
+              </a:rPr>
+              <a:t> Coro-Vane Pumps can be "Sliding Vane" or "Regenerative Turbine" (Coro-Flo) and can go up to 400 psi</a:t>
+            </a:r>
+          </a:p>
+          <a:p>
+            <a:r>
+              <a:rPr lang="en-US" sz="1200" dirty="0">
+                <a:latin typeface="Calibri" panose="020F0502020204030204" pitchFamily="34" charset="0"/>
+                <a:cs typeface="Calibri" panose="020F0502020204030204" pitchFamily="34" charset="0"/>
+              </a:rPr>
+              <a:t>Typic. Typical pump cost $2K-$4K</a:t>
+            </a:r>
+          </a:p>
+        </p:txBody>
+      </p:sp>
+      <p:sp>
+        <p:nvSpPr>
+          <p:cNvPr id="10" name="TextBox 9">
+            <a:extLst>
+              <a:ext uri="{FF2B5EF4-FFF2-40B4-BE49-F238E27FC236}">
+                <a16:creationId xmlns:a16="http://schemas.microsoft.com/office/drawing/2014/main" id="{3DE2CEDD-666A-B43C-E633-F510A4D5EA43}"/>
+              </a:ext>
+            </a:extLst>
+          </p:cNvPr>
+          <p:cNvSpPr txBox="1"/>
+          <p:nvPr/>
+        </p:nvSpPr>
+        <p:spPr>
+          <a:xfrm>
+            <a:off x="92362" y="1421052"/>
+            <a:ext cx="7145565" cy="1938992"/>
+          </a:xfrm>
+          <a:prstGeom prst="rect">
+            <a:avLst/>
+          </a:prstGeom>
+          <a:solidFill>
+            <a:schemeClr val="accent4">
+              <a:lumMod val="20000"/>
+              <a:lumOff val="80000"/>
+            </a:schemeClr>
+          </a:solidFill>
+          <a:ln>
+            <a:solidFill>
+              <a:srgbClr val="FF0000"/>
+            </a:solidFill>
+          </a:ln>
+        </p:spPr>
+        <p:txBody>
+          <a:bodyPr wrap="square" rtlCol="0">
+            <a:spAutoFit/>
+          </a:bodyPr>
+          <a:lstStyle/>
+          <a:p>
+            <a:r>
+              <a:rPr lang="en-US" sz="1200" dirty="0">
+                <a:latin typeface="Calibri" panose="020F0502020204030204" pitchFamily="34" charset="0"/>
+                <a:cs typeface="Calibri" panose="020F0502020204030204" pitchFamily="34" charset="0"/>
+              </a:rPr>
+              <a:t>The deck behind the storage tank on a propane bobtail truck is typically referred to as the "rear deck" or "open deck" and typically has the following equipment:</a:t>
+            </a:r>
+          </a:p>
+          <a:p>
+            <a:r>
+              <a:rPr lang="en-US" sz="1200" dirty="0">
+                <a:latin typeface="Calibri" panose="020F0502020204030204" pitchFamily="34" charset="0"/>
+                <a:cs typeface="Calibri" panose="020F0502020204030204" pitchFamily="34" charset="0"/>
+              </a:rPr>
+              <a:t>.. A meter in a metal box</a:t>
+            </a:r>
+          </a:p>
+          <a:p>
+            <a:r>
+              <a:rPr lang="en-US" sz="1200" dirty="0">
+                <a:latin typeface="Calibri" panose="020F0502020204030204" pitchFamily="34" charset="0"/>
+                <a:cs typeface="Calibri" panose="020F0502020204030204" pitchFamily="34" charset="0"/>
+              </a:rPr>
+              <a:t>.. Hose reel with 150 feet 1 inch hose</a:t>
+            </a:r>
+          </a:p>
+          <a:p>
+            <a:r>
+              <a:rPr lang="en-US" sz="1200" dirty="0">
+                <a:latin typeface="Calibri" panose="020F0502020204030204" pitchFamily="34" charset="0"/>
+                <a:cs typeface="Calibri" panose="020F0502020204030204" pitchFamily="34" charset="0"/>
+              </a:rPr>
+              <a:t>.. a Blackmer or </a:t>
+            </a:r>
+            <a:r>
+              <a:rPr lang="en-US" sz="1200" dirty="0" err="1">
+                <a:latin typeface="Calibri" panose="020F0502020204030204" pitchFamily="34" charset="0"/>
+                <a:cs typeface="Calibri" panose="020F0502020204030204" pitchFamily="34" charset="0"/>
+              </a:rPr>
+              <a:t>Corken</a:t>
+            </a:r>
+            <a:r>
+              <a:rPr lang="en-US" sz="1200" dirty="0">
+                <a:latin typeface="Calibri" panose="020F0502020204030204" pitchFamily="34" charset="0"/>
+                <a:cs typeface="Calibri" panose="020F0502020204030204" pitchFamily="34" charset="0"/>
+              </a:rPr>
+              <a:t> pump</a:t>
+            </a:r>
+          </a:p>
+          <a:p>
+            <a:r>
+              <a:rPr lang="en-US" sz="1200" dirty="0">
+                <a:latin typeface="Calibri" panose="020F0502020204030204" pitchFamily="34" charset="0"/>
+                <a:cs typeface="Calibri" panose="020F0502020204030204" pitchFamily="34" charset="0"/>
+              </a:rPr>
+              <a:t>.. Various valves including Fisher and Rego valves</a:t>
+            </a:r>
+          </a:p>
+          <a:p>
+            <a:r>
+              <a:rPr lang="en-US" sz="1200" dirty="0">
+                <a:latin typeface="Calibri" panose="020F0502020204030204" pitchFamily="34" charset="0"/>
+                <a:cs typeface="Calibri" panose="020F0502020204030204" pitchFamily="34" charset="0"/>
+              </a:rPr>
+              <a:t>.. BASE remote control multi-function system for operations like emergency shutdown, PTO control, and hose reel operation</a:t>
+            </a:r>
+          </a:p>
+          <a:p>
+            <a:r>
+              <a:rPr lang="en-US" sz="1200" dirty="0">
+                <a:latin typeface="Calibri" panose="020F0502020204030204" pitchFamily="34" charset="0"/>
+                <a:cs typeface="Calibri" panose="020F0502020204030204" pitchFamily="34" charset="0"/>
+              </a:rPr>
+              <a:t>.. Stainless steel or welded/flanged liquid piping</a:t>
+            </a:r>
+          </a:p>
+          <a:p>
+            <a:r>
+              <a:rPr lang="en-US" sz="1200" dirty="0">
+                <a:latin typeface="Calibri" panose="020F0502020204030204" pitchFamily="34" charset="0"/>
+                <a:cs typeface="Calibri" panose="020F0502020204030204" pitchFamily="34" charset="0"/>
+              </a:rPr>
+              <a:t>.. Lights, tool boxes, pressure gauge and thermometer, float gauge, air operated controls for internal valves</a:t>
+            </a:r>
+          </a:p>
+        </p:txBody>
+      </p:sp>
+      <p:pic>
+        <p:nvPicPr>
+          <p:cNvPr id="1028" name="Picture 4" descr="Product Image 1 of 1">
+            <a:extLst>
+              <a:ext uri="{FF2B5EF4-FFF2-40B4-BE49-F238E27FC236}">
+                <a16:creationId xmlns:a16="http://schemas.microsoft.com/office/drawing/2014/main" id="{1EE702E9-73EB-CD8C-DA36-B4F83B3D6E7E}"/>
+              </a:ext>
+            </a:extLst>
+          </p:cNvPr>
+          <p:cNvPicPr>
+            <a:picLocks noChangeAspect="1" noChangeArrowheads="1"/>
+          </p:cNvPicPr>
+          <p:nvPr/>
+        </p:nvPicPr>
+        <p:blipFill>
+          <a:blip r:embed="rId3" cstate="email">
+            <a:extLst>
+              <a:ext uri="{28A0092B-C50C-407E-A947-70E740481C1C}">
+                <a14:useLocalDpi xmlns:a14="http://schemas.microsoft.com/office/drawing/2010/main"/>
+              </a:ext>
+            </a:extLst>
+          </a:blip>
+          <a:srcRect/>
+          <a:stretch>
+            <a:fillRect/>
+          </a:stretch>
+        </p:blipFill>
+        <p:spPr bwMode="auto">
+          <a:xfrm>
+            <a:off x="8166307" y="2679713"/>
+            <a:ext cx="1772008" cy="1996938"/>
+          </a:xfrm>
+          <a:prstGeom prst="rect">
+            <a:avLst/>
+          </a:prstGeom>
+          <a:noFill/>
+          <a:extLst>
+            <a:ext uri="{909E8E84-426E-40DD-AFC4-6F175D3DCCD1}">
+              <a14:hiddenFill xmlns:a14="http://schemas.microsoft.com/office/drawing/2010/main">
+                <a:solidFill>
+                  <a:srgbClr val="FFFFFF"/>
+                </a:solidFill>
+              </a14:hiddenFill>
+            </a:ext>
+          </a:extLst>
+        </p:spPr>
+      </p:pic>
+      <p:pic>
+        <p:nvPicPr>
+          <p:cNvPr id="1030" name="Picture 6" descr="Product Image 1 of 1">
+            <a:extLst>
+              <a:ext uri="{FF2B5EF4-FFF2-40B4-BE49-F238E27FC236}">
+                <a16:creationId xmlns:a16="http://schemas.microsoft.com/office/drawing/2014/main" id="{A05E2365-B27B-DC18-E2C6-718C5029F3E3}"/>
+              </a:ext>
+            </a:extLst>
+          </p:cNvPr>
+          <p:cNvPicPr>
+            <a:picLocks noChangeAspect="1" noChangeArrowheads="1"/>
+          </p:cNvPicPr>
+          <p:nvPr/>
+        </p:nvPicPr>
+        <p:blipFill>
+          <a:blip r:embed="rId4" cstate="email">
+            <a:extLst>
+              <a:ext uri="{28A0092B-C50C-407E-A947-70E740481C1C}">
+                <a14:useLocalDpi xmlns:a14="http://schemas.microsoft.com/office/drawing/2010/main"/>
+              </a:ext>
+            </a:extLst>
+          </a:blip>
+          <a:srcRect/>
+          <a:stretch>
+            <a:fillRect/>
+          </a:stretch>
+        </p:blipFill>
+        <p:spPr bwMode="auto">
+          <a:xfrm>
+            <a:off x="10245138" y="2647730"/>
+            <a:ext cx="1770906" cy="1938992"/>
+          </a:xfrm>
+          <a:prstGeom prst="rect">
+            <a:avLst/>
+          </a:prstGeom>
+          <a:noFill/>
+          <a:extLst>
+            <a:ext uri="{909E8E84-426E-40DD-AFC4-6F175D3DCCD1}">
+              <a14:hiddenFill xmlns:a14="http://schemas.microsoft.com/office/drawing/2010/main">
+                <a:solidFill>
+                  <a:srgbClr val="FFFFFF"/>
+                </a:solidFill>
+              </a14:hiddenFill>
+            </a:ext>
+          </a:extLst>
+        </p:spPr>
+      </p:pic>
+      <p:sp>
+        <p:nvSpPr>
+          <p:cNvPr id="11" name="TextBox 10">
+            <a:extLst>
+              <a:ext uri="{FF2B5EF4-FFF2-40B4-BE49-F238E27FC236}">
+                <a16:creationId xmlns:a16="http://schemas.microsoft.com/office/drawing/2014/main" id="{5C755FC4-04CD-38E0-BDE9-ADEE1E2AA00D}"/>
+              </a:ext>
+            </a:extLst>
+          </p:cNvPr>
+          <p:cNvSpPr txBox="1"/>
+          <p:nvPr/>
+        </p:nvSpPr>
+        <p:spPr>
+          <a:xfrm>
+            <a:off x="79484" y="4447587"/>
+            <a:ext cx="7145565" cy="461665"/>
+          </a:xfrm>
+          <a:prstGeom prst="rect">
+            <a:avLst/>
+          </a:prstGeom>
+          <a:solidFill>
+            <a:schemeClr val="accent4">
+              <a:lumMod val="20000"/>
+              <a:lumOff val="80000"/>
+            </a:schemeClr>
+          </a:solidFill>
+          <a:ln>
+            <a:solidFill>
+              <a:srgbClr val="FF0000"/>
+            </a:solidFill>
+          </a:ln>
+        </p:spPr>
+        <p:txBody>
+          <a:bodyPr wrap="square" rtlCol="0">
+            <a:spAutoFit/>
+          </a:bodyPr>
+          <a:lstStyle/>
+          <a:p>
+            <a:r>
+              <a:rPr lang="en-US" sz="1200" dirty="0">
+                <a:latin typeface="Calibri" panose="020F0502020204030204" pitchFamily="34" charset="0"/>
+                <a:cs typeface="Calibri" panose="020F0502020204030204" pitchFamily="34" charset="0"/>
+                <a:hlinkClick r:id="rId5"/>
+              </a:rPr>
+              <a:t>https://www.youtube.com/watch?v=VEs8n_bqMLc</a:t>
+            </a:r>
+            <a:r>
+              <a:rPr lang="en-US" sz="1200" dirty="0">
+                <a:latin typeface="Calibri" panose="020F0502020204030204" pitchFamily="34" charset="0"/>
+                <a:cs typeface="Calibri" panose="020F0502020204030204" pitchFamily="34" charset="0"/>
+              </a:rPr>
+              <a:t> – propane delivery driver</a:t>
+            </a:r>
+          </a:p>
+          <a:p>
+            <a:r>
+              <a:rPr lang="en-US" sz="1200" dirty="0">
+                <a:latin typeface="Calibri" panose="020F0502020204030204" pitchFamily="34" charset="0"/>
+                <a:cs typeface="Calibri" panose="020F0502020204030204" pitchFamily="34" charset="0"/>
+                <a:hlinkClick r:id="rId6"/>
+              </a:rPr>
+              <a:t>https://www.youtube.com/shorts/bXqpQ8w2ZRA </a:t>
+            </a:r>
+            <a:r>
+              <a:rPr lang="en-US" sz="1200" dirty="0">
+                <a:latin typeface="Calibri" panose="020F0502020204030204" pitchFamily="34" charset="0"/>
+                <a:cs typeface="Calibri" panose="020F0502020204030204" pitchFamily="34" charset="0"/>
+              </a:rPr>
+              <a:t>– truck driver filling propane tank</a:t>
+            </a:r>
+          </a:p>
+        </p:txBody>
+      </p:sp>
+      <p:pic>
+        <p:nvPicPr>
+          <p:cNvPr id="12" name="Picture 11">
+            <a:extLst>
+              <a:ext uri="{FF2B5EF4-FFF2-40B4-BE49-F238E27FC236}">
+                <a16:creationId xmlns:a16="http://schemas.microsoft.com/office/drawing/2014/main" id="{52539CAD-ABAC-1A7A-ADD2-80156E40520A}"/>
+              </a:ext>
+            </a:extLst>
+          </p:cNvPr>
+          <p:cNvPicPr>
+            <a:picLocks noChangeAspect="1"/>
+          </p:cNvPicPr>
+          <p:nvPr/>
+        </p:nvPicPr>
+        <p:blipFill>
+          <a:blip r:embed="rId7" cstate="email">
+            <a:extLst>
+              <a:ext uri="{28A0092B-C50C-407E-A947-70E740481C1C}">
+                <a14:useLocalDpi xmlns:a14="http://schemas.microsoft.com/office/drawing/2010/main"/>
+              </a:ext>
+            </a:extLst>
+          </a:blip>
+          <a:stretch>
+            <a:fillRect/>
+          </a:stretch>
+        </p:blipFill>
+        <p:spPr>
+          <a:xfrm>
+            <a:off x="9504608" y="4610413"/>
+            <a:ext cx="2511436" cy="2130694"/>
+          </a:xfrm>
+          <a:prstGeom prst="rect">
+            <a:avLst/>
+          </a:prstGeom>
+        </p:spPr>
+      </p:pic>
+    </p:spTree>
+    <p:extLst>
+      <p:ext uri="{BB962C8B-B14F-4D97-AF65-F5344CB8AC3E}">
+        <p14:creationId xmlns:p14="http://schemas.microsoft.com/office/powerpoint/2010/main" val="2137917258"/>
       </p:ext>
     </p:extLst>
   </p:cSld>
